--- a/Capstone 2/WSDM - KKBox's Churn Prediction Challenge/docs/Capstone2_Final_Presentation–.pptx
+++ b/Capstone 2/WSDM - KKBox's Churn Prediction Challenge/docs/Capstone2_Final_Presentation–.pptx
@@ -9,29 +9,30 @@
     <p:sldId id="257" r:id="rId3"/>
     <p:sldId id="259" r:id="rId4"/>
     <p:sldId id="260" r:id="rId5"/>
-    <p:sldId id="261" r:id="rId6"/>
-    <p:sldId id="263" r:id="rId7"/>
-    <p:sldId id="264" r:id="rId8"/>
-    <p:sldId id="265" r:id="rId9"/>
-    <p:sldId id="266" r:id="rId10"/>
-    <p:sldId id="267" r:id="rId11"/>
-    <p:sldId id="268" r:id="rId12"/>
-    <p:sldId id="269" r:id="rId13"/>
-    <p:sldId id="270" r:id="rId14"/>
-    <p:sldId id="272" r:id="rId15"/>
-    <p:sldId id="271" r:id="rId16"/>
-    <p:sldId id="273" r:id="rId17"/>
-    <p:sldId id="275" r:id="rId18"/>
-    <p:sldId id="276" r:id="rId19"/>
-    <p:sldId id="277" r:id="rId20"/>
-    <p:sldId id="274" r:id="rId21"/>
-    <p:sldId id="281" r:id="rId22"/>
-    <p:sldId id="280" r:id="rId23"/>
-    <p:sldId id="282" r:id="rId24"/>
-    <p:sldId id="283" r:id="rId25"/>
-    <p:sldId id="284" r:id="rId26"/>
-    <p:sldId id="285" r:id="rId27"/>
-    <p:sldId id="286" r:id="rId28"/>
+    <p:sldId id="287" r:id="rId6"/>
+    <p:sldId id="261" r:id="rId7"/>
+    <p:sldId id="263" r:id="rId8"/>
+    <p:sldId id="264" r:id="rId9"/>
+    <p:sldId id="265" r:id="rId10"/>
+    <p:sldId id="266" r:id="rId11"/>
+    <p:sldId id="267" r:id="rId12"/>
+    <p:sldId id="268" r:id="rId13"/>
+    <p:sldId id="269" r:id="rId14"/>
+    <p:sldId id="270" r:id="rId15"/>
+    <p:sldId id="272" r:id="rId16"/>
+    <p:sldId id="271" r:id="rId17"/>
+    <p:sldId id="273" r:id="rId18"/>
+    <p:sldId id="275" r:id="rId19"/>
+    <p:sldId id="276" r:id="rId20"/>
+    <p:sldId id="277" r:id="rId21"/>
+    <p:sldId id="274" r:id="rId22"/>
+    <p:sldId id="281" r:id="rId23"/>
+    <p:sldId id="280" r:id="rId24"/>
+    <p:sldId id="282" r:id="rId25"/>
+    <p:sldId id="283" r:id="rId26"/>
+    <p:sldId id="284" r:id="rId27"/>
+    <p:sldId id="285" r:id="rId28"/>
+    <p:sldId id="286" r:id="rId29"/>
   </p:sldIdLst>
   <p:sldSz cx="12192000" cy="6858000"/>
   <p:notesSz cx="6858000" cy="9144000"/>
@@ -130,6 +131,11 @@
       </a:defRPr>
     </a:lvl9pPr>
   </p:defaultTextStyle>
+  <p:extLst>
+    <p:ext uri="{EFAFB233-063F-42B5-8137-9DF3F51BA10A}">
+      <p15:sldGuideLst xmlns:p15="http://schemas.microsoft.com/office/powerpoint/2012/main"/>
+    </p:ext>
+  </p:extLst>
 </p:presentation>
 </file>
 
@@ -280,7 +286,7 @@
           <a:p>
             <a:fld id="{D8EE21D8-DF47-4D1D-8090-D8802727FD86}" type="datetimeFigureOut">
               <a:rPr lang="en-US" smtClean="0"/>
-              <a:t>11/29/2023</a:t>
+              <a:t>12/1/2023</a:t>
             </a:fld>
             <a:endParaRPr lang="en-US"/>
           </a:p>
@@ -478,7 +484,7 @@
           <a:p>
             <a:fld id="{D8EE21D8-DF47-4D1D-8090-D8802727FD86}" type="datetimeFigureOut">
               <a:rPr lang="en-US" smtClean="0"/>
-              <a:t>11/29/2023</a:t>
+              <a:t>12/1/2023</a:t>
             </a:fld>
             <a:endParaRPr lang="en-US"/>
           </a:p>
@@ -686,7 +692,7 @@
           <a:p>
             <a:fld id="{D8EE21D8-DF47-4D1D-8090-D8802727FD86}" type="datetimeFigureOut">
               <a:rPr lang="en-US" smtClean="0"/>
-              <a:t>11/29/2023</a:t>
+              <a:t>12/1/2023</a:t>
             </a:fld>
             <a:endParaRPr lang="en-US"/>
           </a:p>
@@ -873,7 +879,7 @@
           <a:p>
             <a:fld id="{D8EE21D8-DF47-4D1D-8090-D8802727FD86}" type="datetimeFigureOut">
               <a:rPr lang="en-US" smtClean="0"/>
-              <a:t>11/29/2023</a:t>
+              <a:t>12/1/2023</a:t>
             </a:fld>
             <a:endParaRPr lang="en-US"/>
           </a:p>
@@ -1059,7 +1065,7 @@
           <a:p>
             <a:fld id="{D8EE21D8-DF47-4D1D-8090-D8802727FD86}" type="datetimeFigureOut">
               <a:rPr lang="en-US" smtClean="0"/>
-              <a:t>11/29/2023</a:t>
+              <a:t>12/1/2023</a:t>
             </a:fld>
             <a:endParaRPr lang="en-US"/>
           </a:p>
@@ -1334,7 +1340,7 @@
           <a:p>
             <a:fld id="{D8EE21D8-DF47-4D1D-8090-D8802727FD86}" type="datetimeFigureOut">
               <a:rPr lang="en-US" smtClean="0"/>
-              <a:t>11/29/2023</a:t>
+              <a:t>12/1/2023</a:t>
             </a:fld>
             <a:endParaRPr lang="en-US"/>
           </a:p>
@@ -1599,7 +1605,7 @@
           <a:p>
             <a:fld id="{D8EE21D8-DF47-4D1D-8090-D8802727FD86}" type="datetimeFigureOut">
               <a:rPr lang="en-US" smtClean="0"/>
-              <a:t>11/29/2023</a:t>
+              <a:t>12/1/2023</a:t>
             </a:fld>
             <a:endParaRPr lang="en-US"/>
           </a:p>
@@ -2011,7 +2017,7 @@
           <a:p>
             <a:fld id="{D8EE21D8-DF47-4D1D-8090-D8802727FD86}" type="datetimeFigureOut">
               <a:rPr lang="en-US" smtClean="0"/>
-              <a:t>11/29/2023</a:t>
+              <a:t>12/1/2023</a:t>
             </a:fld>
             <a:endParaRPr lang="en-US"/>
           </a:p>
@@ -2152,7 +2158,7 @@
           <a:p>
             <a:fld id="{D8EE21D8-DF47-4D1D-8090-D8802727FD86}" type="datetimeFigureOut">
               <a:rPr lang="en-US" smtClean="0"/>
-              <a:t>11/29/2023</a:t>
+              <a:t>12/1/2023</a:t>
             </a:fld>
             <a:endParaRPr lang="en-US"/>
           </a:p>
@@ -2265,7 +2271,7 @@
           <a:p>
             <a:fld id="{D8EE21D8-DF47-4D1D-8090-D8802727FD86}" type="datetimeFigureOut">
               <a:rPr lang="en-US" smtClean="0"/>
-              <a:t>11/29/2023</a:t>
+              <a:t>12/1/2023</a:t>
             </a:fld>
             <a:endParaRPr lang="en-US"/>
           </a:p>
@@ -2576,7 +2582,7 @@
           <a:p>
             <a:fld id="{D8EE21D8-DF47-4D1D-8090-D8802727FD86}" type="datetimeFigureOut">
               <a:rPr lang="en-US" smtClean="0"/>
-              <a:t>11/29/2023</a:t>
+              <a:t>12/1/2023</a:t>
             </a:fld>
             <a:endParaRPr lang="en-US"/>
           </a:p>
@@ -2864,7 +2870,7 @@
           <a:p>
             <a:fld id="{D8EE21D8-DF47-4D1D-8090-D8802727FD86}" type="datetimeFigureOut">
               <a:rPr lang="en-US" smtClean="0"/>
-              <a:t>11/29/2023</a:t>
+              <a:t>12/1/2023</a:t>
             </a:fld>
             <a:endParaRPr lang="en-US"/>
           </a:p>
@@ -3105,7 +3111,7 @@
           <a:p>
             <a:fld id="{D8EE21D8-DF47-4D1D-8090-D8802727FD86}" type="datetimeFigureOut">
               <a:rPr lang="en-US" smtClean="0"/>
-              <a:t>11/29/2023</a:t>
+              <a:t>12/1/2023</a:t>
             </a:fld>
             <a:endParaRPr lang="en-US"/>
           </a:p>
@@ -3655,7 +3661,7 @@
         </p:nvSpPr>
         <p:spPr>
           <a:xfrm>
-            <a:off x="3544455" y="-84663"/>
+            <a:off x="3525983" y="248358"/>
             <a:ext cx="10515600" cy="1325563"/>
           </a:xfrm>
         </p:spPr>
@@ -3688,7 +3694,7 @@
         </p:nvSpPr>
         <p:spPr>
           <a:xfrm>
-            <a:off x="3075709" y="953143"/>
+            <a:off x="3066473" y="1838036"/>
             <a:ext cx="6280727" cy="369332"/>
           </a:xfrm>
           <a:prstGeom prst="rect">
@@ -3704,17 +3710,17 @@
           <a:p>
             <a:r>
               <a:rPr lang="en-US" b="1" dirty="0"/>
-              <a:t>Visualization – feature correlation </a:t>
+              <a:t>Visualization – Outlier detection- Numerical feature</a:t>
             </a:r>
           </a:p>
         </p:txBody>
       </p:sp>
       <p:pic>
         <p:nvPicPr>
-          <p:cNvPr id="4098" name="Picture 2">
+          <p:cNvPr id="3074" name="Picture 2">
             <a:extLst>
               <a:ext uri="{FF2B5EF4-FFF2-40B4-BE49-F238E27FC236}">
-                <a16:creationId xmlns:a16="http://schemas.microsoft.com/office/drawing/2014/main" id="{C3FEB55A-F177-7FDE-630A-101B9AEA5FE8}"/>
+                <a16:creationId xmlns:a16="http://schemas.microsoft.com/office/drawing/2014/main" id="{4F07C10B-47B2-7E8A-7357-5C40873C8C5F}"/>
               </a:ext>
             </a:extLst>
           </p:cNvPr>
@@ -3723,7 +3729,7 @@
           </p:cNvPicPr>
           <p:nvPr/>
         </p:nvPicPr>
-        <p:blipFill>
+        <p:blipFill rotWithShape="1">
           <a:blip r:embed="rId3">
             <a:extLst>
               <a:ext uri="{28A0092B-C50C-407E-A947-70E740481C1C}">
@@ -3731,15 +3737,13 @@
               </a:ext>
             </a:extLst>
           </a:blip>
-          <a:srcRect/>
-          <a:stretch>
-            <a:fillRect/>
-          </a:stretch>
+          <a:srcRect b="50000"/>
+          <a:stretch/>
         </p:blipFill>
         <p:spPr bwMode="auto">
           <a:xfrm>
-            <a:off x="3749965" y="1303478"/>
-            <a:ext cx="8229600" cy="5471395"/>
+            <a:off x="3362037" y="2558472"/>
+            <a:ext cx="7083425" cy="3429000"/>
           </a:xfrm>
           <a:prstGeom prst="rect">
             <a:avLst/>
@@ -3759,7 +3763,7 @@
     </p:spTree>
     <p:extLst>
       <p:ext uri="{BB962C8B-B14F-4D97-AF65-F5344CB8AC3E}">
-        <p14:creationId xmlns:p14="http://schemas.microsoft.com/office/powerpoint/2010/main" val="1708290261"/>
+        <p14:creationId xmlns:p14="http://schemas.microsoft.com/office/powerpoint/2010/main" val="2888179304"/>
       </p:ext>
     </p:extLst>
   </p:cSld>
@@ -3867,17 +3871,17 @@
           <a:p>
             <a:r>
               <a:rPr lang="en-US" b="1" dirty="0"/>
-              <a:t>Feature Selection – Recursive Feature Elimination (RFECV) </a:t>
+              <a:t>Visualization – feature correlation </a:t>
             </a:r>
           </a:p>
         </p:txBody>
       </p:sp>
       <p:pic>
         <p:nvPicPr>
-          <p:cNvPr id="5122" name="Picture 2">
+          <p:cNvPr id="4098" name="Picture 2">
             <a:extLst>
               <a:ext uri="{FF2B5EF4-FFF2-40B4-BE49-F238E27FC236}">
-                <a16:creationId xmlns:a16="http://schemas.microsoft.com/office/drawing/2014/main" id="{059B7964-F623-7FAC-D839-E675DE29E35F}"/>
+                <a16:creationId xmlns:a16="http://schemas.microsoft.com/office/drawing/2014/main" id="{C3FEB55A-F177-7FDE-630A-101B9AEA5FE8}"/>
               </a:ext>
             </a:extLst>
           </p:cNvPr>
@@ -3901,8 +3905,8 @@
         </p:blipFill>
         <p:spPr bwMode="auto">
           <a:xfrm>
-            <a:off x="4075113" y="1322475"/>
-            <a:ext cx="7147069" cy="5303672"/>
+            <a:off x="3749965" y="1303478"/>
+            <a:ext cx="8229600" cy="5471395"/>
           </a:xfrm>
           <a:prstGeom prst="rect">
             <a:avLst/>
@@ -3922,7 +3926,7 @@
     </p:spTree>
     <p:extLst>
       <p:ext uri="{BB962C8B-B14F-4D97-AF65-F5344CB8AC3E}">
-        <p14:creationId xmlns:p14="http://schemas.microsoft.com/office/powerpoint/2010/main" val="1599835481"/>
+        <p14:creationId xmlns:p14="http://schemas.microsoft.com/office/powerpoint/2010/main" val="1708290261"/>
       </p:ext>
     </p:extLst>
   </p:cSld>
@@ -4030,17 +4034,17 @@
           <a:p>
             <a:r>
               <a:rPr lang="en-US" b="1" dirty="0"/>
-              <a:t>Feature Selection – SHAP values</a:t>
+              <a:t>Feature Selection – Recursive Feature Elimination (RFECV) </a:t>
             </a:r>
           </a:p>
         </p:txBody>
       </p:sp>
       <p:pic>
         <p:nvPicPr>
-          <p:cNvPr id="6146" name="Picture 2">
+          <p:cNvPr id="5122" name="Picture 2">
             <a:extLst>
               <a:ext uri="{FF2B5EF4-FFF2-40B4-BE49-F238E27FC236}">
-                <a16:creationId xmlns:a16="http://schemas.microsoft.com/office/drawing/2014/main" id="{0331E554-685F-1A70-6E0E-2D8FFEBB96D1}"/>
+                <a16:creationId xmlns:a16="http://schemas.microsoft.com/office/drawing/2014/main" id="{059B7964-F623-7FAC-D839-E675DE29E35F}"/>
               </a:ext>
             </a:extLst>
           </p:cNvPr>
@@ -4064,8 +4068,8 @@
         </p:blipFill>
         <p:spPr bwMode="auto">
           <a:xfrm>
-            <a:off x="4535053" y="1322475"/>
-            <a:ext cx="5929745" cy="5373889"/>
+            <a:off x="4075113" y="1322475"/>
+            <a:ext cx="7147069" cy="5303672"/>
           </a:xfrm>
           <a:prstGeom prst="rect">
             <a:avLst/>
@@ -4085,7 +4089,7 @@
     </p:spTree>
     <p:extLst>
       <p:ext uri="{BB962C8B-B14F-4D97-AF65-F5344CB8AC3E}">
-        <p14:creationId xmlns:p14="http://schemas.microsoft.com/office/powerpoint/2010/main" val="2097860155"/>
+        <p14:creationId xmlns:p14="http://schemas.microsoft.com/office/powerpoint/2010/main" val="1599835481"/>
       </p:ext>
     </p:extLst>
   </p:cSld>
@@ -4193,6 +4197,169 @@
           <a:p>
             <a:r>
               <a:rPr lang="en-US" b="1" dirty="0"/>
+              <a:t>Feature Selection – SHAP values</a:t>
+            </a:r>
+          </a:p>
+        </p:txBody>
+      </p:sp>
+      <p:pic>
+        <p:nvPicPr>
+          <p:cNvPr id="6146" name="Picture 2">
+            <a:extLst>
+              <a:ext uri="{FF2B5EF4-FFF2-40B4-BE49-F238E27FC236}">
+                <a16:creationId xmlns:a16="http://schemas.microsoft.com/office/drawing/2014/main" id="{0331E554-685F-1A70-6E0E-2D8FFEBB96D1}"/>
+              </a:ext>
+            </a:extLst>
+          </p:cNvPr>
+          <p:cNvPicPr>
+            <a:picLocks noChangeAspect="1" noChangeArrowheads="1"/>
+          </p:cNvPicPr>
+          <p:nvPr/>
+        </p:nvPicPr>
+        <p:blipFill>
+          <a:blip r:embed="rId3">
+            <a:extLst>
+              <a:ext uri="{28A0092B-C50C-407E-A947-70E740481C1C}">
+                <a14:useLocalDpi xmlns:a14="http://schemas.microsoft.com/office/drawing/2010/main" val="0"/>
+              </a:ext>
+            </a:extLst>
+          </a:blip>
+          <a:srcRect/>
+          <a:stretch>
+            <a:fillRect/>
+          </a:stretch>
+        </p:blipFill>
+        <p:spPr bwMode="auto">
+          <a:xfrm>
+            <a:off x="4535053" y="1322475"/>
+            <a:ext cx="5929745" cy="5373889"/>
+          </a:xfrm>
+          <a:prstGeom prst="rect">
+            <a:avLst/>
+          </a:prstGeom>
+          <a:noFill/>
+          <a:extLst>
+            <a:ext uri="{909E8E84-426E-40DD-AFC4-6F175D3DCCD1}">
+              <a14:hiddenFill xmlns:a14="http://schemas.microsoft.com/office/drawing/2010/main">
+                <a:solidFill>
+                  <a:srgbClr val="FFFFFF"/>
+                </a:solidFill>
+              </a14:hiddenFill>
+            </a:ext>
+          </a:extLst>
+        </p:spPr>
+      </p:pic>
+    </p:spTree>
+    <p:extLst>
+      <p:ext uri="{BB962C8B-B14F-4D97-AF65-F5344CB8AC3E}">
+        <p14:creationId xmlns:p14="http://schemas.microsoft.com/office/powerpoint/2010/main" val="2097860155"/>
+      </p:ext>
+    </p:extLst>
+  </p:cSld>
+  <p:clrMapOvr>
+    <a:masterClrMapping/>
+  </p:clrMapOvr>
+</p:sld>
+</file>
+
+<file path=ppt/slides/slide14.xml><?xml version="1.0" encoding="utf-8"?>
+<p:sld xmlns:a="http://schemas.openxmlformats.org/drawingml/2006/main" xmlns:r="http://schemas.openxmlformats.org/officeDocument/2006/relationships" xmlns:p="http://schemas.openxmlformats.org/presentationml/2006/main">
+  <p:cSld>
+    <p:bg>
+      <p:bgPr>
+        <a:blipFill dpi="0" rotWithShape="1">
+          <a:blip r:embed="rId2">
+            <a:lum/>
+          </a:blip>
+          <a:srcRect/>
+          <a:stretch>
+            <a:fillRect t="-17000" b="-17000"/>
+          </a:stretch>
+        </a:blipFill>
+        <a:effectLst/>
+      </p:bgPr>
+    </p:bg>
+    <p:spTree>
+      <p:nvGrpSpPr>
+        <p:cNvPr id="1" name=""/>
+        <p:cNvGrpSpPr/>
+        <p:nvPr/>
+      </p:nvGrpSpPr>
+      <p:grpSpPr>
+        <a:xfrm>
+          <a:off x="0" y="0"/>
+          <a:ext cx="0" cy="0"/>
+          <a:chOff x="0" y="0"/>
+          <a:chExt cx="0" cy="0"/>
+        </a:xfrm>
+      </p:grpSpPr>
+      <p:sp>
+        <p:nvSpPr>
+          <p:cNvPr id="2" name="Title 1">
+            <a:extLst>
+              <a:ext uri="{FF2B5EF4-FFF2-40B4-BE49-F238E27FC236}">
+                <a16:creationId xmlns:a16="http://schemas.microsoft.com/office/drawing/2014/main" id="{E9FE2B48-CD0E-2F9E-48F0-B5FAA9B51B42}"/>
+              </a:ext>
+            </a:extLst>
+          </p:cNvPr>
+          <p:cNvSpPr>
+            <a:spLocks noGrp="1"/>
+          </p:cNvSpPr>
+          <p:nvPr>
+            <p:ph type="title"/>
+          </p:nvPr>
+        </p:nvSpPr>
+        <p:spPr>
+          <a:xfrm>
+            <a:off x="3544455" y="-84663"/>
+            <a:ext cx="10515600" cy="1325563"/>
+          </a:xfrm>
+        </p:spPr>
+        <p:txBody>
+          <a:bodyPr/>
+          <a:lstStyle/>
+          <a:p>
+            <a:r>
+              <a:rPr lang="en-US" dirty="0">
+                <a:latin typeface="Calibri" panose="020F0502020204030204" pitchFamily="34" charset="0"/>
+                <a:ea typeface="Calibri" panose="020F0502020204030204" pitchFamily="34" charset="0"/>
+                <a:cs typeface="Calibri" panose="020F0502020204030204" pitchFamily="34" charset="0"/>
+              </a:rPr>
+              <a:t>Exploratory Data Analysis</a:t>
+            </a:r>
+          </a:p>
+        </p:txBody>
+      </p:sp>
+      <p:sp>
+        <p:nvSpPr>
+          <p:cNvPr id="3" name="TextBox 2">
+            <a:extLst>
+              <a:ext uri="{FF2B5EF4-FFF2-40B4-BE49-F238E27FC236}">
+                <a16:creationId xmlns:a16="http://schemas.microsoft.com/office/drawing/2014/main" id="{99CD2509-352E-7611-99CC-B0C41F075691}"/>
+              </a:ext>
+            </a:extLst>
+          </p:cNvPr>
+          <p:cNvSpPr txBox="1"/>
+          <p:nvPr/>
+        </p:nvSpPr>
+        <p:spPr>
+          <a:xfrm>
+            <a:off x="3075709" y="953143"/>
+            <a:ext cx="6280727" cy="369332"/>
+          </a:xfrm>
+          <a:prstGeom prst="rect">
+            <a:avLst/>
+          </a:prstGeom>
+          <a:noFill/>
+        </p:spPr>
+        <p:txBody>
+          <a:bodyPr wrap="square" rtlCol="0">
+            <a:spAutoFit/>
+          </a:bodyPr>
+          <a:lstStyle/>
+          <a:p>
+            <a:r>
+              <a:rPr lang="en-US" b="1" dirty="0"/>
               <a:t>Feature Selection – ANOVA Inferential</a:t>
             </a:r>
           </a:p>
@@ -4258,7 +4425,7 @@
 </p:sld>
 </file>
 
-<file path=ppt/slides/slide14.xml><?xml version="1.0" encoding="utf-8"?>
+<file path=ppt/slides/slide15.xml><?xml version="1.0" encoding="utf-8"?>
 <p:sld xmlns:a="http://schemas.openxmlformats.org/drawingml/2006/main" xmlns:r="http://schemas.openxmlformats.org/officeDocument/2006/relationships" xmlns:p="http://schemas.openxmlformats.org/presentationml/2006/main">
   <p:cSld>
     <p:bg>
@@ -5967,7 +6134,7 @@
 </p:sld>
 </file>
 
-<file path=ppt/slides/slide15.xml><?xml version="1.0" encoding="utf-8"?>
+<file path=ppt/slides/slide16.xml><?xml version="1.0" encoding="utf-8"?>
 <p:sld xmlns:a="http://schemas.openxmlformats.org/drawingml/2006/main" xmlns:r="http://schemas.openxmlformats.org/officeDocument/2006/relationships" xmlns:p="http://schemas.openxmlformats.org/presentationml/2006/main">
   <p:cSld>
     <p:bg>
@@ -6093,7 +6260,7 @@
                   <a:schemeClr val="tx1"/>
                 </a:solidFill>
               </a:rPr>
-              <a:t>Ordinal Encoding for categorical variable</a:t>
+              <a:t>1) Ordinal Encoding for categorical variable</a:t>
             </a:r>
           </a:p>
         </p:txBody>
@@ -6156,7 +6323,7 @@
                   <a:schemeClr val="tx1"/>
                 </a:solidFill>
               </a:rPr>
-              <a:t>Standardizing the numerical features</a:t>
+              <a:t>2) Standardizing the numerical features</a:t>
             </a:r>
           </a:p>
         </p:txBody>
@@ -6219,7 +6386,7 @@
                   <a:schemeClr val="tx1"/>
                 </a:solidFill>
               </a:rPr>
-              <a:t>Splitting the data into test and train set</a:t>
+              <a:t>3) Splitting the data into test and train set</a:t>
             </a:r>
           </a:p>
         </p:txBody>
@@ -6237,7 +6404,7 @@
 </p:sld>
 </file>
 
-<file path=ppt/slides/slide16.xml><?xml version="1.0" encoding="utf-8"?>
+<file path=ppt/slides/slide17.xml><?xml version="1.0" encoding="utf-8"?>
 <p:sld xmlns:a="http://schemas.openxmlformats.org/drawingml/2006/main" xmlns:r="http://schemas.openxmlformats.org/officeDocument/2006/relationships" xmlns:p="http://schemas.openxmlformats.org/presentationml/2006/main">
   <p:cSld>
     <p:bg>
@@ -6775,299 +6942,6 @@
 </p:sld>
 </file>
 
-<file path=ppt/slides/slide17.xml><?xml version="1.0" encoding="utf-8"?>
-<p:sld xmlns:a="http://schemas.openxmlformats.org/drawingml/2006/main" xmlns:r="http://schemas.openxmlformats.org/officeDocument/2006/relationships" xmlns:p="http://schemas.openxmlformats.org/presentationml/2006/main">
-  <p:cSld>
-    <p:bg>
-      <p:bgPr>
-        <a:blipFill dpi="0" rotWithShape="1">
-          <a:blip r:embed="rId2">
-            <a:lum/>
-          </a:blip>
-          <a:srcRect/>
-          <a:stretch>
-            <a:fillRect t="-17000" b="-17000"/>
-          </a:stretch>
-        </a:blipFill>
-        <a:effectLst/>
-      </p:bgPr>
-    </p:bg>
-    <p:spTree>
-      <p:nvGrpSpPr>
-        <p:cNvPr id="1" name=""/>
-        <p:cNvGrpSpPr/>
-        <p:nvPr/>
-      </p:nvGrpSpPr>
-      <p:grpSpPr>
-        <a:xfrm>
-          <a:off x="0" y="0"/>
-          <a:ext cx="0" cy="0"/>
-          <a:chOff x="0" y="0"/>
-          <a:chExt cx="0" cy="0"/>
-        </a:xfrm>
-      </p:grpSpPr>
-      <p:sp>
-        <p:nvSpPr>
-          <p:cNvPr id="2" name="Title 1">
-            <a:extLst>
-              <a:ext uri="{FF2B5EF4-FFF2-40B4-BE49-F238E27FC236}">
-                <a16:creationId xmlns:a16="http://schemas.microsoft.com/office/drawing/2014/main" id="{E9FE2B48-CD0E-2F9E-48F0-B5FAA9B51B42}"/>
-              </a:ext>
-            </a:extLst>
-          </p:cNvPr>
-          <p:cNvSpPr>
-            <a:spLocks noGrp="1"/>
-          </p:cNvSpPr>
-          <p:nvPr>
-            <p:ph type="title"/>
-          </p:nvPr>
-        </p:nvSpPr>
-        <p:spPr>
-          <a:xfrm>
-            <a:off x="1810327" y="146246"/>
-            <a:ext cx="9882909" cy="1325563"/>
-          </a:xfrm>
-        </p:spPr>
-        <p:txBody>
-          <a:bodyPr/>
-          <a:lstStyle/>
-          <a:p>
-            <a:r>
-              <a:rPr lang="en-US" dirty="0">
-                <a:latin typeface="Calibri" panose="020F0502020204030204" pitchFamily="34" charset="0"/>
-                <a:ea typeface="Calibri" panose="020F0502020204030204" pitchFamily="34" charset="0"/>
-                <a:cs typeface="Calibri" panose="020F0502020204030204" pitchFamily="34" charset="0"/>
-              </a:rPr>
-              <a:t>Model Metrics</a:t>
-            </a:r>
-          </a:p>
-        </p:txBody>
-      </p:sp>
-      <p:sp>
-        <p:nvSpPr>
-          <p:cNvPr id="3" name="TextBox 2">
-            <a:extLst>
-              <a:ext uri="{FF2B5EF4-FFF2-40B4-BE49-F238E27FC236}">
-                <a16:creationId xmlns:a16="http://schemas.microsoft.com/office/drawing/2014/main" id="{0E2A91B4-B1B6-3110-B1A2-4140579E7D29}"/>
-              </a:ext>
-            </a:extLst>
-          </p:cNvPr>
-          <p:cNvSpPr txBox="1"/>
-          <p:nvPr/>
-        </p:nvSpPr>
-        <p:spPr>
-          <a:xfrm>
-            <a:off x="3894572" y="5723215"/>
-            <a:ext cx="1883210" cy="646331"/>
-          </a:xfrm>
-          <a:prstGeom prst="rect">
-            <a:avLst/>
-          </a:prstGeom>
-          <a:noFill/>
-        </p:spPr>
-        <p:txBody>
-          <a:bodyPr wrap="square" rtlCol="0">
-            <a:spAutoFit/>
-          </a:bodyPr>
-          <a:lstStyle/>
-          <a:p>
-            <a:pPr algn="ctr"/>
-            <a:r>
-              <a:rPr lang="en-US" dirty="0" err="1"/>
-              <a:t>Xgboost</a:t>
-            </a:r>
-            <a:r>
-              <a:rPr lang="en-US" dirty="0"/>
-              <a:t> with all feature</a:t>
-            </a:r>
-          </a:p>
-        </p:txBody>
-      </p:sp>
-      <p:pic>
-        <p:nvPicPr>
-          <p:cNvPr id="9222" name="Picture 6">
-            <a:extLst>
-              <a:ext uri="{FF2B5EF4-FFF2-40B4-BE49-F238E27FC236}">
-                <a16:creationId xmlns:a16="http://schemas.microsoft.com/office/drawing/2014/main" id="{74E4D0F1-FE69-3E1B-3F11-CC32B2BFFCB0}"/>
-              </a:ext>
-            </a:extLst>
-          </p:cNvPr>
-          <p:cNvPicPr>
-            <a:picLocks noChangeAspect="1" noChangeArrowheads="1"/>
-          </p:cNvPicPr>
-          <p:nvPr/>
-        </p:nvPicPr>
-        <p:blipFill>
-          <a:blip r:embed="rId3">
-            <a:extLst>
-              <a:ext uri="{28A0092B-C50C-407E-A947-70E740481C1C}">
-                <a14:useLocalDpi xmlns:a14="http://schemas.microsoft.com/office/drawing/2010/main" val="0"/>
-              </a:ext>
-            </a:extLst>
-          </a:blip>
-          <a:srcRect/>
-          <a:stretch>
-            <a:fillRect/>
-          </a:stretch>
-        </p:blipFill>
-        <p:spPr bwMode="auto">
-          <a:xfrm>
-            <a:off x="2600764" y="1910870"/>
-            <a:ext cx="4470826" cy="3559375"/>
-          </a:xfrm>
-          <a:prstGeom prst="rect">
-            <a:avLst/>
-          </a:prstGeom>
-          <a:noFill/>
-          <a:extLst>
-            <a:ext uri="{909E8E84-426E-40DD-AFC4-6F175D3DCCD1}">
-              <a14:hiddenFill xmlns:a14="http://schemas.microsoft.com/office/drawing/2010/main">
-                <a:solidFill>
-                  <a:srgbClr val="FFFFFF"/>
-                </a:solidFill>
-              </a14:hiddenFill>
-            </a:ext>
-          </a:extLst>
-        </p:spPr>
-      </p:pic>
-      <p:pic>
-        <p:nvPicPr>
-          <p:cNvPr id="9224" name="Picture 8">
-            <a:extLst>
-              <a:ext uri="{FF2B5EF4-FFF2-40B4-BE49-F238E27FC236}">
-                <a16:creationId xmlns:a16="http://schemas.microsoft.com/office/drawing/2014/main" id="{6B7C9AAD-0C5F-EF4D-DE7B-2343E282D2C0}"/>
-              </a:ext>
-            </a:extLst>
-          </p:cNvPr>
-          <p:cNvPicPr>
-            <a:picLocks noChangeAspect="1" noChangeArrowheads="1"/>
-          </p:cNvPicPr>
-          <p:nvPr/>
-        </p:nvPicPr>
-        <p:blipFill>
-          <a:blip r:embed="rId4">
-            <a:extLst>
-              <a:ext uri="{28A0092B-C50C-407E-A947-70E740481C1C}">
-                <a14:useLocalDpi xmlns:a14="http://schemas.microsoft.com/office/drawing/2010/main" val="0"/>
-              </a:ext>
-            </a:extLst>
-          </a:blip>
-          <a:srcRect/>
-          <a:stretch>
-            <a:fillRect/>
-          </a:stretch>
-        </p:blipFill>
-        <p:spPr bwMode="auto">
-          <a:xfrm>
-            <a:off x="7428202" y="1871615"/>
-            <a:ext cx="4621646" cy="3679448"/>
-          </a:xfrm>
-          <a:prstGeom prst="rect">
-            <a:avLst/>
-          </a:prstGeom>
-          <a:noFill/>
-          <a:extLst>
-            <a:ext uri="{909E8E84-426E-40DD-AFC4-6F175D3DCCD1}">
-              <a14:hiddenFill xmlns:a14="http://schemas.microsoft.com/office/drawing/2010/main">
-                <a:solidFill>
-                  <a:srgbClr val="FFFFFF"/>
-                </a:solidFill>
-              </a14:hiddenFill>
-            </a:ext>
-          </a:extLst>
-        </p:spPr>
-      </p:pic>
-      <p:sp>
-        <p:nvSpPr>
-          <p:cNvPr id="4" name="TextBox 3">
-            <a:extLst>
-              <a:ext uri="{FF2B5EF4-FFF2-40B4-BE49-F238E27FC236}">
-                <a16:creationId xmlns:a16="http://schemas.microsoft.com/office/drawing/2014/main" id="{E6CEA047-CBC5-497F-41FA-3B022FA28CE1}"/>
-              </a:ext>
-            </a:extLst>
-          </p:cNvPr>
-          <p:cNvSpPr txBox="1"/>
-          <p:nvPr/>
-        </p:nvSpPr>
-        <p:spPr>
-          <a:xfrm>
-            <a:off x="8451273" y="5752205"/>
-            <a:ext cx="2724728" cy="646331"/>
-          </a:xfrm>
-          <a:prstGeom prst="rect">
-            <a:avLst/>
-          </a:prstGeom>
-          <a:noFill/>
-        </p:spPr>
-        <p:txBody>
-          <a:bodyPr wrap="square" rtlCol="0">
-            <a:spAutoFit/>
-          </a:bodyPr>
-          <a:lstStyle/>
-          <a:p>
-            <a:pPr algn="ctr"/>
-            <a:r>
-              <a:rPr lang="en-US" dirty="0"/>
-              <a:t>Random forest with all feature</a:t>
-            </a:r>
-          </a:p>
-        </p:txBody>
-      </p:sp>
-      <p:sp>
-        <p:nvSpPr>
-          <p:cNvPr id="5" name="TextBox 4">
-            <a:extLst>
-              <a:ext uri="{FF2B5EF4-FFF2-40B4-BE49-F238E27FC236}">
-                <a16:creationId xmlns:a16="http://schemas.microsoft.com/office/drawing/2014/main" id="{838EBC6A-A1FB-C8AC-8DA8-89C80105031E}"/>
-              </a:ext>
-            </a:extLst>
-          </p:cNvPr>
-          <p:cNvSpPr txBox="1"/>
-          <p:nvPr/>
-        </p:nvSpPr>
-        <p:spPr>
-          <a:xfrm>
-            <a:off x="5777782" y="1203048"/>
-            <a:ext cx="2442582" cy="369332"/>
-          </a:xfrm>
-          <a:prstGeom prst="rect">
-            <a:avLst/>
-          </a:prstGeom>
-          <a:solidFill>
-            <a:schemeClr val="tx1"/>
-          </a:solidFill>
-        </p:spPr>
-        <p:txBody>
-          <a:bodyPr wrap="square" rtlCol="0">
-            <a:spAutoFit/>
-          </a:bodyPr>
-          <a:lstStyle/>
-          <a:p>
-            <a:pPr algn="ctr"/>
-            <a:r>
-              <a:rPr lang="en-US" dirty="0">
-                <a:solidFill>
-                  <a:schemeClr val="bg1"/>
-                </a:solidFill>
-              </a:rPr>
-              <a:t>ROC-AUC curve</a:t>
-            </a:r>
-          </a:p>
-        </p:txBody>
-      </p:sp>
-    </p:spTree>
-    <p:extLst>
-      <p:ext uri="{BB962C8B-B14F-4D97-AF65-F5344CB8AC3E}">
-        <p14:creationId xmlns:p14="http://schemas.microsoft.com/office/powerpoint/2010/main" val="921748626"/>
-      </p:ext>
-    </p:extLst>
-  </p:cSld>
-  <p:clrMapOvr>
-    <a:masterClrMapping/>
-  </p:clrMapOvr>
-</p:sld>
-</file>
-
 <file path=ppt/slides/slide18.xml><?xml version="1.0" encoding="utf-8"?>
 <p:sld xmlns:a="http://schemas.openxmlformats.org/drawingml/2006/main" xmlns:r="http://schemas.openxmlformats.org/officeDocument/2006/relationships" xmlns:p="http://schemas.openxmlformats.org/presentationml/2006/main">
   <p:cSld>
@@ -7150,7 +7024,7 @@
         </p:nvSpPr>
         <p:spPr>
           <a:xfrm>
-            <a:off x="3894572" y="5787858"/>
+            <a:off x="3894572" y="5723215"/>
             <a:ext cx="1883210" cy="646331"/>
           </a:xfrm>
           <a:prstGeom prst="rect">
@@ -7176,48 +7050,12 @@
           </a:p>
         </p:txBody>
       </p:sp>
-      <p:sp>
-        <p:nvSpPr>
-          <p:cNvPr id="4" name="TextBox 3">
-            <a:extLst>
-              <a:ext uri="{FF2B5EF4-FFF2-40B4-BE49-F238E27FC236}">
-                <a16:creationId xmlns:a16="http://schemas.microsoft.com/office/drawing/2014/main" id="{E6CEA047-CBC5-497F-41FA-3B022FA28CE1}"/>
-              </a:ext>
-            </a:extLst>
-          </p:cNvPr>
-          <p:cNvSpPr txBox="1"/>
-          <p:nvPr/>
-        </p:nvSpPr>
-        <p:spPr>
-          <a:xfrm>
-            <a:off x="8451273" y="5816848"/>
-            <a:ext cx="2724728" cy="646331"/>
-          </a:xfrm>
-          <a:prstGeom prst="rect">
-            <a:avLst/>
-          </a:prstGeom>
-          <a:noFill/>
-        </p:spPr>
-        <p:txBody>
-          <a:bodyPr wrap="square" rtlCol="0">
-            <a:spAutoFit/>
-          </a:bodyPr>
-          <a:lstStyle/>
-          <a:p>
-            <a:pPr algn="ctr"/>
-            <a:r>
-              <a:rPr lang="en-US" dirty="0"/>
-              <a:t>Random forest with all feature</a:t>
-            </a:r>
-          </a:p>
-        </p:txBody>
-      </p:sp>
       <p:pic>
         <p:nvPicPr>
-          <p:cNvPr id="10242" name="Picture 2">
+          <p:cNvPr id="9222" name="Picture 6">
             <a:extLst>
               <a:ext uri="{FF2B5EF4-FFF2-40B4-BE49-F238E27FC236}">
-                <a16:creationId xmlns:a16="http://schemas.microsoft.com/office/drawing/2014/main" id="{F57A8FB3-80AB-32F7-61DD-6245A6A33CA4}"/>
+                <a16:creationId xmlns:a16="http://schemas.microsoft.com/office/drawing/2014/main" id="{74E4D0F1-FE69-3E1B-3F11-CC32B2BFFCB0}"/>
               </a:ext>
             </a:extLst>
           </p:cNvPr>
@@ -7241,8 +7079,8 @@
         </p:blipFill>
         <p:spPr bwMode="auto">
           <a:xfrm>
-            <a:off x="7608642" y="1946523"/>
-            <a:ext cx="4409990" cy="3605908"/>
+            <a:off x="2600764" y="1910870"/>
+            <a:ext cx="4470826" cy="3559375"/>
           </a:xfrm>
           <a:prstGeom prst="rect">
             <a:avLst/>
@@ -7261,10 +7099,10 @@
       </p:pic>
       <p:pic>
         <p:nvPicPr>
-          <p:cNvPr id="10246" name="Picture 6">
+          <p:cNvPr id="9224" name="Picture 8">
             <a:extLst>
               <a:ext uri="{FF2B5EF4-FFF2-40B4-BE49-F238E27FC236}">
-                <a16:creationId xmlns:a16="http://schemas.microsoft.com/office/drawing/2014/main" id="{8286C275-0452-8C67-0092-4E82E4F3DFFA}"/>
+                <a16:creationId xmlns:a16="http://schemas.microsoft.com/office/drawing/2014/main" id="{6B7C9AAD-0C5F-EF4D-DE7B-2343E282D2C0}"/>
               </a:ext>
             </a:extLst>
           </p:cNvPr>
@@ -7274,7 +7112,7 @@
           <p:nvPr/>
         </p:nvPicPr>
         <p:blipFill>
-          <a:blip r:embed="rId3">
+          <a:blip r:embed="rId4">
             <a:extLst>
               <a:ext uri="{28A0092B-C50C-407E-A947-70E740481C1C}">
                 <a14:useLocalDpi xmlns:a14="http://schemas.microsoft.com/office/drawing/2010/main" val="0"/>
@@ -7288,8 +7126,8 @@
         </p:blipFill>
         <p:spPr bwMode="auto">
           <a:xfrm>
-            <a:off x="2671797" y="1946523"/>
-            <a:ext cx="4749449" cy="3605908"/>
+            <a:off x="7428202" y="1871615"/>
+            <a:ext cx="4621646" cy="3679448"/>
           </a:xfrm>
           <a:prstGeom prst="rect">
             <a:avLst/>
@@ -7308,10 +7146,10 @@
       </p:pic>
       <p:sp>
         <p:nvSpPr>
-          <p:cNvPr id="5" name="TextBox 4">
+          <p:cNvPr id="4" name="TextBox 3">
             <a:extLst>
               <a:ext uri="{FF2B5EF4-FFF2-40B4-BE49-F238E27FC236}">
-                <a16:creationId xmlns:a16="http://schemas.microsoft.com/office/drawing/2014/main" id="{A831241A-000B-22DF-6F96-729F8EBA5032}"/>
+                <a16:creationId xmlns:a16="http://schemas.microsoft.com/office/drawing/2014/main" id="{E6CEA047-CBC5-497F-41FA-3B022FA28CE1}"/>
               </a:ext>
             </a:extLst>
           </p:cNvPr>
@@ -7320,8 +7158,44 @@
         </p:nvSpPr>
         <p:spPr>
           <a:xfrm>
-            <a:off x="5158946" y="1337904"/>
-            <a:ext cx="3742420" cy="369332"/>
+            <a:off x="8451273" y="5752205"/>
+            <a:ext cx="2724728" cy="646331"/>
+          </a:xfrm>
+          <a:prstGeom prst="rect">
+            <a:avLst/>
+          </a:prstGeom>
+          <a:noFill/>
+        </p:spPr>
+        <p:txBody>
+          <a:bodyPr wrap="square" rtlCol="0">
+            <a:spAutoFit/>
+          </a:bodyPr>
+          <a:lstStyle/>
+          <a:p>
+            <a:pPr algn="ctr"/>
+            <a:r>
+              <a:rPr lang="en-US" dirty="0"/>
+              <a:t>Random forest with all feature</a:t>
+            </a:r>
+          </a:p>
+        </p:txBody>
+      </p:sp>
+      <p:sp>
+        <p:nvSpPr>
+          <p:cNvPr id="5" name="TextBox 4">
+            <a:extLst>
+              <a:ext uri="{FF2B5EF4-FFF2-40B4-BE49-F238E27FC236}">
+                <a16:creationId xmlns:a16="http://schemas.microsoft.com/office/drawing/2014/main" id="{838EBC6A-A1FB-C8AC-8DA8-89C80105031E}"/>
+              </a:ext>
+            </a:extLst>
+          </p:cNvPr>
+          <p:cNvSpPr txBox="1"/>
+          <p:nvPr/>
+        </p:nvSpPr>
+        <p:spPr>
+          <a:xfrm>
+            <a:off x="5777782" y="1203048"/>
+            <a:ext cx="2442582" cy="369332"/>
           </a:xfrm>
           <a:prstGeom prst="rect">
             <a:avLst/>
@@ -7343,7 +7217,7 @@
                   <a:schemeClr val="bg1"/>
                 </a:solidFill>
               </a:rPr>
-              <a:t>Precision and Recall curve</a:t>
+              <a:t>ROC-AUC curve</a:t>
             </a:r>
           </a:p>
         </p:txBody>
@@ -7351,7 +7225,7 @@
     </p:spTree>
     <p:extLst>
       <p:ext uri="{BB962C8B-B14F-4D97-AF65-F5344CB8AC3E}">
-        <p14:creationId xmlns:p14="http://schemas.microsoft.com/office/powerpoint/2010/main" val="895244671"/>
+        <p14:creationId xmlns:p14="http://schemas.microsoft.com/office/powerpoint/2010/main" val="921748626"/>
       </p:ext>
     </p:extLst>
   </p:cSld>
@@ -7424,6 +7298,415 @@
                 <a:ea typeface="Calibri" panose="020F0502020204030204" pitchFamily="34" charset="0"/>
                 <a:cs typeface="Calibri" panose="020F0502020204030204" pitchFamily="34" charset="0"/>
               </a:rPr>
+              <a:t>Model Metrics</a:t>
+            </a:r>
+          </a:p>
+        </p:txBody>
+      </p:sp>
+      <p:sp>
+        <p:nvSpPr>
+          <p:cNvPr id="3" name="TextBox 2">
+            <a:extLst>
+              <a:ext uri="{FF2B5EF4-FFF2-40B4-BE49-F238E27FC236}">
+                <a16:creationId xmlns:a16="http://schemas.microsoft.com/office/drawing/2014/main" id="{0E2A91B4-B1B6-3110-B1A2-4140579E7D29}"/>
+              </a:ext>
+            </a:extLst>
+          </p:cNvPr>
+          <p:cNvSpPr txBox="1"/>
+          <p:nvPr/>
+        </p:nvSpPr>
+        <p:spPr>
+          <a:xfrm>
+            <a:off x="3894572" y="5787858"/>
+            <a:ext cx="1883210" cy="646331"/>
+          </a:xfrm>
+          <a:prstGeom prst="rect">
+            <a:avLst/>
+          </a:prstGeom>
+          <a:noFill/>
+        </p:spPr>
+        <p:txBody>
+          <a:bodyPr wrap="square" rtlCol="0">
+            <a:spAutoFit/>
+          </a:bodyPr>
+          <a:lstStyle/>
+          <a:p>
+            <a:pPr algn="ctr"/>
+            <a:r>
+              <a:rPr lang="en-US" dirty="0" err="1"/>
+              <a:t>Xgboost</a:t>
+            </a:r>
+            <a:r>
+              <a:rPr lang="en-US" dirty="0"/>
+              <a:t> with all feature</a:t>
+            </a:r>
+          </a:p>
+        </p:txBody>
+      </p:sp>
+      <p:sp>
+        <p:nvSpPr>
+          <p:cNvPr id="4" name="TextBox 3">
+            <a:extLst>
+              <a:ext uri="{FF2B5EF4-FFF2-40B4-BE49-F238E27FC236}">
+                <a16:creationId xmlns:a16="http://schemas.microsoft.com/office/drawing/2014/main" id="{E6CEA047-CBC5-497F-41FA-3B022FA28CE1}"/>
+              </a:ext>
+            </a:extLst>
+          </p:cNvPr>
+          <p:cNvSpPr txBox="1"/>
+          <p:nvPr/>
+        </p:nvSpPr>
+        <p:spPr>
+          <a:xfrm>
+            <a:off x="8451273" y="5816848"/>
+            <a:ext cx="2724728" cy="646331"/>
+          </a:xfrm>
+          <a:prstGeom prst="rect">
+            <a:avLst/>
+          </a:prstGeom>
+          <a:noFill/>
+        </p:spPr>
+        <p:txBody>
+          <a:bodyPr wrap="square" rtlCol="0">
+            <a:spAutoFit/>
+          </a:bodyPr>
+          <a:lstStyle/>
+          <a:p>
+            <a:pPr algn="ctr"/>
+            <a:r>
+              <a:rPr lang="en-US" dirty="0"/>
+              <a:t>Random forest with all feature</a:t>
+            </a:r>
+          </a:p>
+        </p:txBody>
+      </p:sp>
+      <p:pic>
+        <p:nvPicPr>
+          <p:cNvPr id="10242" name="Picture 2">
+            <a:extLst>
+              <a:ext uri="{FF2B5EF4-FFF2-40B4-BE49-F238E27FC236}">
+                <a16:creationId xmlns:a16="http://schemas.microsoft.com/office/drawing/2014/main" id="{F57A8FB3-80AB-32F7-61DD-6245A6A33CA4}"/>
+              </a:ext>
+            </a:extLst>
+          </p:cNvPr>
+          <p:cNvPicPr>
+            <a:picLocks noChangeAspect="1" noChangeArrowheads="1"/>
+          </p:cNvPicPr>
+          <p:nvPr/>
+        </p:nvPicPr>
+        <p:blipFill>
+          <a:blip r:embed="rId3">
+            <a:extLst>
+              <a:ext uri="{28A0092B-C50C-407E-A947-70E740481C1C}">
+                <a14:useLocalDpi xmlns:a14="http://schemas.microsoft.com/office/drawing/2010/main" val="0"/>
+              </a:ext>
+            </a:extLst>
+          </a:blip>
+          <a:srcRect/>
+          <a:stretch>
+            <a:fillRect/>
+          </a:stretch>
+        </p:blipFill>
+        <p:spPr bwMode="auto">
+          <a:xfrm>
+            <a:off x="7608642" y="1946523"/>
+            <a:ext cx="4409990" cy="3605908"/>
+          </a:xfrm>
+          <a:prstGeom prst="rect">
+            <a:avLst/>
+          </a:prstGeom>
+          <a:noFill/>
+          <a:extLst>
+            <a:ext uri="{909E8E84-426E-40DD-AFC4-6F175D3DCCD1}">
+              <a14:hiddenFill xmlns:a14="http://schemas.microsoft.com/office/drawing/2010/main">
+                <a:solidFill>
+                  <a:srgbClr val="FFFFFF"/>
+                </a:solidFill>
+              </a14:hiddenFill>
+            </a:ext>
+          </a:extLst>
+        </p:spPr>
+      </p:pic>
+      <p:pic>
+        <p:nvPicPr>
+          <p:cNvPr id="10246" name="Picture 6">
+            <a:extLst>
+              <a:ext uri="{FF2B5EF4-FFF2-40B4-BE49-F238E27FC236}">
+                <a16:creationId xmlns:a16="http://schemas.microsoft.com/office/drawing/2014/main" id="{8286C275-0452-8C67-0092-4E82E4F3DFFA}"/>
+              </a:ext>
+            </a:extLst>
+          </p:cNvPr>
+          <p:cNvPicPr>
+            <a:picLocks noChangeAspect="1" noChangeArrowheads="1"/>
+          </p:cNvPicPr>
+          <p:nvPr/>
+        </p:nvPicPr>
+        <p:blipFill>
+          <a:blip r:embed="rId3">
+            <a:extLst>
+              <a:ext uri="{28A0092B-C50C-407E-A947-70E740481C1C}">
+                <a14:useLocalDpi xmlns:a14="http://schemas.microsoft.com/office/drawing/2010/main" val="0"/>
+              </a:ext>
+            </a:extLst>
+          </a:blip>
+          <a:srcRect/>
+          <a:stretch>
+            <a:fillRect/>
+          </a:stretch>
+        </p:blipFill>
+        <p:spPr bwMode="auto">
+          <a:xfrm>
+            <a:off x="2671797" y="1946523"/>
+            <a:ext cx="4749449" cy="3605908"/>
+          </a:xfrm>
+          <a:prstGeom prst="rect">
+            <a:avLst/>
+          </a:prstGeom>
+          <a:noFill/>
+          <a:extLst>
+            <a:ext uri="{909E8E84-426E-40DD-AFC4-6F175D3DCCD1}">
+              <a14:hiddenFill xmlns:a14="http://schemas.microsoft.com/office/drawing/2010/main">
+                <a:solidFill>
+                  <a:srgbClr val="FFFFFF"/>
+                </a:solidFill>
+              </a14:hiddenFill>
+            </a:ext>
+          </a:extLst>
+        </p:spPr>
+      </p:pic>
+      <p:sp>
+        <p:nvSpPr>
+          <p:cNvPr id="5" name="TextBox 4">
+            <a:extLst>
+              <a:ext uri="{FF2B5EF4-FFF2-40B4-BE49-F238E27FC236}">
+                <a16:creationId xmlns:a16="http://schemas.microsoft.com/office/drawing/2014/main" id="{A831241A-000B-22DF-6F96-729F8EBA5032}"/>
+              </a:ext>
+            </a:extLst>
+          </p:cNvPr>
+          <p:cNvSpPr txBox="1"/>
+          <p:nvPr/>
+        </p:nvSpPr>
+        <p:spPr>
+          <a:xfrm>
+            <a:off x="5158946" y="1337904"/>
+            <a:ext cx="3742420" cy="369332"/>
+          </a:xfrm>
+          <a:prstGeom prst="rect">
+            <a:avLst/>
+          </a:prstGeom>
+          <a:solidFill>
+            <a:schemeClr val="tx1"/>
+          </a:solidFill>
+        </p:spPr>
+        <p:txBody>
+          <a:bodyPr wrap="square" rtlCol="0">
+            <a:spAutoFit/>
+          </a:bodyPr>
+          <a:lstStyle/>
+          <a:p>
+            <a:pPr algn="ctr"/>
+            <a:r>
+              <a:rPr lang="en-US" dirty="0">
+                <a:solidFill>
+                  <a:schemeClr val="bg1"/>
+                </a:solidFill>
+              </a:rPr>
+              <a:t>Precision and Recall curve</a:t>
+            </a:r>
+          </a:p>
+        </p:txBody>
+      </p:sp>
+    </p:spTree>
+    <p:extLst>
+      <p:ext uri="{BB962C8B-B14F-4D97-AF65-F5344CB8AC3E}">
+        <p14:creationId xmlns:p14="http://schemas.microsoft.com/office/powerpoint/2010/main" val="895244671"/>
+      </p:ext>
+    </p:extLst>
+  </p:cSld>
+  <p:clrMapOvr>
+    <a:masterClrMapping/>
+  </p:clrMapOvr>
+</p:sld>
+</file>
+
+<file path=ppt/slides/slide2.xml><?xml version="1.0" encoding="utf-8"?>
+<p:sld xmlns:a="http://schemas.openxmlformats.org/drawingml/2006/main" xmlns:r="http://schemas.openxmlformats.org/officeDocument/2006/relationships" xmlns:p="http://schemas.openxmlformats.org/presentationml/2006/main">
+  <p:cSld>
+    <p:bg>
+      <p:bgPr>
+        <a:blipFill dpi="0" rotWithShape="1">
+          <a:blip r:embed="rId2">
+            <a:lum/>
+          </a:blip>
+          <a:srcRect/>
+          <a:stretch>
+            <a:fillRect t="-17000" b="-17000"/>
+          </a:stretch>
+        </a:blipFill>
+        <a:effectLst/>
+      </p:bgPr>
+    </p:bg>
+    <p:spTree>
+      <p:nvGrpSpPr>
+        <p:cNvPr id="1" name=""/>
+        <p:cNvGrpSpPr/>
+        <p:nvPr/>
+      </p:nvGrpSpPr>
+      <p:grpSpPr>
+        <a:xfrm>
+          <a:off x="0" y="0"/>
+          <a:ext cx="0" cy="0"/>
+          <a:chOff x="0" y="0"/>
+          <a:chExt cx="0" cy="0"/>
+        </a:xfrm>
+      </p:grpSpPr>
+      <p:sp>
+        <p:nvSpPr>
+          <p:cNvPr id="2" name="Title 1">
+            <a:extLst>
+              <a:ext uri="{FF2B5EF4-FFF2-40B4-BE49-F238E27FC236}">
+                <a16:creationId xmlns:a16="http://schemas.microsoft.com/office/drawing/2014/main" id="{E9FE2B48-CD0E-2F9E-48F0-B5FAA9B51B42}"/>
+              </a:ext>
+            </a:extLst>
+          </p:cNvPr>
+          <p:cNvSpPr>
+            <a:spLocks noGrp="1"/>
+          </p:cNvSpPr>
+          <p:nvPr>
+            <p:ph type="title"/>
+          </p:nvPr>
+        </p:nvSpPr>
+        <p:spPr>
+          <a:xfrm>
+            <a:off x="1235364" y="404018"/>
+            <a:ext cx="10515600" cy="1325563"/>
+          </a:xfrm>
+        </p:spPr>
+        <p:txBody>
+          <a:bodyPr/>
+          <a:lstStyle/>
+          <a:p>
+            <a:r>
+              <a:rPr lang="en-US" dirty="0">
+                <a:latin typeface="Calibri" panose="020F0502020204030204" pitchFamily="34" charset="0"/>
+                <a:ea typeface="Calibri" panose="020F0502020204030204" pitchFamily="34" charset="0"/>
+                <a:cs typeface="Calibri" panose="020F0502020204030204" pitchFamily="34" charset="0"/>
+              </a:rPr>
+              <a:t>                      What is a churn?</a:t>
+            </a:r>
+          </a:p>
+        </p:txBody>
+      </p:sp>
+      <p:pic>
+        <p:nvPicPr>
+          <p:cNvPr id="5" name="Content Placeholder 4">
+            <a:extLst>
+              <a:ext uri="{FF2B5EF4-FFF2-40B4-BE49-F238E27FC236}">
+                <a16:creationId xmlns:a16="http://schemas.microsoft.com/office/drawing/2014/main" id="{35C9F550-4F91-BCE9-A79B-C3479B8BAA2A}"/>
+              </a:ext>
+            </a:extLst>
+          </p:cNvPr>
+          <p:cNvPicPr>
+            <a:picLocks noGrp="1" noChangeAspect="1"/>
+          </p:cNvPicPr>
+          <p:nvPr>
+            <p:ph sz="quarter" idx="13"/>
+          </p:nvPr>
+        </p:nvPicPr>
+        <p:blipFill>
+          <a:blip r:embed="rId3">
+            <a:extLst>
+              <a:ext uri="{28A0092B-C50C-407E-A947-70E740481C1C}">
+                <a14:useLocalDpi xmlns:a14="http://schemas.microsoft.com/office/drawing/2010/main" val="0"/>
+              </a:ext>
+            </a:extLst>
+          </a:blip>
+          <a:stretch>
+            <a:fillRect/>
+          </a:stretch>
+        </p:blipFill>
+        <p:spPr>
+          <a:xfrm>
+            <a:off x="3449121" y="2072202"/>
+            <a:ext cx="5981206" cy="3384104"/>
+          </a:xfrm>
+        </p:spPr>
+      </p:pic>
+    </p:spTree>
+    <p:extLst>
+      <p:ext uri="{BB962C8B-B14F-4D97-AF65-F5344CB8AC3E}">
+        <p14:creationId xmlns:p14="http://schemas.microsoft.com/office/powerpoint/2010/main" val="1706037711"/>
+      </p:ext>
+    </p:extLst>
+  </p:cSld>
+  <p:clrMapOvr>
+    <a:masterClrMapping/>
+  </p:clrMapOvr>
+</p:sld>
+</file>
+
+<file path=ppt/slides/slide20.xml><?xml version="1.0" encoding="utf-8"?>
+<p:sld xmlns:a="http://schemas.openxmlformats.org/drawingml/2006/main" xmlns:r="http://schemas.openxmlformats.org/officeDocument/2006/relationships" xmlns:p="http://schemas.openxmlformats.org/presentationml/2006/main">
+  <p:cSld>
+    <p:bg>
+      <p:bgPr>
+        <a:blipFill dpi="0" rotWithShape="1">
+          <a:blip r:embed="rId2">
+            <a:lum/>
+          </a:blip>
+          <a:srcRect/>
+          <a:stretch>
+            <a:fillRect t="-17000" b="-17000"/>
+          </a:stretch>
+        </a:blipFill>
+        <a:effectLst/>
+      </p:bgPr>
+    </p:bg>
+    <p:spTree>
+      <p:nvGrpSpPr>
+        <p:cNvPr id="1" name=""/>
+        <p:cNvGrpSpPr/>
+        <p:nvPr/>
+      </p:nvGrpSpPr>
+      <p:grpSpPr>
+        <a:xfrm>
+          <a:off x="0" y="0"/>
+          <a:ext cx="0" cy="0"/>
+          <a:chOff x="0" y="0"/>
+          <a:chExt cx="0" cy="0"/>
+        </a:xfrm>
+      </p:grpSpPr>
+      <p:sp>
+        <p:nvSpPr>
+          <p:cNvPr id="2" name="Title 1">
+            <a:extLst>
+              <a:ext uri="{FF2B5EF4-FFF2-40B4-BE49-F238E27FC236}">
+                <a16:creationId xmlns:a16="http://schemas.microsoft.com/office/drawing/2014/main" id="{E9FE2B48-CD0E-2F9E-48F0-B5FAA9B51B42}"/>
+              </a:ext>
+            </a:extLst>
+          </p:cNvPr>
+          <p:cNvSpPr>
+            <a:spLocks noGrp="1"/>
+          </p:cNvSpPr>
+          <p:nvPr>
+            <p:ph type="title"/>
+          </p:nvPr>
+        </p:nvSpPr>
+        <p:spPr>
+          <a:xfrm>
+            <a:off x="1810327" y="146246"/>
+            <a:ext cx="9882909" cy="1325563"/>
+          </a:xfrm>
+        </p:spPr>
+        <p:txBody>
+          <a:bodyPr/>
+          <a:lstStyle/>
+          <a:p>
+            <a:r>
+              <a:rPr lang="en-US" dirty="0">
+                <a:latin typeface="Calibri" panose="020F0502020204030204" pitchFamily="34" charset="0"/>
+                <a:ea typeface="Calibri" panose="020F0502020204030204" pitchFamily="34" charset="0"/>
+                <a:cs typeface="Calibri" panose="020F0502020204030204" pitchFamily="34" charset="0"/>
+              </a:rPr>
               <a:t>Model Metrics - Comparison</a:t>
             </a:r>
           </a:p>
@@ -7494,7 +7777,7 @@
           <p:nvPr>
             <p:extLst>
               <p:ext uri="{D42A27DB-BD31-4B8C-83A1-F6EECF244321}">
-                <p14:modId xmlns:p14="http://schemas.microsoft.com/office/powerpoint/2010/main" val="2077148106"/>
+                <p14:modId xmlns:p14="http://schemas.microsoft.com/office/powerpoint/2010/main" val="1375229050"/>
               </p:ext>
             </p:extLst>
           </p:nvPr>
@@ -8380,7 +8663,7 @@
                         <a:rPr lang="en-US" sz="1100" u="none" strike="noStrike" dirty="0">
                           <a:effectLst/>
                         </a:rPr>
-                        <a:t>0.9839</a:t>
+                        <a:t>0.98</a:t>
                       </a:r>
                       <a:endParaRPr lang="en-US" sz="1100" b="0" i="0" u="none" strike="noStrike" dirty="0">
                         <a:solidFill>
@@ -9261,123 +9544,7 @@
 </p:sld>
 </file>
 
-<file path=ppt/slides/slide2.xml><?xml version="1.0" encoding="utf-8"?>
-<p:sld xmlns:a="http://schemas.openxmlformats.org/drawingml/2006/main" xmlns:r="http://schemas.openxmlformats.org/officeDocument/2006/relationships" xmlns:p="http://schemas.openxmlformats.org/presentationml/2006/main">
-  <p:cSld>
-    <p:bg>
-      <p:bgPr>
-        <a:blipFill dpi="0" rotWithShape="1">
-          <a:blip r:embed="rId2">
-            <a:lum/>
-          </a:blip>
-          <a:srcRect/>
-          <a:stretch>
-            <a:fillRect t="-17000" b="-17000"/>
-          </a:stretch>
-        </a:blipFill>
-        <a:effectLst/>
-      </p:bgPr>
-    </p:bg>
-    <p:spTree>
-      <p:nvGrpSpPr>
-        <p:cNvPr id="1" name=""/>
-        <p:cNvGrpSpPr/>
-        <p:nvPr/>
-      </p:nvGrpSpPr>
-      <p:grpSpPr>
-        <a:xfrm>
-          <a:off x="0" y="0"/>
-          <a:ext cx="0" cy="0"/>
-          <a:chOff x="0" y="0"/>
-          <a:chExt cx="0" cy="0"/>
-        </a:xfrm>
-      </p:grpSpPr>
-      <p:sp>
-        <p:nvSpPr>
-          <p:cNvPr id="2" name="Title 1">
-            <a:extLst>
-              <a:ext uri="{FF2B5EF4-FFF2-40B4-BE49-F238E27FC236}">
-                <a16:creationId xmlns:a16="http://schemas.microsoft.com/office/drawing/2014/main" id="{E9FE2B48-CD0E-2F9E-48F0-B5FAA9B51B42}"/>
-              </a:ext>
-            </a:extLst>
-          </p:cNvPr>
-          <p:cNvSpPr>
-            <a:spLocks noGrp="1"/>
-          </p:cNvSpPr>
-          <p:nvPr>
-            <p:ph type="title"/>
-          </p:nvPr>
-        </p:nvSpPr>
-        <p:spPr>
-          <a:xfrm>
-            <a:off x="1235364" y="404018"/>
-            <a:ext cx="10515600" cy="1325563"/>
-          </a:xfrm>
-        </p:spPr>
-        <p:txBody>
-          <a:bodyPr/>
-          <a:lstStyle/>
-          <a:p>
-            <a:r>
-              <a:rPr lang="en-US" dirty="0">
-                <a:latin typeface="Calibri" panose="020F0502020204030204" pitchFamily="34" charset="0"/>
-                <a:ea typeface="Calibri" panose="020F0502020204030204" pitchFamily="34" charset="0"/>
-                <a:cs typeface="Calibri" panose="020F0502020204030204" pitchFamily="34" charset="0"/>
-              </a:rPr>
-              <a:t>                      What is a churn?</a:t>
-            </a:r>
-          </a:p>
-        </p:txBody>
-      </p:sp>
-      <p:pic>
-        <p:nvPicPr>
-          <p:cNvPr id="5" name="Content Placeholder 4">
-            <a:extLst>
-              <a:ext uri="{FF2B5EF4-FFF2-40B4-BE49-F238E27FC236}">
-                <a16:creationId xmlns:a16="http://schemas.microsoft.com/office/drawing/2014/main" id="{35C9F550-4F91-BCE9-A79B-C3479B8BAA2A}"/>
-              </a:ext>
-            </a:extLst>
-          </p:cNvPr>
-          <p:cNvPicPr>
-            <a:picLocks noGrp="1" noChangeAspect="1"/>
-          </p:cNvPicPr>
-          <p:nvPr>
-            <p:ph sz="quarter" idx="13"/>
-          </p:nvPr>
-        </p:nvPicPr>
-        <p:blipFill>
-          <a:blip r:embed="rId3">
-            <a:extLst>
-              <a:ext uri="{28A0092B-C50C-407E-A947-70E740481C1C}">
-                <a14:useLocalDpi xmlns:a14="http://schemas.microsoft.com/office/drawing/2010/main" val="0"/>
-              </a:ext>
-            </a:extLst>
-          </a:blip>
-          <a:stretch>
-            <a:fillRect/>
-          </a:stretch>
-        </p:blipFill>
-        <p:spPr>
-          <a:xfrm>
-            <a:off x="3449121" y="2072202"/>
-            <a:ext cx="5981206" cy="3384104"/>
-          </a:xfrm>
-        </p:spPr>
-      </p:pic>
-    </p:spTree>
-    <p:extLst>
-      <p:ext uri="{BB962C8B-B14F-4D97-AF65-F5344CB8AC3E}">
-        <p14:creationId xmlns:p14="http://schemas.microsoft.com/office/powerpoint/2010/main" val="1706037711"/>
-      </p:ext>
-    </p:extLst>
-  </p:cSld>
-  <p:clrMapOvr>
-    <a:masterClrMapping/>
-  </p:clrMapOvr>
-</p:sld>
-</file>
-
-<file path=ppt/slides/slide20.xml><?xml version="1.0" encoding="utf-8"?>
+<file path=ppt/slides/slide21.xml><?xml version="1.0" encoding="utf-8"?>
 <p:sld xmlns:a="http://schemas.openxmlformats.org/drawingml/2006/main" xmlns:r="http://schemas.openxmlformats.org/officeDocument/2006/relationships" xmlns:p="http://schemas.openxmlformats.org/presentationml/2006/main">
   <p:cSld>
     <p:bg>
@@ -9835,308 +10002,6 @@
 </p:sld>
 </file>
 
-<file path=ppt/slides/slide21.xml><?xml version="1.0" encoding="utf-8"?>
-<p:sld xmlns:a="http://schemas.openxmlformats.org/drawingml/2006/main" xmlns:r="http://schemas.openxmlformats.org/officeDocument/2006/relationships" xmlns:p="http://schemas.openxmlformats.org/presentationml/2006/main">
-  <p:cSld>
-    <p:bg>
-      <p:bgPr>
-        <a:blipFill dpi="0" rotWithShape="1">
-          <a:blip r:embed="rId2">
-            <a:lum/>
-          </a:blip>
-          <a:srcRect/>
-          <a:stretch>
-            <a:fillRect t="-17000" b="-17000"/>
-          </a:stretch>
-        </a:blipFill>
-        <a:effectLst/>
-      </p:bgPr>
-    </p:bg>
-    <p:spTree>
-      <p:nvGrpSpPr>
-        <p:cNvPr id="1" name=""/>
-        <p:cNvGrpSpPr/>
-        <p:nvPr/>
-      </p:nvGrpSpPr>
-      <p:grpSpPr>
-        <a:xfrm>
-          <a:off x="0" y="0"/>
-          <a:ext cx="0" cy="0"/>
-          <a:chOff x="0" y="0"/>
-          <a:chExt cx="0" cy="0"/>
-        </a:xfrm>
-      </p:grpSpPr>
-      <p:sp>
-        <p:nvSpPr>
-          <p:cNvPr id="2" name="Title 1">
-            <a:extLst>
-              <a:ext uri="{FF2B5EF4-FFF2-40B4-BE49-F238E27FC236}">
-                <a16:creationId xmlns:a16="http://schemas.microsoft.com/office/drawing/2014/main" id="{E9FE2B48-CD0E-2F9E-48F0-B5FAA9B51B42}"/>
-              </a:ext>
-            </a:extLst>
-          </p:cNvPr>
-          <p:cNvSpPr>
-            <a:spLocks noGrp="1"/>
-          </p:cNvSpPr>
-          <p:nvPr>
-            <p:ph type="title"/>
-          </p:nvPr>
-        </p:nvSpPr>
-        <p:spPr>
-          <a:xfrm>
-            <a:off x="1810327" y="146246"/>
-            <a:ext cx="9882909" cy="1325563"/>
-          </a:xfrm>
-        </p:spPr>
-        <p:txBody>
-          <a:bodyPr/>
-          <a:lstStyle/>
-          <a:p>
-            <a:r>
-              <a:rPr lang="en-US" dirty="0">
-                <a:latin typeface="Calibri" panose="020F0502020204030204" pitchFamily="34" charset="0"/>
-                <a:ea typeface="Calibri" panose="020F0502020204030204" pitchFamily="34" charset="0"/>
-                <a:cs typeface="Calibri" panose="020F0502020204030204" pitchFamily="34" charset="0"/>
-              </a:rPr>
-              <a:t>Model Metrics</a:t>
-            </a:r>
-          </a:p>
-        </p:txBody>
-      </p:sp>
-      <p:sp>
-        <p:nvSpPr>
-          <p:cNvPr id="3" name="TextBox 2">
-            <a:extLst>
-              <a:ext uri="{FF2B5EF4-FFF2-40B4-BE49-F238E27FC236}">
-                <a16:creationId xmlns:a16="http://schemas.microsoft.com/office/drawing/2014/main" id="{0E2A91B4-B1B6-3110-B1A2-4140579E7D29}"/>
-              </a:ext>
-            </a:extLst>
-          </p:cNvPr>
-          <p:cNvSpPr txBox="1"/>
-          <p:nvPr/>
-        </p:nvSpPr>
-        <p:spPr>
-          <a:xfrm>
-            <a:off x="3894572" y="5723215"/>
-            <a:ext cx="1883210" cy="369332"/>
-          </a:xfrm>
-          <a:prstGeom prst="rect">
-            <a:avLst/>
-          </a:prstGeom>
-          <a:noFill/>
-        </p:spPr>
-        <p:txBody>
-          <a:bodyPr wrap="square" rtlCol="0">
-            <a:spAutoFit/>
-          </a:bodyPr>
-          <a:lstStyle/>
-          <a:p>
-            <a:pPr algn="ctr"/>
-            <a:r>
-              <a:rPr lang="en-US" dirty="0" err="1"/>
-              <a:t>Xgboost</a:t>
-            </a:r>
-            <a:r>
-              <a:rPr lang="en-US" dirty="0"/>
-              <a:t> </a:t>
-            </a:r>
-            <a:r>
-              <a:rPr lang="en-US" dirty="0" err="1"/>
-              <a:t>withRFE</a:t>
-            </a:r>
-            <a:endParaRPr lang="en-US" dirty="0"/>
-          </a:p>
-        </p:txBody>
-      </p:sp>
-      <p:sp>
-        <p:nvSpPr>
-          <p:cNvPr id="4" name="TextBox 3">
-            <a:extLst>
-              <a:ext uri="{FF2B5EF4-FFF2-40B4-BE49-F238E27FC236}">
-                <a16:creationId xmlns:a16="http://schemas.microsoft.com/office/drawing/2014/main" id="{E6CEA047-CBC5-497F-41FA-3B022FA28CE1}"/>
-              </a:ext>
-            </a:extLst>
-          </p:cNvPr>
-          <p:cNvSpPr txBox="1"/>
-          <p:nvPr/>
-        </p:nvSpPr>
-        <p:spPr>
-          <a:xfrm>
-            <a:off x="8451273" y="5752205"/>
-            <a:ext cx="2724728" cy="369332"/>
-          </a:xfrm>
-          <a:prstGeom prst="rect">
-            <a:avLst/>
-          </a:prstGeom>
-          <a:noFill/>
-        </p:spPr>
-        <p:txBody>
-          <a:bodyPr wrap="square" rtlCol="0">
-            <a:spAutoFit/>
-          </a:bodyPr>
-          <a:lstStyle/>
-          <a:p>
-            <a:pPr algn="ctr"/>
-            <a:r>
-              <a:rPr lang="en-US" dirty="0" err="1"/>
-              <a:t>XGBoost</a:t>
-            </a:r>
-            <a:r>
-              <a:rPr lang="en-US" dirty="0"/>
-              <a:t> with MRMR</a:t>
-            </a:r>
-          </a:p>
-        </p:txBody>
-      </p:sp>
-      <p:sp>
-        <p:nvSpPr>
-          <p:cNvPr id="5" name="TextBox 4">
-            <a:extLst>
-              <a:ext uri="{FF2B5EF4-FFF2-40B4-BE49-F238E27FC236}">
-                <a16:creationId xmlns:a16="http://schemas.microsoft.com/office/drawing/2014/main" id="{838EBC6A-A1FB-C8AC-8DA8-89C80105031E}"/>
-              </a:ext>
-            </a:extLst>
-          </p:cNvPr>
-          <p:cNvSpPr txBox="1"/>
-          <p:nvPr/>
-        </p:nvSpPr>
-        <p:spPr>
-          <a:xfrm>
-            <a:off x="5777782" y="1203048"/>
-            <a:ext cx="2442582" cy="369332"/>
-          </a:xfrm>
-          <a:prstGeom prst="rect">
-            <a:avLst/>
-          </a:prstGeom>
-          <a:solidFill>
-            <a:schemeClr val="tx1"/>
-          </a:solidFill>
-        </p:spPr>
-        <p:txBody>
-          <a:bodyPr wrap="square" rtlCol="0">
-            <a:spAutoFit/>
-          </a:bodyPr>
-          <a:lstStyle/>
-          <a:p>
-            <a:pPr algn="ctr"/>
-            <a:r>
-              <a:rPr lang="en-US" dirty="0">
-                <a:solidFill>
-                  <a:schemeClr val="bg1"/>
-                </a:solidFill>
-              </a:rPr>
-              <a:t>ROC-AUC curve</a:t>
-            </a:r>
-          </a:p>
-        </p:txBody>
-      </p:sp>
-      <p:pic>
-        <p:nvPicPr>
-          <p:cNvPr id="12290" name="Picture 2">
-            <a:extLst>
-              <a:ext uri="{FF2B5EF4-FFF2-40B4-BE49-F238E27FC236}">
-                <a16:creationId xmlns:a16="http://schemas.microsoft.com/office/drawing/2014/main" id="{5FEA9AE3-9CA4-37D0-F402-D4C6108F4785}"/>
-              </a:ext>
-            </a:extLst>
-          </p:cNvPr>
-          <p:cNvPicPr>
-            <a:picLocks noChangeAspect="1" noChangeArrowheads="1"/>
-          </p:cNvPicPr>
-          <p:nvPr/>
-        </p:nvPicPr>
-        <p:blipFill>
-          <a:blip r:embed="rId3">
-            <a:extLst>
-              <a:ext uri="{28A0092B-C50C-407E-A947-70E740481C1C}">
-                <a14:useLocalDpi xmlns:a14="http://schemas.microsoft.com/office/drawing/2010/main" val="0"/>
-              </a:ext>
-            </a:extLst>
-          </a:blip>
-          <a:srcRect/>
-          <a:stretch>
-            <a:fillRect/>
-          </a:stretch>
-        </p:blipFill>
-        <p:spPr bwMode="auto">
-          <a:xfrm>
-            <a:off x="2641600" y="1707482"/>
-            <a:ext cx="4595770" cy="3658846"/>
-          </a:xfrm>
-          <a:prstGeom prst="rect">
-            <a:avLst/>
-          </a:prstGeom>
-          <a:noFill/>
-          <a:extLst>
-            <a:ext uri="{909E8E84-426E-40DD-AFC4-6F175D3DCCD1}">
-              <a14:hiddenFill xmlns:a14="http://schemas.microsoft.com/office/drawing/2010/main">
-                <a:solidFill>
-                  <a:srgbClr val="FFFFFF"/>
-                </a:solidFill>
-              </a14:hiddenFill>
-            </a:ext>
-          </a:extLst>
-        </p:spPr>
-      </p:pic>
-      <p:pic>
-        <p:nvPicPr>
-          <p:cNvPr id="12292" name="Picture 4">
-            <a:extLst>
-              <a:ext uri="{FF2B5EF4-FFF2-40B4-BE49-F238E27FC236}">
-                <a16:creationId xmlns:a16="http://schemas.microsoft.com/office/drawing/2014/main" id="{56DC4B82-5E43-8705-62A7-8208D39CC479}"/>
-              </a:ext>
-            </a:extLst>
-          </p:cNvPr>
-          <p:cNvPicPr>
-            <a:picLocks noChangeAspect="1" noChangeArrowheads="1"/>
-          </p:cNvPicPr>
-          <p:nvPr/>
-        </p:nvPicPr>
-        <p:blipFill>
-          <a:blip r:embed="rId4">
-            <a:extLst>
-              <a:ext uri="{28A0092B-C50C-407E-A947-70E740481C1C}">
-                <a14:useLocalDpi xmlns:a14="http://schemas.microsoft.com/office/drawing/2010/main" val="0"/>
-              </a:ext>
-            </a:extLst>
-          </a:blip>
-          <a:srcRect/>
-          <a:stretch>
-            <a:fillRect/>
-          </a:stretch>
-        </p:blipFill>
-        <p:spPr bwMode="auto">
-          <a:xfrm>
-            <a:off x="7056584" y="1707482"/>
-            <a:ext cx="4729016" cy="3764929"/>
-          </a:xfrm>
-          <a:prstGeom prst="rect">
-            <a:avLst/>
-          </a:prstGeom>
-          <a:noFill/>
-          <a:extLst>
-            <a:ext uri="{909E8E84-426E-40DD-AFC4-6F175D3DCCD1}">
-              <a14:hiddenFill xmlns:a14="http://schemas.microsoft.com/office/drawing/2010/main">
-                <a:solidFill>
-                  <a:srgbClr val="FFFFFF"/>
-                </a:solidFill>
-              </a14:hiddenFill>
-            </a:ext>
-          </a:extLst>
-        </p:spPr>
-      </p:pic>
-    </p:spTree>
-    <p:extLst>
-      <p:ext uri="{BB962C8B-B14F-4D97-AF65-F5344CB8AC3E}">
-        <p14:creationId xmlns:p14="http://schemas.microsoft.com/office/powerpoint/2010/main" val="3728357294"/>
-      </p:ext>
-    </p:extLst>
-  </p:cSld>
-  <p:clrMapOvr>
-    <a:masterClrMapping/>
-  </p:clrMapOvr>
-</p:sld>
-</file>
-
 <file path=ppt/slides/slide22.xml><?xml version="1.0" encoding="utf-8"?>
 <p:sld xmlns:a="http://schemas.openxmlformats.org/drawingml/2006/main" xmlns:r="http://schemas.openxmlformats.org/officeDocument/2006/relationships" xmlns:p="http://schemas.openxmlformats.org/presentationml/2006/main">
   <p:cSld>
@@ -10219,7 +10084,7 @@
         </p:nvSpPr>
         <p:spPr>
           <a:xfrm>
-            <a:off x="3894572" y="5787858"/>
+            <a:off x="3894572" y="5723215"/>
             <a:ext cx="1883210" cy="369332"/>
           </a:xfrm>
           <a:prstGeom prst="rect">
@@ -10240,8 +10105,13 @@
             </a:r>
             <a:r>
               <a:rPr lang="en-US" dirty="0"/>
-              <a:t> with RFE</a:t>
-            </a:r>
+              <a:t> </a:t>
+            </a:r>
+            <a:r>
+              <a:rPr lang="en-US" dirty="0" err="1"/>
+              <a:t>withRFE</a:t>
+            </a:r>
+            <a:endParaRPr lang="en-US" dirty="0"/>
           </a:p>
         </p:txBody>
       </p:sp>
@@ -10259,7 +10129,7 @@
         </p:nvSpPr>
         <p:spPr>
           <a:xfrm>
-            <a:off x="8451273" y="5816848"/>
+            <a:off x="8451273" y="5752205"/>
             <a:ext cx="2724728" cy="369332"/>
           </a:xfrm>
           <a:prstGeom prst="rect">
@@ -10290,7 +10160,7 @@
           <p:cNvPr id="5" name="TextBox 4">
             <a:extLst>
               <a:ext uri="{FF2B5EF4-FFF2-40B4-BE49-F238E27FC236}">
-                <a16:creationId xmlns:a16="http://schemas.microsoft.com/office/drawing/2014/main" id="{A831241A-000B-22DF-6F96-729F8EBA5032}"/>
+                <a16:creationId xmlns:a16="http://schemas.microsoft.com/office/drawing/2014/main" id="{838EBC6A-A1FB-C8AC-8DA8-89C80105031E}"/>
               </a:ext>
             </a:extLst>
           </p:cNvPr>
@@ -10299,8 +10169,8 @@
         </p:nvSpPr>
         <p:spPr>
           <a:xfrm>
-            <a:off x="5158946" y="1337904"/>
-            <a:ext cx="3742420" cy="369332"/>
+            <a:off x="5777782" y="1203048"/>
+            <a:ext cx="2442582" cy="369332"/>
           </a:xfrm>
           <a:prstGeom prst="rect">
             <a:avLst/>
@@ -10322,17 +10192,17 @@
                   <a:schemeClr val="bg1"/>
                 </a:solidFill>
               </a:rPr>
-              <a:t>Precision and Recall curve</a:t>
+              <a:t>ROC-AUC curve</a:t>
             </a:r>
           </a:p>
         </p:txBody>
       </p:sp>
       <p:pic>
         <p:nvPicPr>
-          <p:cNvPr id="14338" name="Picture 2">
+          <p:cNvPr id="12290" name="Picture 2">
             <a:extLst>
               <a:ext uri="{FF2B5EF4-FFF2-40B4-BE49-F238E27FC236}">
-                <a16:creationId xmlns:a16="http://schemas.microsoft.com/office/drawing/2014/main" id="{A00F0FD8-EC91-4ABC-A61E-883FD9F283EE}"/>
+                <a16:creationId xmlns:a16="http://schemas.microsoft.com/office/drawing/2014/main" id="{5FEA9AE3-9CA4-37D0-F402-D4C6108F4785}"/>
               </a:ext>
             </a:extLst>
           </p:cNvPr>
@@ -10356,8 +10226,8 @@
         </p:blipFill>
         <p:spPr bwMode="auto">
           <a:xfrm>
-            <a:off x="7418482" y="2319643"/>
-            <a:ext cx="4588791" cy="3497205"/>
+            <a:off x="2641600" y="1707482"/>
+            <a:ext cx="4595770" cy="3658846"/>
           </a:xfrm>
           <a:prstGeom prst="rect">
             <a:avLst/>
@@ -10376,10 +10246,10 @@
       </p:pic>
       <p:pic>
         <p:nvPicPr>
-          <p:cNvPr id="14340" name="Picture 4">
+          <p:cNvPr id="12292" name="Picture 4">
             <a:extLst>
               <a:ext uri="{FF2B5EF4-FFF2-40B4-BE49-F238E27FC236}">
-                <a16:creationId xmlns:a16="http://schemas.microsoft.com/office/drawing/2014/main" id="{76A16DFC-2B01-5C85-0638-034CA8FA166C}"/>
+                <a16:creationId xmlns:a16="http://schemas.microsoft.com/office/drawing/2014/main" id="{56DC4B82-5E43-8705-62A7-8208D39CC479}"/>
               </a:ext>
             </a:extLst>
           </p:cNvPr>
@@ -10389,7 +10259,7 @@
           <p:nvPr/>
         </p:nvPicPr>
         <p:blipFill>
-          <a:blip r:embed="rId3">
+          <a:blip r:embed="rId4">
             <a:extLst>
               <a:ext uri="{28A0092B-C50C-407E-A947-70E740481C1C}">
                 <a14:useLocalDpi xmlns:a14="http://schemas.microsoft.com/office/drawing/2010/main" val="0"/>
@@ -10403,8 +10273,8 @@
         </p:blipFill>
         <p:spPr bwMode="auto">
           <a:xfrm>
-            <a:off x="2948680" y="2319644"/>
-            <a:ext cx="4550607" cy="3454942"/>
+            <a:off x="7056584" y="1707482"/>
+            <a:ext cx="4729016" cy="3764929"/>
           </a:xfrm>
           <a:prstGeom prst="rect">
             <a:avLst/>
@@ -10424,7 +10294,7 @@
     </p:spTree>
     <p:extLst>
       <p:ext uri="{BB962C8B-B14F-4D97-AF65-F5344CB8AC3E}">
-        <p14:creationId xmlns:p14="http://schemas.microsoft.com/office/powerpoint/2010/main" val="3891790690"/>
+        <p14:creationId xmlns:p14="http://schemas.microsoft.com/office/powerpoint/2010/main" val="3728357294"/>
       </p:ext>
     </p:extLst>
   </p:cSld>
@@ -10721,7 +10591,7 @@
     </p:spTree>
     <p:extLst>
       <p:ext uri="{BB962C8B-B14F-4D97-AF65-F5344CB8AC3E}">
-        <p14:creationId xmlns:p14="http://schemas.microsoft.com/office/powerpoint/2010/main" val="3696906053"/>
+        <p14:creationId xmlns:p14="http://schemas.microsoft.com/office/powerpoint/2010/main" val="3891790690"/>
       </p:ext>
     </p:extLst>
   </p:cSld>
@@ -10893,6 +10763,303 @@
         </p:nvSpPr>
         <p:spPr>
           <a:xfrm>
+            <a:off x="5158946" y="1337904"/>
+            <a:ext cx="3742420" cy="369332"/>
+          </a:xfrm>
+          <a:prstGeom prst="rect">
+            <a:avLst/>
+          </a:prstGeom>
+          <a:solidFill>
+            <a:schemeClr val="tx1"/>
+          </a:solidFill>
+        </p:spPr>
+        <p:txBody>
+          <a:bodyPr wrap="square" rtlCol="0">
+            <a:spAutoFit/>
+          </a:bodyPr>
+          <a:lstStyle/>
+          <a:p>
+            <a:pPr algn="ctr"/>
+            <a:r>
+              <a:rPr lang="en-US" dirty="0">
+                <a:solidFill>
+                  <a:schemeClr val="bg1"/>
+                </a:solidFill>
+              </a:rPr>
+              <a:t>Precision and Recall curve</a:t>
+            </a:r>
+          </a:p>
+        </p:txBody>
+      </p:sp>
+      <p:pic>
+        <p:nvPicPr>
+          <p:cNvPr id="14338" name="Picture 2">
+            <a:extLst>
+              <a:ext uri="{FF2B5EF4-FFF2-40B4-BE49-F238E27FC236}">
+                <a16:creationId xmlns:a16="http://schemas.microsoft.com/office/drawing/2014/main" id="{A00F0FD8-EC91-4ABC-A61E-883FD9F283EE}"/>
+              </a:ext>
+            </a:extLst>
+          </p:cNvPr>
+          <p:cNvPicPr>
+            <a:picLocks noChangeAspect="1" noChangeArrowheads="1"/>
+          </p:cNvPicPr>
+          <p:nvPr/>
+        </p:nvPicPr>
+        <p:blipFill>
+          <a:blip r:embed="rId3">
+            <a:extLst>
+              <a:ext uri="{28A0092B-C50C-407E-A947-70E740481C1C}">
+                <a14:useLocalDpi xmlns:a14="http://schemas.microsoft.com/office/drawing/2010/main" val="0"/>
+              </a:ext>
+            </a:extLst>
+          </a:blip>
+          <a:srcRect/>
+          <a:stretch>
+            <a:fillRect/>
+          </a:stretch>
+        </p:blipFill>
+        <p:spPr bwMode="auto">
+          <a:xfrm>
+            <a:off x="7418482" y="2319643"/>
+            <a:ext cx="4588791" cy="3497205"/>
+          </a:xfrm>
+          <a:prstGeom prst="rect">
+            <a:avLst/>
+          </a:prstGeom>
+          <a:noFill/>
+          <a:extLst>
+            <a:ext uri="{909E8E84-426E-40DD-AFC4-6F175D3DCCD1}">
+              <a14:hiddenFill xmlns:a14="http://schemas.microsoft.com/office/drawing/2010/main">
+                <a:solidFill>
+                  <a:srgbClr val="FFFFFF"/>
+                </a:solidFill>
+              </a14:hiddenFill>
+            </a:ext>
+          </a:extLst>
+        </p:spPr>
+      </p:pic>
+      <p:pic>
+        <p:nvPicPr>
+          <p:cNvPr id="14340" name="Picture 4">
+            <a:extLst>
+              <a:ext uri="{FF2B5EF4-FFF2-40B4-BE49-F238E27FC236}">
+                <a16:creationId xmlns:a16="http://schemas.microsoft.com/office/drawing/2014/main" id="{76A16DFC-2B01-5C85-0638-034CA8FA166C}"/>
+              </a:ext>
+            </a:extLst>
+          </p:cNvPr>
+          <p:cNvPicPr>
+            <a:picLocks noChangeAspect="1" noChangeArrowheads="1"/>
+          </p:cNvPicPr>
+          <p:nvPr/>
+        </p:nvPicPr>
+        <p:blipFill>
+          <a:blip r:embed="rId3">
+            <a:extLst>
+              <a:ext uri="{28A0092B-C50C-407E-A947-70E740481C1C}">
+                <a14:useLocalDpi xmlns:a14="http://schemas.microsoft.com/office/drawing/2010/main" val="0"/>
+              </a:ext>
+            </a:extLst>
+          </a:blip>
+          <a:srcRect/>
+          <a:stretch>
+            <a:fillRect/>
+          </a:stretch>
+        </p:blipFill>
+        <p:spPr bwMode="auto">
+          <a:xfrm>
+            <a:off x="2948680" y="2319644"/>
+            <a:ext cx="4550607" cy="3454942"/>
+          </a:xfrm>
+          <a:prstGeom prst="rect">
+            <a:avLst/>
+          </a:prstGeom>
+          <a:noFill/>
+          <a:extLst>
+            <a:ext uri="{909E8E84-426E-40DD-AFC4-6F175D3DCCD1}">
+              <a14:hiddenFill xmlns:a14="http://schemas.microsoft.com/office/drawing/2010/main">
+                <a:solidFill>
+                  <a:srgbClr val="FFFFFF"/>
+                </a:solidFill>
+              </a14:hiddenFill>
+            </a:ext>
+          </a:extLst>
+        </p:spPr>
+      </p:pic>
+    </p:spTree>
+    <p:extLst>
+      <p:ext uri="{BB962C8B-B14F-4D97-AF65-F5344CB8AC3E}">
+        <p14:creationId xmlns:p14="http://schemas.microsoft.com/office/powerpoint/2010/main" val="3696906053"/>
+      </p:ext>
+    </p:extLst>
+  </p:cSld>
+  <p:clrMapOvr>
+    <a:masterClrMapping/>
+  </p:clrMapOvr>
+</p:sld>
+</file>
+
+<file path=ppt/slides/slide25.xml><?xml version="1.0" encoding="utf-8"?>
+<p:sld xmlns:a="http://schemas.openxmlformats.org/drawingml/2006/main" xmlns:r="http://schemas.openxmlformats.org/officeDocument/2006/relationships" xmlns:p="http://schemas.openxmlformats.org/presentationml/2006/main">
+  <p:cSld>
+    <p:bg>
+      <p:bgPr>
+        <a:blipFill dpi="0" rotWithShape="1">
+          <a:blip r:embed="rId2">
+            <a:lum/>
+          </a:blip>
+          <a:srcRect/>
+          <a:stretch>
+            <a:fillRect t="-17000" b="-17000"/>
+          </a:stretch>
+        </a:blipFill>
+        <a:effectLst/>
+      </p:bgPr>
+    </p:bg>
+    <p:spTree>
+      <p:nvGrpSpPr>
+        <p:cNvPr id="1" name=""/>
+        <p:cNvGrpSpPr/>
+        <p:nvPr/>
+      </p:nvGrpSpPr>
+      <p:grpSpPr>
+        <a:xfrm>
+          <a:off x="0" y="0"/>
+          <a:ext cx="0" cy="0"/>
+          <a:chOff x="0" y="0"/>
+          <a:chExt cx="0" cy="0"/>
+        </a:xfrm>
+      </p:grpSpPr>
+      <p:sp>
+        <p:nvSpPr>
+          <p:cNvPr id="2" name="Title 1">
+            <a:extLst>
+              <a:ext uri="{FF2B5EF4-FFF2-40B4-BE49-F238E27FC236}">
+                <a16:creationId xmlns:a16="http://schemas.microsoft.com/office/drawing/2014/main" id="{E9FE2B48-CD0E-2F9E-48F0-B5FAA9B51B42}"/>
+              </a:ext>
+            </a:extLst>
+          </p:cNvPr>
+          <p:cNvSpPr>
+            <a:spLocks noGrp="1"/>
+          </p:cNvSpPr>
+          <p:nvPr>
+            <p:ph type="title"/>
+          </p:nvPr>
+        </p:nvSpPr>
+        <p:spPr>
+          <a:xfrm>
+            <a:off x="1810327" y="146246"/>
+            <a:ext cx="9882909" cy="1325563"/>
+          </a:xfrm>
+        </p:spPr>
+        <p:txBody>
+          <a:bodyPr/>
+          <a:lstStyle/>
+          <a:p>
+            <a:r>
+              <a:rPr lang="en-US" dirty="0">
+                <a:latin typeface="Calibri" panose="020F0502020204030204" pitchFamily="34" charset="0"/>
+                <a:ea typeface="Calibri" panose="020F0502020204030204" pitchFamily="34" charset="0"/>
+                <a:cs typeface="Calibri" panose="020F0502020204030204" pitchFamily="34" charset="0"/>
+              </a:rPr>
+              <a:t>Model Metrics</a:t>
+            </a:r>
+          </a:p>
+        </p:txBody>
+      </p:sp>
+      <p:sp>
+        <p:nvSpPr>
+          <p:cNvPr id="3" name="TextBox 2">
+            <a:extLst>
+              <a:ext uri="{FF2B5EF4-FFF2-40B4-BE49-F238E27FC236}">
+                <a16:creationId xmlns:a16="http://schemas.microsoft.com/office/drawing/2014/main" id="{0E2A91B4-B1B6-3110-B1A2-4140579E7D29}"/>
+              </a:ext>
+            </a:extLst>
+          </p:cNvPr>
+          <p:cNvSpPr txBox="1"/>
+          <p:nvPr/>
+        </p:nvSpPr>
+        <p:spPr>
+          <a:xfrm>
+            <a:off x="3894572" y="5787858"/>
+            <a:ext cx="1883210" cy="369332"/>
+          </a:xfrm>
+          <a:prstGeom prst="rect">
+            <a:avLst/>
+          </a:prstGeom>
+          <a:noFill/>
+        </p:spPr>
+        <p:txBody>
+          <a:bodyPr wrap="square" rtlCol="0">
+            <a:spAutoFit/>
+          </a:bodyPr>
+          <a:lstStyle/>
+          <a:p>
+            <a:pPr algn="ctr"/>
+            <a:r>
+              <a:rPr lang="en-US" dirty="0" err="1"/>
+              <a:t>Xgboost</a:t>
+            </a:r>
+            <a:r>
+              <a:rPr lang="en-US" dirty="0"/>
+              <a:t> with RFE</a:t>
+            </a:r>
+          </a:p>
+        </p:txBody>
+      </p:sp>
+      <p:sp>
+        <p:nvSpPr>
+          <p:cNvPr id="4" name="TextBox 3">
+            <a:extLst>
+              <a:ext uri="{FF2B5EF4-FFF2-40B4-BE49-F238E27FC236}">
+                <a16:creationId xmlns:a16="http://schemas.microsoft.com/office/drawing/2014/main" id="{E6CEA047-CBC5-497F-41FA-3B022FA28CE1}"/>
+              </a:ext>
+            </a:extLst>
+          </p:cNvPr>
+          <p:cNvSpPr txBox="1"/>
+          <p:nvPr/>
+        </p:nvSpPr>
+        <p:spPr>
+          <a:xfrm>
+            <a:off x="8451273" y="5816848"/>
+            <a:ext cx="2724728" cy="369332"/>
+          </a:xfrm>
+          <a:prstGeom prst="rect">
+            <a:avLst/>
+          </a:prstGeom>
+          <a:noFill/>
+        </p:spPr>
+        <p:txBody>
+          <a:bodyPr wrap="square" rtlCol="0">
+            <a:spAutoFit/>
+          </a:bodyPr>
+          <a:lstStyle/>
+          <a:p>
+            <a:pPr algn="ctr"/>
+            <a:r>
+              <a:rPr lang="en-US" dirty="0" err="1"/>
+              <a:t>XGBoost</a:t>
+            </a:r>
+            <a:r>
+              <a:rPr lang="en-US" dirty="0"/>
+              <a:t> with MRMR</a:t>
+            </a:r>
+          </a:p>
+        </p:txBody>
+      </p:sp>
+      <p:sp>
+        <p:nvSpPr>
+          <p:cNvPr id="5" name="TextBox 4">
+            <a:extLst>
+              <a:ext uri="{FF2B5EF4-FFF2-40B4-BE49-F238E27FC236}">
+                <a16:creationId xmlns:a16="http://schemas.microsoft.com/office/drawing/2014/main" id="{A831241A-000B-22DF-6F96-729F8EBA5032}"/>
+              </a:ext>
+            </a:extLst>
+          </p:cNvPr>
+          <p:cNvSpPr txBox="1"/>
+          <p:nvPr/>
+        </p:nvSpPr>
+        <p:spPr>
+          <a:xfrm>
             <a:off x="5158946" y="1180853"/>
             <a:ext cx="3742420" cy="369332"/>
           </a:xfrm>
@@ -11028,7 +11195,7 @@
 </p:sld>
 </file>
 
-<file path=ppt/slides/slide25.xml><?xml version="1.0" encoding="utf-8"?>
+<file path=ppt/slides/slide26.xml><?xml version="1.0" encoding="utf-8"?>
 <p:sld xmlns:a="http://schemas.openxmlformats.org/drawingml/2006/main" xmlns:r="http://schemas.openxmlformats.org/officeDocument/2006/relationships" xmlns:p="http://schemas.openxmlformats.org/presentationml/2006/main">
   <p:cSld>
     <p:bg>
@@ -12759,7 +12926,7 @@
 </p:sld>
 </file>
 
-<file path=ppt/slides/slide26.xml><?xml version="1.0" encoding="utf-8"?>
+<file path=ppt/slides/slide27.xml><?xml version="1.0" encoding="utf-8"?>
 <p:sld xmlns:a="http://schemas.openxmlformats.org/drawingml/2006/main" xmlns:r="http://schemas.openxmlformats.org/officeDocument/2006/relationships" xmlns:p="http://schemas.openxmlformats.org/presentationml/2006/main">
   <p:cSld>
     <p:bg>
@@ -14523,7 +14690,7 @@
 </p:sld>
 </file>
 
-<file path=ppt/slides/slide27.xml><?xml version="1.0" encoding="utf-8"?>
+<file path=ppt/slides/slide28.xml><?xml version="1.0" encoding="utf-8"?>
 <p:sld xmlns:a="http://schemas.openxmlformats.org/drawingml/2006/main" xmlns:r="http://schemas.openxmlformats.org/officeDocument/2006/relationships" xmlns:p="http://schemas.openxmlformats.org/presentationml/2006/main">
   <p:cSld>
     <p:bg>
@@ -15800,7 +15967,7 @@
           <p:nvPr>
             <p:extLst>
               <p:ext uri="{D42A27DB-BD31-4B8C-83A1-F6EECF244321}">
-                <p14:modId xmlns:p14="http://schemas.microsoft.com/office/powerpoint/2010/main" val="2275689069"/>
+                <p14:modId xmlns:p14="http://schemas.microsoft.com/office/powerpoint/2010/main" val="3424381940"/>
               </p:ext>
             </p:extLst>
           </p:nvPr>
@@ -15960,28 +16127,16 @@
                         <a:defRPr/>
                       </a:pPr>
                       <a:r>
-                        <a:rPr lang="en-US" dirty="0">
+                        <a:rPr lang="en-US" sz="1800" kern="1200" dirty="0">
                           <a:solidFill>
-                            <a:srgbClr val="3C4043"/>
-                          </a:solidFill>
-                          <a:latin typeface="Arial" panose="020B0604020202020204" pitchFamily="34" charset="0"/>
-                        </a:rPr>
-                        <a:t>U</a:t>
-                      </a:r>
-                      <a:r>
-                        <a:rPr lang="en-US" sz="1800" dirty="0">
-                          <a:solidFill>
-                            <a:srgbClr val="3C4043"/>
+                            <a:schemeClr val="tx1"/>
                           </a:solidFill>
                           <a:effectLst/>
-                          <a:latin typeface="Arial" panose="020B0604020202020204" pitchFamily="34" charset="0"/>
-                          <a:ea typeface="Times New Roman" panose="02020603050405020304" pitchFamily="18" charset="0"/>
+                          <a:latin typeface="Calibri" panose="020F0502020204030204" pitchFamily="34" charset="0"/>
+                          <a:ea typeface="Calibri" panose="020F0502020204030204" pitchFamily="34" charset="0"/>
+                          <a:cs typeface="Times New Roman" panose="02020603050405020304" pitchFamily="18" charset="0"/>
                         </a:rPr>
-                        <a:t>ser information</a:t>
-                      </a:r>
-                      <a:r>
-                        <a:rPr lang="en-US" dirty="0"/>
-                        <a:t> </a:t>
+                        <a:t>User information </a:t>
                       </a:r>
                     </a:p>
                     <a:p>
@@ -16124,17 +16279,17 @@
                         <a:defRPr/>
                       </a:pPr>
                       <a:r>
-                        <a:rPr lang="en-US" sz="1800" dirty="0">
+                        <a:rPr lang="en-US" sz="1800" kern="1200" dirty="0">
                           <a:solidFill>
-                            <a:srgbClr val="3C4043"/>
+                            <a:schemeClr val="tx1"/>
                           </a:solidFill>
                           <a:effectLst/>
-                          <a:latin typeface="Arial" panose="020B0604020202020204" pitchFamily="34" charset="0"/>
-                          <a:ea typeface="Times New Roman" panose="02020603050405020304" pitchFamily="18" charset="0"/>
+                          <a:latin typeface="Calibri" panose="020F0502020204030204" pitchFamily="34" charset="0"/>
+                          <a:ea typeface="Calibri" panose="020F0502020204030204" pitchFamily="34" charset="0"/>
+                          <a:cs typeface="Times New Roman" panose="02020603050405020304" pitchFamily="18" charset="0"/>
                         </a:rPr>
                         <a:t>Daily user logs describing the listening behaviors of a user</a:t>
                       </a:r>
-                      <a:endParaRPr lang="en-US" dirty="0"/>
                     </a:p>
                     <a:p>
                       <a:endParaRPr lang="en-US" dirty="0"/>
@@ -16214,7 +16369,7 @@
         </p:nvSpPr>
         <p:spPr>
           <a:xfrm>
-            <a:off x="4412674" y="137522"/>
+            <a:off x="1872673" y="220650"/>
             <a:ext cx="10515600" cy="1325563"/>
           </a:xfrm>
         </p:spPr>
@@ -16228,458 +16383,713 @@
                 <a:ea typeface="Calibri" panose="020F0502020204030204" pitchFamily="34" charset="0"/>
                 <a:cs typeface="Calibri" panose="020F0502020204030204" pitchFamily="34" charset="0"/>
               </a:rPr>
-              <a:t>Data Wrangling</a:t>
+              <a:t>                       Evaluation Metrics</a:t>
             </a:r>
           </a:p>
         </p:txBody>
       </p:sp>
       <p:sp>
         <p:nvSpPr>
-          <p:cNvPr id="6" name="Rectangle: Rounded Corners 5">
+          <p:cNvPr id="7" name="Rectangle 5">
             <a:extLst>
               <a:ext uri="{FF2B5EF4-FFF2-40B4-BE49-F238E27FC236}">
-                <a16:creationId xmlns:a16="http://schemas.microsoft.com/office/drawing/2014/main" id="{D0121BFA-42F2-7FDA-CBF5-5A433BF182CD}"/>
+                <a16:creationId xmlns:a16="http://schemas.microsoft.com/office/drawing/2014/main" id="{7F11F87E-F7E7-E6A9-61CE-D83316B27AC2}"/>
               </a:ext>
             </a:extLst>
           </p:cNvPr>
-          <p:cNvSpPr/>
+          <p:cNvSpPr>
+            <a:spLocks noChangeArrowheads="1"/>
+          </p:cNvSpPr>
           <p:nvPr/>
         </p:nvSpPr>
-        <p:spPr>
+        <p:spPr bwMode="auto">
           <a:xfrm>
-            <a:off x="2971801" y="1766454"/>
-            <a:ext cx="3124199" cy="3325091"/>
+            <a:off x="3459192" y="1935548"/>
+            <a:ext cx="6271404" cy="538609"/>
           </a:xfrm>
-          <a:prstGeom prst="roundRect">
+          <a:prstGeom prst="rect">
             <a:avLst/>
           </a:prstGeom>
+          <a:noFill/>
+          <a:ln>
+            <a:noFill/>
+          </a:ln>
+          <a:effectLst/>
+          <a:extLst>
+            <a:ext uri="{909E8E84-426E-40DD-AFC4-6F175D3DCCD1}">
+              <a14:hiddenFill xmlns:a14="http://schemas.microsoft.com/office/drawing/2010/main">
+                <a:solidFill>
+                  <a:schemeClr val="accent1"/>
+                </a:solidFill>
+              </a14:hiddenFill>
+            </a:ext>
+            <a:ext uri="{91240B29-F687-4F45-9708-019B960494DF}">
+              <a14:hiddenLine xmlns:a14="http://schemas.microsoft.com/office/drawing/2010/main" w="9525">
+                <a:solidFill>
+                  <a:schemeClr val="tx1"/>
+                </a:solidFill>
+                <a:miter lim="800000"/>
+                <a:headEnd/>
+                <a:tailEnd/>
+              </a14:hiddenLine>
+            </a:ext>
+            <a:ext uri="{AF507438-7753-43E0-B8FC-AC1667EBCBE1}">
+              <a14:hiddenEffects xmlns:a14="http://schemas.microsoft.com/office/drawing/2010/main">
+                <a:effectLst>
+                  <a:outerShdw dist="35921" dir="2700000" algn="ctr" rotWithShape="0">
+                    <a:schemeClr val="bg2"/>
+                  </a:outerShdw>
+                </a:effectLst>
+              </a14:hiddenEffects>
+            </a:ext>
+          </a:extLst>
         </p:spPr>
-        <p:style>
-          <a:lnRef idx="2">
-            <a:schemeClr val="dk1"/>
-          </a:lnRef>
-          <a:fillRef idx="1">
-            <a:schemeClr val="lt1"/>
-          </a:fillRef>
-          <a:effectRef idx="0">
-            <a:schemeClr val="dk1"/>
-          </a:effectRef>
-          <a:fontRef idx="minor">
-            <a:schemeClr val="dk1"/>
-          </a:fontRef>
-        </p:style>
         <p:txBody>
-          <a:bodyPr rtlCol="0" anchor="ctr"/>
+          <a:bodyPr vert="horz" wrap="square" lIns="91440" tIns="45720" rIns="91440" bIns="45720" numCol="1" anchor="ctr" anchorCtr="0" compatLnSpc="1">
+            <a:prstTxWarp prst="textNoShape">
+              <a:avLst/>
+            </a:prstTxWarp>
+            <a:spAutoFit/>
+          </a:bodyPr>
           <a:lstStyle/>
           <a:p>
-            <a:pPr algn="ctr"/>
-            <a:endParaRPr lang="en-US" dirty="0">
+            <a:pPr marL="0" marR="0" lvl="0" indent="0" algn="l" defTabSz="914400" rtl="0" eaLnBrk="0" fontAlgn="base" latinLnBrk="0" hangingPunct="0">
+              <a:lnSpc>
+                <a:spcPct val="100000"/>
+              </a:lnSpc>
+              <a:spcBef>
+                <a:spcPct val="0"/>
+              </a:spcBef>
+              <a:spcAft>
+                <a:spcPct val="0"/>
+              </a:spcAft>
+              <a:buClrTx/>
+              <a:buSzTx/>
+              <a:buFontTx/>
+              <a:buNone/>
+              <a:tabLst/>
+            </a:pPr>
+            <a:r>
+              <a:rPr kumimoji="0" lang="en-US" altLang="en-US" sz="1100" b="0" i="0" u="none" strike="noStrike" cap="none" normalizeH="0" baseline="0" dirty="0">
+                <a:ln>
+                  <a:noFill/>
+                </a:ln>
+                <a:solidFill>
+                  <a:schemeClr val="tx1"/>
+                </a:solidFill>
+                <a:effectLst/>
+                <a:latin typeface="Calibri" panose="020F0502020204030204" pitchFamily="34" charset="0"/>
+                <a:ea typeface="Calibri" panose="020F0502020204030204" pitchFamily="34" charset="0"/>
+                <a:cs typeface="Times New Roman" panose="02020603050405020304" pitchFamily="18" charset="0"/>
+              </a:rPr>
+              <a:t>	</a:t>
+            </a:r>
+            <a:endParaRPr kumimoji="0" lang="en-US" altLang="en-US" sz="800" b="0" i="0" u="none" strike="noStrike" cap="none" normalizeH="0" baseline="0" dirty="0">
+              <a:ln>
+                <a:noFill/>
+              </a:ln>
               <a:solidFill>
-                <a:schemeClr val="accent2">
-                  <a:lumMod val="75000"/>
-                </a:schemeClr>
+                <a:schemeClr val="tx1"/>
               </a:solidFill>
+              <a:effectLst/>
             </a:endParaRPr>
           </a:p>
           <a:p>
-            <a:pPr algn="ctr"/>
-            <a:endParaRPr lang="en-US" dirty="0">
+            <a:pPr marL="0" marR="0" lvl="0" indent="0" algn="l" defTabSz="914400" rtl="0" eaLnBrk="0" fontAlgn="base" latinLnBrk="0" hangingPunct="0">
+              <a:lnSpc>
+                <a:spcPct val="100000"/>
+              </a:lnSpc>
+              <a:spcBef>
+                <a:spcPct val="0"/>
+              </a:spcBef>
+              <a:spcAft>
+                <a:spcPct val="0"/>
+              </a:spcAft>
+              <a:buClrTx/>
+              <a:buSzTx/>
+              <a:buFontTx/>
+              <a:buNone/>
+              <a:tabLst/>
+            </a:pPr>
+            <a:endParaRPr kumimoji="0" lang="en-US" altLang="en-US" sz="1800" b="0" i="0" u="none" strike="noStrike" cap="none" normalizeH="0" baseline="0" dirty="0">
+              <a:ln>
+                <a:noFill/>
+              </a:ln>
               <a:solidFill>
-                <a:schemeClr val="accent2">
-                  <a:lumMod val="75000"/>
-                </a:schemeClr>
+                <a:schemeClr val="tx1"/>
               </a:solidFill>
+              <a:effectLst/>
+              <a:latin typeface="Arial" panose="020B0604020202020204" pitchFamily="34" charset="0"/>
             </a:endParaRPr>
-          </a:p>
-          <a:p>
-            <a:pPr algn="ctr"/>
-            <a:endParaRPr lang="en-US" dirty="0">
-              <a:solidFill>
-                <a:schemeClr val="accent2">
-                  <a:lumMod val="75000"/>
-                </a:schemeClr>
-              </a:solidFill>
-            </a:endParaRPr>
-          </a:p>
-          <a:p>
-            <a:pPr algn="ctr"/>
-            <a:endParaRPr lang="en-US" dirty="0">
-              <a:solidFill>
-                <a:schemeClr val="accent2">
-                  <a:lumMod val="75000"/>
-                </a:schemeClr>
-              </a:solidFill>
-            </a:endParaRPr>
-          </a:p>
-          <a:p>
-            <a:pPr algn="ctr"/>
-            <a:endParaRPr lang="en-US" dirty="0">
-              <a:solidFill>
-                <a:schemeClr val="accent2">
-                  <a:lumMod val="75000"/>
-                </a:schemeClr>
-              </a:solidFill>
-            </a:endParaRPr>
-          </a:p>
-          <a:p>
-            <a:pPr algn="ctr"/>
-            <a:endParaRPr lang="en-US" dirty="0">
-              <a:solidFill>
-                <a:schemeClr val="accent2">
-                  <a:lumMod val="75000"/>
-                </a:schemeClr>
-              </a:solidFill>
-            </a:endParaRPr>
-          </a:p>
-          <a:p>
-            <a:pPr algn="ctr"/>
-            <a:endParaRPr lang="en-US" dirty="0">
-              <a:solidFill>
-                <a:schemeClr val="accent2">
-                  <a:lumMod val="75000"/>
-                </a:schemeClr>
-              </a:solidFill>
-            </a:endParaRPr>
-          </a:p>
-          <a:p>
-            <a:pPr algn="ctr"/>
-            <a:endParaRPr lang="en-US" dirty="0">
-              <a:solidFill>
-                <a:schemeClr val="accent2">
-                  <a:lumMod val="75000"/>
-                </a:schemeClr>
-              </a:solidFill>
-            </a:endParaRPr>
-          </a:p>
-          <a:p>
-            <a:pPr algn="ctr"/>
-            <a:endParaRPr lang="en-US" dirty="0">
-              <a:solidFill>
-                <a:schemeClr val="accent2">
-                  <a:lumMod val="75000"/>
-                </a:schemeClr>
-              </a:solidFill>
-            </a:endParaRPr>
-          </a:p>
-          <a:p>
-            <a:pPr algn="ctr"/>
-            <a:r>
-              <a:rPr lang="en-US" dirty="0">
-                <a:solidFill>
-                  <a:schemeClr val="accent2">
-                    <a:lumMod val="75000"/>
-                  </a:schemeClr>
-                </a:solidFill>
-              </a:rPr>
-              <a:t>Data cleaning</a:t>
-            </a:r>
-            <a:endParaRPr lang="en-US" dirty="0"/>
-          </a:p>
-          <a:p>
-            <a:pPr marL="342900" indent="-342900">
-              <a:buAutoNum type="arabicParenR"/>
-            </a:pPr>
-            <a:r>
-              <a:rPr lang="en-US" dirty="0"/>
-              <a:t>Handle missing values (drop or impute values)</a:t>
-            </a:r>
-          </a:p>
-          <a:p>
-            <a:pPr marL="342900" indent="-342900">
-              <a:buAutoNum type="arabicParenR"/>
-            </a:pPr>
-            <a:r>
-              <a:rPr lang="en-US" dirty="0"/>
-              <a:t>Binning age field into age group</a:t>
-            </a:r>
-          </a:p>
-          <a:p>
-            <a:pPr marL="342900" indent="-342900">
-              <a:buAutoNum type="arabicParenR"/>
-            </a:pPr>
-            <a:r>
-              <a:rPr lang="en-US" dirty="0"/>
-              <a:t>Reduce data size by converting the datatype into a minimum range </a:t>
-            </a:r>
-          </a:p>
-          <a:p>
-            <a:pPr marL="342900" indent="-342900">
-              <a:buAutoNum type="arabicParenR"/>
-            </a:pPr>
-            <a:endParaRPr lang="en-US" dirty="0"/>
-          </a:p>
-          <a:p>
-            <a:pPr algn="ctr"/>
-            <a:endParaRPr lang="en-US" dirty="0"/>
-          </a:p>
-          <a:p>
-            <a:pPr algn="ctr"/>
-            <a:endParaRPr lang="en-US" dirty="0"/>
-          </a:p>
-          <a:p>
-            <a:pPr algn="ctr"/>
-            <a:endParaRPr lang="en-US" dirty="0"/>
-          </a:p>
-          <a:p>
-            <a:pPr algn="ctr"/>
-            <a:endParaRPr lang="en-US" dirty="0"/>
-          </a:p>
-          <a:p>
-            <a:pPr algn="ctr"/>
-            <a:endParaRPr lang="en-US" dirty="0"/>
-          </a:p>
-          <a:p>
-            <a:pPr algn="ctr"/>
-            <a:endParaRPr lang="en-US" dirty="0"/>
-          </a:p>
-          <a:p>
-            <a:pPr algn="ctr"/>
-            <a:endParaRPr lang="en-US" dirty="0"/>
-          </a:p>
-          <a:p>
-            <a:pPr algn="ctr"/>
-            <a:endParaRPr lang="en-US" dirty="0"/>
-          </a:p>
-          <a:p>
-            <a:pPr algn="ctr"/>
-            <a:r>
-              <a:rPr lang="en-US" dirty="0"/>
-              <a:t> </a:t>
-            </a:r>
           </a:p>
         </p:txBody>
       </p:sp>
+      <p:pic>
+        <p:nvPicPr>
+          <p:cNvPr id="1028" name="Picture 89">
+            <a:extLst>
+              <a:ext uri="{FF2B5EF4-FFF2-40B4-BE49-F238E27FC236}">
+                <a16:creationId xmlns:a16="http://schemas.microsoft.com/office/drawing/2014/main" id="{8113A98A-D0CF-AC0C-D069-FE466B3C111C}"/>
+              </a:ext>
+            </a:extLst>
+          </p:cNvPr>
+          <p:cNvPicPr>
+            <a:picLocks noChangeAspect="1" noChangeArrowheads="1"/>
+          </p:cNvPicPr>
+          <p:nvPr/>
+        </p:nvPicPr>
+        <p:blipFill>
+          <a:blip r:embed="rId3">
+            <a:extLst>
+              <a:ext uri="{28A0092B-C50C-407E-A947-70E740481C1C}">
+                <a14:useLocalDpi xmlns:a14="http://schemas.microsoft.com/office/drawing/2010/main" val="0"/>
+              </a:ext>
+            </a:extLst>
+          </a:blip>
+          <a:srcRect/>
+          <a:stretch>
+            <a:fillRect/>
+          </a:stretch>
+        </p:blipFill>
+        <p:spPr bwMode="auto">
+          <a:xfrm>
+            <a:off x="3847323" y="2284334"/>
+            <a:ext cx="5126649" cy="584048"/>
+          </a:xfrm>
+          <a:prstGeom prst="rect">
+            <a:avLst/>
+          </a:prstGeom>
+          <a:noFill/>
+          <a:extLst>
+            <a:ext uri="{909E8E84-426E-40DD-AFC4-6F175D3DCCD1}">
+              <a14:hiddenFill xmlns:a14="http://schemas.microsoft.com/office/drawing/2010/main">
+                <a:solidFill>
+                  <a:srgbClr val="FFFFFF"/>
+                </a:solidFill>
+              </a14:hiddenFill>
+            </a:ext>
+          </a:extLst>
+        </p:spPr>
+      </p:pic>
       <p:sp>
         <p:nvSpPr>
-          <p:cNvPr id="7" name="Rectangle: Rounded Corners 6">
+          <p:cNvPr id="8" name="Rectangle 6">
             <a:extLst>
               <a:ext uri="{FF2B5EF4-FFF2-40B4-BE49-F238E27FC236}">
-                <a16:creationId xmlns:a16="http://schemas.microsoft.com/office/drawing/2014/main" id="{CC535108-7099-D5C3-3AF5-887AB6DBB604}"/>
+                <a16:creationId xmlns:a16="http://schemas.microsoft.com/office/drawing/2014/main" id="{7A49250D-958C-2345-66B9-BB0026429403}"/>
               </a:ext>
             </a:extLst>
           </p:cNvPr>
-          <p:cNvSpPr/>
+          <p:cNvSpPr>
+            <a:spLocks noChangeArrowheads="1"/>
+          </p:cNvSpPr>
           <p:nvPr/>
         </p:nvSpPr>
-        <p:spPr>
+        <p:spPr bwMode="auto">
           <a:xfrm>
-            <a:off x="6938818" y="1766453"/>
-            <a:ext cx="3124199" cy="3325091"/>
+            <a:off x="3036498" y="1874259"/>
+            <a:ext cx="6390736" cy="3477875"/>
           </a:xfrm>
-          <a:prstGeom prst="roundRect">
+          <a:prstGeom prst="rect">
             <a:avLst/>
           </a:prstGeom>
+          <a:noFill/>
+          <a:ln w="9525">
+            <a:solidFill>
+              <a:schemeClr val="tx1"/>
+            </a:solidFill>
+            <a:miter lim="800000"/>
+            <a:headEnd/>
+            <a:tailEnd/>
+          </a:ln>
+          <a:effectLst/>
+          <a:extLst>
+            <a:ext uri="{909E8E84-426E-40DD-AFC4-6F175D3DCCD1}">
+              <a14:hiddenFill xmlns:a14="http://schemas.microsoft.com/office/drawing/2010/main">
+                <a:solidFill>
+                  <a:schemeClr val="accent1"/>
+                </a:solidFill>
+              </a14:hiddenFill>
+            </a:ext>
+            <a:ext uri="{AF507438-7753-43E0-B8FC-AC1667EBCBE1}">
+              <a14:hiddenEffects xmlns:a14="http://schemas.microsoft.com/office/drawing/2010/main">
+                <a:effectLst>
+                  <a:outerShdw dist="35921" dir="2700000" algn="ctr" rotWithShape="0">
+                    <a:schemeClr val="bg2"/>
+                  </a:outerShdw>
+                </a:effectLst>
+              </a14:hiddenEffects>
+            </a:ext>
+          </a:extLst>
         </p:spPr>
-        <p:style>
-          <a:lnRef idx="2">
-            <a:schemeClr val="dk1"/>
-          </a:lnRef>
-          <a:fillRef idx="1">
-            <a:schemeClr val="lt1"/>
-          </a:fillRef>
-          <a:effectRef idx="0">
-            <a:schemeClr val="dk1"/>
-          </a:effectRef>
-          <a:fontRef idx="minor">
-            <a:schemeClr val="dk1"/>
-          </a:fontRef>
-        </p:style>
         <p:txBody>
-          <a:bodyPr rtlCol="0" anchor="ctr"/>
-          <a:lstStyle/>
-          <a:p>
-            <a:pPr algn="ctr"/>
-            <a:endParaRPr lang="en-US" dirty="0">
+          <a:bodyPr vert="horz" wrap="square" lIns="91440" tIns="45720" rIns="91440" bIns="45720" numCol="1" anchor="ctr" anchorCtr="0" compatLnSpc="1">
+            <a:prstTxWarp prst="textNoShape">
+              <a:avLst/>
+            </a:prstTxWarp>
+            <a:spAutoFit/>
+          </a:bodyPr>
+          <a:lstStyle>
+            <a:lvl1pPr eaLnBrk="0" fontAlgn="base" hangingPunct="0">
+              <a:spcBef>
+                <a:spcPct val="0"/>
+              </a:spcBef>
+              <a:spcAft>
+                <a:spcPct val="0"/>
+              </a:spcAft>
+              <a:defRPr>
+                <a:solidFill>
+                  <a:schemeClr val="tx1"/>
+                </a:solidFill>
+                <a:latin typeface="Arial" panose="020B0604020202020204" pitchFamily="34" charset="0"/>
+              </a:defRPr>
+            </a:lvl1pPr>
+            <a:lvl2pPr eaLnBrk="0" fontAlgn="base" hangingPunct="0">
+              <a:spcBef>
+                <a:spcPct val="0"/>
+              </a:spcBef>
+              <a:spcAft>
+                <a:spcPct val="0"/>
+              </a:spcAft>
+              <a:defRPr>
+                <a:solidFill>
+                  <a:schemeClr val="tx1"/>
+                </a:solidFill>
+                <a:latin typeface="Arial" panose="020B0604020202020204" pitchFamily="34" charset="0"/>
+              </a:defRPr>
+            </a:lvl2pPr>
+            <a:lvl3pPr eaLnBrk="0" fontAlgn="base" hangingPunct="0">
+              <a:spcBef>
+                <a:spcPct val="0"/>
+              </a:spcBef>
+              <a:spcAft>
+                <a:spcPct val="0"/>
+              </a:spcAft>
+              <a:defRPr>
+                <a:solidFill>
+                  <a:schemeClr val="tx1"/>
+                </a:solidFill>
+                <a:latin typeface="Arial" panose="020B0604020202020204" pitchFamily="34" charset="0"/>
+              </a:defRPr>
+            </a:lvl3pPr>
+            <a:lvl4pPr eaLnBrk="0" fontAlgn="base" hangingPunct="0">
+              <a:spcBef>
+                <a:spcPct val="0"/>
+              </a:spcBef>
+              <a:spcAft>
+                <a:spcPct val="0"/>
+              </a:spcAft>
+              <a:defRPr>
+                <a:solidFill>
+                  <a:schemeClr val="tx1"/>
+                </a:solidFill>
+                <a:latin typeface="Arial" panose="020B0604020202020204" pitchFamily="34" charset="0"/>
+              </a:defRPr>
+            </a:lvl4pPr>
+            <a:lvl5pPr eaLnBrk="0" fontAlgn="base" hangingPunct="0">
+              <a:spcBef>
+                <a:spcPct val="0"/>
+              </a:spcBef>
+              <a:spcAft>
+                <a:spcPct val="0"/>
+              </a:spcAft>
+              <a:defRPr>
+                <a:solidFill>
+                  <a:schemeClr val="tx1"/>
+                </a:solidFill>
+                <a:latin typeface="Arial" panose="020B0604020202020204" pitchFamily="34" charset="0"/>
+              </a:defRPr>
+            </a:lvl5pPr>
+            <a:lvl6pPr eaLnBrk="0" fontAlgn="base" hangingPunct="0">
+              <a:spcBef>
+                <a:spcPct val="0"/>
+              </a:spcBef>
+              <a:spcAft>
+                <a:spcPct val="0"/>
+              </a:spcAft>
+              <a:defRPr>
+                <a:solidFill>
+                  <a:schemeClr val="tx1"/>
+                </a:solidFill>
+                <a:latin typeface="Arial" panose="020B0604020202020204" pitchFamily="34" charset="0"/>
+              </a:defRPr>
+            </a:lvl6pPr>
+            <a:lvl7pPr eaLnBrk="0" fontAlgn="base" hangingPunct="0">
+              <a:spcBef>
+                <a:spcPct val="0"/>
+              </a:spcBef>
+              <a:spcAft>
+                <a:spcPct val="0"/>
+              </a:spcAft>
+              <a:defRPr>
+                <a:solidFill>
+                  <a:schemeClr val="tx1"/>
+                </a:solidFill>
+                <a:latin typeface="Arial" panose="020B0604020202020204" pitchFamily="34" charset="0"/>
+              </a:defRPr>
+            </a:lvl7pPr>
+            <a:lvl8pPr eaLnBrk="0" fontAlgn="base" hangingPunct="0">
+              <a:spcBef>
+                <a:spcPct val="0"/>
+              </a:spcBef>
+              <a:spcAft>
+                <a:spcPct val="0"/>
+              </a:spcAft>
+              <a:defRPr>
+                <a:solidFill>
+                  <a:schemeClr val="tx1"/>
+                </a:solidFill>
+                <a:latin typeface="Arial" panose="020B0604020202020204" pitchFamily="34" charset="0"/>
+              </a:defRPr>
+            </a:lvl8pPr>
+            <a:lvl9pPr eaLnBrk="0" fontAlgn="base" hangingPunct="0">
+              <a:spcBef>
+                <a:spcPct val="0"/>
+              </a:spcBef>
+              <a:spcAft>
+                <a:spcPct val="0"/>
+              </a:spcAft>
+              <a:defRPr>
+                <a:solidFill>
+                  <a:schemeClr val="tx1"/>
+                </a:solidFill>
+                <a:latin typeface="Arial" panose="020B0604020202020204" pitchFamily="34" charset="0"/>
+              </a:defRPr>
+            </a:lvl9pPr>
+          </a:lstStyle>
+          <a:p>
+            <a:r>
+              <a:rPr kumimoji="0" lang="en-US" altLang="en-US" sz="2000" b="0" i="0" u="none" strike="noStrike" cap="none" normalizeH="0" baseline="0" dirty="0">
+                <a:ln>
+                  <a:noFill/>
+                </a:ln>
+                <a:solidFill>
+                  <a:schemeClr val="tx1"/>
+                </a:solidFill>
+                <a:effectLst/>
+                <a:latin typeface="+mn-lt"/>
+                <a:ea typeface="Calibri" panose="020F0502020204030204" pitchFamily="34" charset="0"/>
+                <a:cs typeface="Times New Roman" panose="02020603050405020304" pitchFamily="18" charset="0"/>
+              </a:rPr>
+              <a:t>1) The evaluation metric for this prediction is Log Loss</a:t>
+            </a:r>
+            <a:endParaRPr kumimoji="0" lang="en-US" altLang="en-US" sz="2000" b="0" i="0" u="none" strike="noStrike" cap="none" normalizeH="0" baseline="0" dirty="0">
+              <a:ln>
+                <a:noFill/>
+              </a:ln>
               <a:solidFill>
-                <a:schemeClr val="accent2">
-                  <a:lumMod val="75000"/>
-                </a:schemeClr>
+                <a:schemeClr val="tx1"/>
               </a:solidFill>
+              <a:effectLst/>
+              <a:latin typeface="+mn-lt"/>
             </a:endParaRPr>
           </a:p>
           <a:p>
-            <a:pPr algn="ctr"/>
-            <a:endParaRPr lang="en-US" dirty="0">
+            <a:pPr marL="0" marR="0" lvl="0" indent="0" algn="l" defTabSz="914400" rtl="0" eaLnBrk="0" fontAlgn="base" latinLnBrk="0" hangingPunct="0">
+              <a:lnSpc>
+                <a:spcPct val="100000"/>
+              </a:lnSpc>
+              <a:spcBef>
+                <a:spcPct val="0"/>
+              </a:spcBef>
+              <a:spcAft>
+                <a:spcPct val="0"/>
+              </a:spcAft>
+              <a:buClrTx/>
+              <a:buSzTx/>
+              <a:buFontTx/>
+              <a:buNone/>
+              <a:tabLst/>
+            </a:pPr>
+            <a:endParaRPr kumimoji="0" lang="en-US" altLang="en-US" sz="2000" b="0" i="0" u="none" strike="noStrike" cap="none" normalizeH="0" baseline="0" dirty="0">
+              <a:ln>
+                <a:noFill/>
+              </a:ln>
               <a:solidFill>
-                <a:schemeClr val="accent2">
-                  <a:lumMod val="75000"/>
-                </a:schemeClr>
+                <a:schemeClr val="tx1"/>
               </a:solidFill>
+              <a:effectLst/>
+              <a:latin typeface="+mn-lt"/>
+              <a:ea typeface="Calibri" panose="020F0502020204030204" pitchFamily="34" charset="0"/>
+              <a:cs typeface="Times New Roman" panose="02020603050405020304" pitchFamily="18" charset="0"/>
             </a:endParaRPr>
           </a:p>
           <a:p>
-            <a:pPr algn="ctr"/>
-            <a:endParaRPr lang="en-US" dirty="0">
+            <a:pPr marL="0" marR="0" lvl="0" indent="0" algn="l" defTabSz="914400" rtl="0" eaLnBrk="0" fontAlgn="base" latinLnBrk="0" hangingPunct="0">
+              <a:lnSpc>
+                <a:spcPct val="100000"/>
+              </a:lnSpc>
+              <a:spcBef>
+                <a:spcPct val="0"/>
+              </a:spcBef>
+              <a:spcAft>
+                <a:spcPct val="0"/>
+              </a:spcAft>
+              <a:buClrTx/>
+              <a:buSzTx/>
+              <a:buFontTx/>
+              <a:buNone/>
+              <a:tabLst/>
+            </a:pPr>
+            <a:endParaRPr lang="en-US" altLang="en-US" sz="2000" dirty="0">
+              <a:latin typeface="+mn-lt"/>
+              <a:ea typeface="Calibri" panose="020F0502020204030204" pitchFamily="34" charset="0"/>
+              <a:cs typeface="Times New Roman" panose="02020603050405020304" pitchFamily="18" charset="0"/>
+            </a:endParaRPr>
+          </a:p>
+          <a:p>
+            <a:pPr lvl="1"/>
+            <a:r>
+              <a:rPr kumimoji="0" lang="en-US" altLang="en-US" sz="2000" b="0" i="0" u="none" strike="noStrike" cap="none" normalizeH="0" baseline="0" dirty="0">
+                <a:ln>
+                  <a:noFill/>
+                </a:ln>
+                <a:solidFill>
+                  <a:schemeClr val="tx1"/>
+                </a:solidFill>
+                <a:effectLst/>
+                <a:latin typeface="+mn-lt"/>
+                <a:ea typeface="Calibri" panose="020F0502020204030204" pitchFamily="34" charset="0"/>
+                <a:cs typeface="Times New Roman" panose="02020603050405020304" pitchFamily="18" charset="0"/>
+              </a:rPr>
+              <a:t>where </a:t>
+            </a:r>
+            <a:r>
+              <a:rPr kumimoji="0" lang="en-US" altLang="en-US" sz="2000" b="0" i="1" u="none" strike="noStrike" cap="none" normalizeH="0" baseline="0" dirty="0" err="1">
+                <a:ln>
+                  <a:noFill/>
+                </a:ln>
+                <a:solidFill>
+                  <a:schemeClr val="tx1"/>
+                </a:solidFill>
+                <a:effectLst/>
+                <a:latin typeface="+mn-lt"/>
+                <a:ea typeface="Calibri" panose="020F0502020204030204" pitchFamily="34" charset="0"/>
+                <a:cs typeface="Times New Roman" panose="02020603050405020304" pitchFamily="18" charset="0"/>
+              </a:rPr>
+              <a:t>i</a:t>
+            </a:r>
+            <a:r>
+              <a:rPr kumimoji="0" lang="en-US" altLang="en-US" sz="2000" b="0" i="0" u="none" strike="noStrike" cap="none" normalizeH="0" baseline="0" dirty="0">
+                <a:ln>
+                  <a:noFill/>
+                </a:ln>
+                <a:solidFill>
+                  <a:schemeClr val="tx1"/>
+                </a:solidFill>
+                <a:effectLst/>
+                <a:latin typeface="+mn-lt"/>
+                <a:ea typeface="Calibri" panose="020F0502020204030204" pitchFamily="34" charset="0"/>
+                <a:cs typeface="Times New Roman" panose="02020603050405020304" pitchFamily="18" charset="0"/>
+              </a:rPr>
+              <a:t> is the given observation/record, </a:t>
+            </a:r>
+            <a:r>
+              <a:rPr kumimoji="0" lang="en-US" altLang="en-US" sz="2000" b="0" i="1" u="none" strike="noStrike" cap="none" normalizeH="0" baseline="0" dirty="0">
+                <a:ln>
+                  <a:noFill/>
+                </a:ln>
+                <a:solidFill>
+                  <a:schemeClr val="tx1"/>
+                </a:solidFill>
+                <a:effectLst/>
+                <a:latin typeface="+mn-lt"/>
+                <a:ea typeface="Calibri" panose="020F0502020204030204" pitchFamily="34" charset="0"/>
+                <a:cs typeface="Times New Roman" panose="02020603050405020304" pitchFamily="18" charset="0"/>
+              </a:rPr>
+              <a:t>y </a:t>
+            </a:r>
+            <a:r>
+              <a:rPr kumimoji="0" lang="en-US" altLang="en-US" sz="2000" b="0" i="0" u="none" strike="noStrike" cap="none" normalizeH="0" baseline="0" dirty="0">
+                <a:ln>
+                  <a:noFill/>
+                </a:ln>
+                <a:solidFill>
+                  <a:schemeClr val="tx1"/>
+                </a:solidFill>
+                <a:effectLst/>
+                <a:latin typeface="+mn-lt"/>
+                <a:ea typeface="Calibri" panose="020F0502020204030204" pitchFamily="34" charset="0"/>
+                <a:cs typeface="Times New Roman" panose="02020603050405020304" pitchFamily="18" charset="0"/>
+              </a:rPr>
+              <a:t>is the actual/true value, </a:t>
+            </a:r>
+            <a:r>
+              <a:rPr kumimoji="0" lang="en-US" altLang="en-US" sz="2000" b="0" i="1" u="none" strike="noStrike" cap="none" normalizeH="0" baseline="0" dirty="0">
+                <a:ln>
+                  <a:noFill/>
+                </a:ln>
+                <a:solidFill>
+                  <a:schemeClr val="tx1"/>
+                </a:solidFill>
+                <a:effectLst/>
+                <a:latin typeface="+mn-lt"/>
+                <a:ea typeface="Calibri" panose="020F0502020204030204" pitchFamily="34" charset="0"/>
+                <a:cs typeface="Times New Roman" panose="02020603050405020304" pitchFamily="18" charset="0"/>
+              </a:rPr>
+              <a:t>p</a:t>
+            </a:r>
+            <a:r>
+              <a:rPr kumimoji="0" lang="en-US" altLang="en-US" sz="2000" b="0" i="0" u="none" strike="noStrike" cap="none" normalizeH="0" baseline="0" dirty="0">
+                <a:ln>
+                  <a:noFill/>
+                </a:ln>
+                <a:solidFill>
+                  <a:schemeClr val="tx1"/>
+                </a:solidFill>
+                <a:effectLst/>
+                <a:latin typeface="+mn-lt"/>
+                <a:ea typeface="Calibri" panose="020F0502020204030204" pitchFamily="34" charset="0"/>
+                <a:cs typeface="Times New Roman" panose="02020603050405020304" pitchFamily="18" charset="0"/>
+              </a:rPr>
+              <a:t> is the prediction probability, and </a:t>
+            </a:r>
+            <a:r>
+              <a:rPr kumimoji="0" lang="en-US" altLang="en-US" sz="2000" b="0" i="1" u="none" strike="noStrike" cap="none" normalizeH="0" baseline="0" dirty="0">
+                <a:ln>
+                  <a:noFill/>
+                </a:ln>
+                <a:solidFill>
+                  <a:schemeClr val="tx1"/>
+                </a:solidFill>
+                <a:effectLst/>
+                <a:latin typeface="+mn-lt"/>
+                <a:ea typeface="Calibri" panose="020F0502020204030204" pitchFamily="34" charset="0"/>
+                <a:cs typeface="Times New Roman" panose="02020603050405020304" pitchFamily="18" charset="0"/>
+              </a:rPr>
+              <a:t>ln</a:t>
+            </a:r>
+            <a:r>
+              <a:rPr kumimoji="0" lang="en-US" altLang="en-US" sz="2000" b="0" i="0" u="none" strike="noStrike" cap="none" normalizeH="0" baseline="0" dirty="0">
+                <a:ln>
+                  <a:noFill/>
+                </a:ln>
+                <a:solidFill>
+                  <a:schemeClr val="tx1"/>
+                </a:solidFill>
+                <a:effectLst/>
+                <a:latin typeface="+mn-lt"/>
+                <a:ea typeface="Calibri" panose="020F0502020204030204" pitchFamily="34" charset="0"/>
+                <a:cs typeface="Times New Roman" panose="02020603050405020304" pitchFamily="18" charset="0"/>
+              </a:rPr>
+              <a:t> refers to the natural logarithm (logarithmic value using base of </a:t>
+            </a:r>
+            <a:r>
+              <a:rPr kumimoji="0" lang="en-US" altLang="en-US" sz="2000" b="0" i="1" u="none" strike="noStrike" cap="none" normalizeH="0" baseline="0" dirty="0">
+                <a:ln>
+                  <a:noFill/>
+                </a:ln>
+                <a:solidFill>
+                  <a:schemeClr val="tx1"/>
+                </a:solidFill>
+                <a:effectLst/>
+                <a:latin typeface="+mn-lt"/>
+                <a:ea typeface="Calibri" panose="020F0502020204030204" pitchFamily="34" charset="0"/>
+                <a:cs typeface="Times New Roman" panose="02020603050405020304" pitchFamily="18" charset="0"/>
+              </a:rPr>
+              <a:t>e</a:t>
+            </a:r>
+            <a:r>
+              <a:rPr kumimoji="0" lang="en-US" altLang="en-US" sz="2000" b="0" i="0" u="none" strike="noStrike" cap="none" normalizeH="0" baseline="0" dirty="0">
+                <a:ln>
+                  <a:noFill/>
+                </a:ln>
+                <a:solidFill>
+                  <a:schemeClr val="tx1"/>
+                </a:solidFill>
+                <a:effectLst/>
+                <a:latin typeface="+mn-lt"/>
+                <a:ea typeface="Calibri" panose="020F0502020204030204" pitchFamily="34" charset="0"/>
+                <a:cs typeface="Times New Roman" panose="02020603050405020304" pitchFamily="18" charset="0"/>
+              </a:rPr>
+              <a:t>) of a number.</a:t>
+            </a:r>
+          </a:p>
+          <a:p>
+            <a:pPr marL="0" marR="0" lvl="0" indent="0" algn="l" defTabSz="914400" rtl="0" eaLnBrk="0" fontAlgn="base" latinLnBrk="0" hangingPunct="0">
+              <a:lnSpc>
+                <a:spcPct val="100000"/>
+              </a:lnSpc>
+              <a:spcBef>
+                <a:spcPct val="0"/>
+              </a:spcBef>
+              <a:spcAft>
+                <a:spcPct val="0"/>
+              </a:spcAft>
+              <a:buClrTx/>
+              <a:buSzTx/>
+              <a:buFontTx/>
+              <a:buNone/>
+              <a:tabLst/>
+            </a:pPr>
+            <a:endParaRPr kumimoji="0" lang="en-US" altLang="en-US" sz="2000" b="0" i="0" u="none" strike="noStrike" cap="none" normalizeH="0" baseline="0" dirty="0">
+              <a:ln>
+                <a:noFill/>
+              </a:ln>
               <a:solidFill>
-                <a:schemeClr val="accent2">
-                  <a:lumMod val="75000"/>
-                </a:schemeClr>
+                <a:schemeClr val="tx1"/>
               </a:solidFill>
+              <a:effectLst/>
+              <a:latin typeface="+mn-lt"/>
+              <a:ea typeface="Calibri" panose="020F0502020204030204" pitchFamily="34" charset="0"/>
+              <a:cs typeface="Times New Roman" panose="02020603050405020304" pitchFamily="18" charset="0"/>
             </a:endParaRPr>
           </a:p>
           <a:p>
-            <a:pPr algn="ctr"/>
-            <a:endParaRPr lang="en-US" dirty="0">
+            <a:pPr marL="0" marR="0" lvl="0" indent="0" algn="l" defTabSz="914400" rtl="0" eaLnBrk="0" fontAlgn="base" latinLnBrk="0" hangingPunct="0">
+              <a:lnSpc>
+                <a:spcPct val="100000"/>
+              </a:lnSpc>
+              <a:spcBef>
+                <a:spcPct val="0"/>
+              </a:spcBef>
+              <a:spcAft>
+                <a:spcPct val="0"/>
+              </a:spcAft>
+              <a:buClrTx/>
+              <a:buSzTx/>
+              <a:buFontTx/>
+              <a:buNone/>
+              <a:tabLst/>
+            </a:pPr>
+            <a:r>
+              <a:rPr lang="en-US" altLang="en-US" sz="2000" dirty="0">
+                <a:latin typeface="+mn-lt"/>
+              </a:rPr>
+              <a:t>2) </a:t>
+            </a:r>
+            <a:r>
+              <a:rPr kumimoji="0" lang="en-US" altLang="en-US" sz="2000" b="0" i="0" u="none" strike="noStrike" cap="none" normalizeH="0" baseline="0" dirty="0">
+                <a:ln>
+                  <a:noFill/>
+                </a:ln>
+                <a:solidFill>
+                  <a:schemeClr val="tx1"/>
+                </a:solidFill>
+                <a:effectLst/>
+                <a:latin typeface="+mn-lt"/>
+                <a:ea typeface="Calibri" panose="020F0502020204030204" pitchFamily="34" charset="0"/>
+                <a:cs typeface="Times New Roman" panose="02020603050405020304" pitchFamily="18" charset="0"/>
+              </a:rPr>
+              <a:t>Apart from Log Loss, Recall and Precision will also be good evaluation metrics since the success of the prediction is based on the churn customer.</a:t>
+            </a:r>
+            <a:endParaRPr kumimoji="0" lang="en-US" altLang="en-US" sz="2000" b="0" i="0" u="none" strike="noStrike" cap="none" normalizeH="0" baseline="0" dirty="0">
+              <a:ln>
+                <a:noFill/>
+              </a:ln>
               <a:solidFill>
-                <a:schemeClr val="accent2">
-                  <a:lumMod val="75000"/>
-                </a:schemeClr>
+                <a:schemeClr val="tx1"/>
               </a:solidFill>
+              <a:effectLst/>
+              <a:latin typeface="+mn-lt"/>
             </a:endParaRPr>
-          </a:p>
-          <a:p>
-            <a:pPr algn="ctr"/>
-            <a:endParaRPr lang="en-US" dirty="0">
-              <a:solidFill>
-                <a:schemeClr val="accent2">
-                  <a:lumMod val="75000"/>
-                </a:schemeClr>
-              </a:solidFill>
-            </a:endParaRPr>
-          </a:p>
-          <a:p>
-            <a:pPr algn="ctr"/>
-            <a:endParaRPr lang="en-US" dirty="0">
-              <a:solidFill>
-                <a:schemeClr val="accent2">
-                  <a:lumMod val="75000"/>
-                </a:schemeClr>
-              </a:solidFill>
-            </a:endParaRPr>
-          </a:p>
-          <a:p>
-            <a:pPr algn="ctr"/>
-            <a:endParaRPr lang="en-US" dirty="0">
-              <a:solidFill>
-                <a:schemeClr val="accent2">
-                  <a:lumMod val="75000"/>
-                </a:schemeClr>
-              </a:solidFill>
-            </a:endParaRPr>
-          </a:p>
-          <a:p>
-            <a:pPr algn="ctr"/>
-            <a:endParaRPr lang="en-US" dirty="0">
-              <a:solidFill>
-                <a:schemeClr val="accent2">
-                  <a:lumMod val="75000"/>
-                </a:schemeClr>
-              </a:solidFill>
-            </a:endParaRPr>
-          </a:p>
-          <a:p>
-            <a:pPr algn="ctr"/>
-            <a:endParaRPr lang="en-US" dirty="0">
-              <a:solidFill>
-                <a:schemeClr val="accent2">
-                  <a:lumMod val="75000"/>
-                </a:schemeClr>
-              </a:solidFill>
-            </a:endParaRPr>
-          </a:p>
-          <a:p>
-            <a:pPr algn="ctr"/>
-            <a:r>
-              <a:rPr lang="en-US" dirty="0">
-                <a:solidFill>
-                  <a:schemeClr val="accent2">
-                    <a:lumMod val="75000"/>
-                  </a:schemeClr>
-                </a:solidFill>
-              </a:rPr>
-              <a:t>Data wrangling</a:t>
-            </a:r>
-            <a:endParaRPr lang="en-US" dirty="0"/>
-          </a:p>
-          <a:p>
-            <a:pPr marL="342900" indent="-342900">
-              <a:buAutoNum type="arabicParenR"/>
-            </a:pPr>
-            <a:r>
-              <a:rPr lang="en-US" dirty="0"/>
-              <a:t>Discovering class imbalance </a:t>
-            </a:r>
-          </a:p>
-          <a:p>
-            <a:pPr marL="800100" lvl="1" indent="-342900">
-              <a:buAutoNum type="alphaLcParenR"/>
-            </a:pPr>
-            <a:r>
-              <a:rPr lang="en-US" dirty="0"/>
-              <a:t>churn class - 9% </a:t>
-            </a:r>
-          </a:p>
-          <a:p>
-            <a:pPr marL="800100" lvl="1" indent="-342900">
-              <a:buAutoNum type="alphaLcParenR"/>
-            </a:pPr>
-            <a:r>
-              <a:rPr lang="en-US" dirty="0"/>
-              <a:t>b) not a churn class – 81%</a:t>
-            </a:r>
-          </a:p>
-          <a:p>
-            <a:r>
-              <a:rPr lang="en-US" dirty="0"/>
-              <a:t>2) Feature engineering for   </a:t>
-            </a:r>
-          </a:p>
-          <a:p>
-            <a:r>
-              <a:rPr lang="en-US" dirty="0"/>
-              <a:t>     the transaction and log  </a:t>
-            </a:r>
-          </a:p>
-          <a:p>
-            <a:r>
-              <a:rPr lang="en-US" dirty="0"/>
-              <a:t>     table</a:t>
-            </a:r>
-          </a:p>
-          <a:p>
-            <a:endParaRPr lang="en-US" dirty="0"/>
-          </a:p>
-          <a:p>
-            <a:pPr algn="ctr"/>
-            <a:endParaRPr lang="en-US" dirty="0"/>
-          </a:p>
-          <a:p>
-            <a:pPr algn="ctr"/>
-            <a:endParaRPr lang="en-US" dirty="0"/>
-          </a:p>
-          <a:p>
-            <a:pPr algn="ctr"/>
-            <a:endParaRPr lang="en-US" dirty="0"/>
-          </a:p>
-          <a:p>
-            <a:pPr algn="ctr"/>
-            <a:endParaRPr lang="en-US" dirty="0"/>
-          </a:p>
-          <a:p>
-            <a:pPr algn="ctr"/>
-            <a:endParaRPr lang="en-US" dirty="0"/>
-          </a:p>
-          <a:p>
-            <a:pPr algn="ctr"/>
-            <a:endParaRPr lang="en-US" dirty="0"/>
-          </a:p>
-          <a:p>
-            <a:pPr algn="ctr"/>
-            <a:endParaRPr lang="en-US" dirty="0"/>
-          </a:p>
-          <a:p>
-            <a:pPr algn="ctr"/>
-            <a:r>
-              <a:rPr lang="en-US" dirty="0"/>
-              <a:t> </a:t>
-            </a:r>
           </a:p>
         </p:txBody>
       </p:sp>
     </p:spTree>
     <p:extLst>
       <p:ext uri="{BB962C8B-B14F-4D97-AF65-F5344CB8AC3E}">
-        <p14:creationId xmlns:p14="http://schemas.microsoft.com/office/powerpoint/2010/main" val="3968513781"/>
+        <p14:creationId xmlns:p14="http://schemas.microsoft.com/office/powerpoint/2010/main" val="1532364848"/>
       </p:ext>
     </p:extLst>
   </p:cSld>
@@ -16752,7 +17162,7 @@
                 <a:ea typeface="Calibri" panose="020F0502020204030204" pitchFamily="34" charset="0"/>
                 <a:cs typeface="Calibri" panose="020F0502020204030204" pitchFamily="34" charset="0"/>
               </a:rPr>
-              <a:t>Feature Engineering</a:t>
+              <a:t>Data Wrangling</a:t>
             </a:r>
           </a:p>
         </p:txBody>
@@ -16771,249 +17181,7 @@
         </p:nvSpPr>
         <p:spPr>
           <a:xfrm>
-            <a:off x="3368965" y="1184563"/>
-            <a:ext cx="4638962" cy="3325091"/>
-          </a:xfrm>
-          <a:prstGeom prst="roundRect">
-            <a:avLst/>
-          </a:prstGeom>
-        </p:spPr>
-        <p:style>
-          <a:lnRef idx="2">
-            <a:schemeClr val="dk1"/>
-          </a:lnRef>
-          <a:fillRef idx="1">
-            <a:schemeClr val="lt1"/>
-          </a:fillRef>
-          <a:effectRef idx="0">
-            <a:schemeClr val="dk1"/>
-          </a:effectRef>
-          <a:fontRef idx="minor">
-            <a:schemeClr val="dk1"/>
-          </a:fontRef>
-        </p:style>
-        <p:txBody>
-          <a:bodyPr rtlCol="0" anchor="ctr"/>
-          <a:lstStyle/>
-          <a:p>
-            <a:pPr algn="ctr"/>
-            <a:endParaRPr lang="en-US" dirty="0">
-              <a:solidFill>
-                <a:schemeClr val="accent2">
-                  <a:lumMod val="75000"/>
-                </a:schemeClr>
-              </a:solidFill>
-            </a:endParaRPr>
-          </a:p>
-          <a:p>
-            <a:pPr algn="ctr"/>
-            <a:endParaRPr lang="en-US" dirty="0">
-              <a:solidFill>
-                <a:schemeClr val="accent2">
-                  <a:lumMod val="75000"/>
-                </a:schemeClr>
-              </a:solidFill>
-            </a:endParaRPr>
-          </a:p>
-          <a:p>
-            <a:pPr algn="ctr"/>
-            <a:endParaRPr lang="en-US" dirty="0">
-              <a:solidFill>
-                <a:schemeClr val="accent2">
-                  <a:lumMod val="75000"/>
-                </a:schemeClr>
-              </a:solidFill>
-            </a:endParaRPr>
-          </a:p>
-          <a:p>
-            <a:pPr algn="ctr"/>
-            <a:endParaRPr lang="en-US" dirty="0">
-              <a:solidFill>
-                <a:schemeClr val="accent2">
-                  <a:lumMod val="75000"/>
-                </a:schemeClr>
-              </a:solidFill>
-            </a:endParaRPr>
-          </a:p>
-          <a:p>
-            <a:pPr algn="ctr"/>
-            <a:endParaRPr lang="en-US" dirty="0">
-              <a:solidFill>
-                <a:schemeClr val="accent2">
-                  <a:lumMod val="75000"/>
-                </a:schemeClr>
-              </a:solidFill>
-            </a:endParaRPr>
-          </a:p>
-          <a:p>
-            <a:pPr algn="ctr"/>
-            <a:endParaRPr lang="en-US" dirty="0">
-              <a:solidFill>
-                <a:schemeClr val="accent2">
-                  <a:lumMod val="75000"/>
-                </a:schemeClr>
-              </a:solidFill>
-            </a:endParaRPr>
-          </a:p>
-          <a:p>
-            <a:pPr algn="ctr"/>
-            <a:endParaRPr lang="en-US" dirty="0">
-              <a:solidFill>
-                <a:schemeClr val="accent2">
-                  <a:lumMod val="75000"/>
-                </a:schemeClr>
-              </a:solidFill>
-            </a:endParaRPr>
-          </a:p>
-          <a:p>
-            <a:pPr algn="ctr"/>
-            <a:endParaRPr lang="en-US" dirty="0">
-              <a:solidFill>
-                <a:schemeClr val="accent2">
-                  <a:lumMod val="75000"/>
-                </a:schemeClr>
-              </a:solidFill>
-            </a:endParaRPr>
-          </a:p>
-          <a:p>
-            <a:pPr algn="ctr"/>
-            <a:endParaRPr lang="en-US" dirty="0">
-              <a:solidFill>
-                <a:schemeClr val="accent2">
-                  <a:lumMod val="75000"/>
-                </a:schemeClr>
-              </a:solidFill>
-            </a:endParaRPr>
-          </a:p>
-          <a:p>
-            <a:pPr algn="ctr"/>
-            <a:r>
-              <a:rPr lang="en-US" dirty="0">
-                <a:solidFill>
-                  <a:schemeClr val="accent2">
-                    <a:lumMod val="75000"/>
-                  </a:schemeClr>
-                </a:solidFill>
-              </a:rPr>
-              <a:t>Transaction</a:t>
-            </a:r>
-            <a:endParaRPr lang="en-US" dirty="0"/>
-          </a:p>
-          <a:p>
-            <a:pPr marL="342900" indent="-342900">
-              <a:buAutoNum type="arabicParenR"/>
-            </a:pPr>
-            <a:r>
-              <a:rPr lang="en-US" dirty="0"/>
-              <a:t>Aggregating using sum, count, and average for numeric feature</a:t>
-            </a:r>
-          </a:p>
-          <a:p>
-            <a:pPr marL="342900" indent="-342900">
-              <a:buAutoNum type="arabicParenR"/>
-            </a:pPr>
-            <a:r>
-              <a:rPr lang="en-US" dirty="0"/>
-              <a:t>Latest auto-renew and cancel status. </a:t>
-            </a:r>
-          </a:p>
-          <a:p>
-            <a:pPr marL="342900" indent="-342900">
-              <a:buAutoNum type="arabicParenR"/>
-            </a:pPr>
-            <a:r>
-              <a:rPr lang="en-US" dirty="0"/>
-              <a:t>Flag for auto-renew is true but canceled and not auto-renewed but not canceled</a:t>
-            </a:r>
-          </a:p>
-          <a:p>
-            <a:pPr marL="342900" indent="-342900">
-              <a:buAutoNum type="arabicParenR"/>
-            </a:pPr>
-            <a:r>
-              <a:rPr lang="en-US" dirty="0"/>
-              <a:t>Unique values in the</a:t>
-            </a:r>
-          </a:p>
-          <a:p>
-            <a:r>
-              <a:rPr lang="en-US" dirty="0"/>
-              <a:t>       categorical field </a:t>
-            </a:r>
-          </a:p>
-          <a:p>
-            <a:pPr marL="342900" indent="-342900">
-              <a:buAutoNum type="arabicParenR" startAt="5"/>
-            </a:pPr>
-            <a:r>
-              <a:rPr lang="en-US" dirty="0"/>
-              <a:t>Average and sum of</a:t>
-            </a:r>
-          </a:p>
-          <a:p>
-            <a:r>
-              <a:rPr lang="en-US" dirty="0"/>
-              <a:t>      discount provided for</a:t>
-            </a:r>
-          </a:p>
-          <a:p>
-            <a:r>
-              <a:rPr lang="en-US" dirty="0"/>
-              <a:t>      the user</a:t>
-            </a:r>
-          </a:p>
-          <a:p>
-            <a:pPr algn="ctr"/>
-            <a:endParaRPr lang="en-US" dirty="0"/>
-          </a:p>
-          <a:p>
-            <a:pPr algn="ctr"/>
-            <a:endParaRPr lang="en-US" dirty="0"/>
-          </a:p>
-          <a:p>
-            <a:pPr algn="ctr"/>
-            <a:endParaRPr lang="en-US" dirty="0"/>
-          </a:p>
-          <a:p>
-            <a:pPr algn="ctr"/>
-            <a:endParaRPr lang="en-US" dirty="0"/>
-          </a:p>
-          <a:p>
-            <a:pPr algn="ctr"/>
-            <a:endParaRPr lang="en-US" dirty="0"/>
-          </a:p>
-          <a:p>
-            <a:pPr algn="ctr"/>
-            <a:endParaRPr lang="en-US" dirty="0"/>
-          </a:p>
-          <a:p>
-            <a:pPr algn="ctr"/>
-            <a:endParaRPr lang="en-US" dirty="0"/>
-          </a:p>
-          <a:p>
-            <a:pPr algn="ctr"/>
-            <a:r>
-              <a:rPr lang="en-US" dirty="0"/>
-              <a:t> </a:t>
-            </a:r>
-          </a:p>
-        </p:txBody>
-      </p:sp>
-      <p:sp>
-        <p:nvSpPr>
-          <p:cNvPr id="7" name="Rectangle: Rounded Corners 6">
-            <a:extLst>
-              <a:ext uri="{FF2B5EF4-FFF2-40B4-BE49-F238E27FC236}">
-                <a16:creationId xmlns:a16="http://schemas.microsoft.com/office/drawing/2014/main" id="{CC535108-7099-D5C3-3AF5-887AB6DBB604}"/>
-              </a:ext>
-            </a:extLst>
-          </p:cNvPr>
-          <p:cNvSpPr/>
-          <p:nvPr/>
-        </p:nvSpPr>
-        <p:spPr>
-          <a:xfrm>
-            <a:off x="8194963" y="1184563"/>
+            <a:off x="2971801" y="1766454"/>
             <a:ext cx="3124199" cy="3325091"/>
           </a:xfrm>
           <a:prstGeom prst="roundRect">
@@ -17137,7 +17305,7 @@
                   </a:schemeClr>
                 </a:solidFill>
               </a:rPr>
-              <a:t>User log</a:t>
+              <a:t>Data cleaning</a:t>
             </a:r>
             <a:endParaRPr lang="en-US" dirty="0"/>
           </a:p>
@@ -17147,7 +17315,7 @@
             </a:pPr>
             <a:r>
               <a:rPr lang="en-US" dirty="0"/>
-              <a:t>Read data in chunks and  extract each user’s latest active 3-month log</a:t>
+              <a:t>Handle missing values (drop or impute values)</a:t>
             </a:r>
           </a:p>
           <a:p>
@@ -17156,7 +17324,16 @@
             </a:pPr>
             <a:r>
               <a:rPr lang="en-US" dirty="0"/>
-              <a:t>Apply aggregating on the log features based on the function – sum, min, max, count, and average</a:t>
+              <a:t>Binning age field into age group</a:t>
+            </a:r>
+          </a:p>
+          <a:p>
+            <a:pPr marL="342900" indent="-342900">
+              <a:buAutoNum type="arabicParenR"/>
+            </a:pPr>
+            <a:r>
+              <a:rPr lang="en-US" dirty="0"/>
+              <a:t>Reduce data size by converting the datatype into a minimum range </a:t>
             </a:r>
           </a:p>
           <a:p>
@@ -17195,6 +17372,10 @@
           </a:p>
           <a:p>
             <a:pPr algn="ctr"/>
+            <a:endParaRPr lang="en-US" dirty="0"/>
+          </a:p>
+          <a:p>
+            <a:pPr algn="ctr"/>
             <a:r>
               <a:rPr lang="en-US" dirty="0"/>
               <a:t> </a:t>
@@ -17204,10 +17385,10 @@
       </p:sp>
       <p:sp>
         <p:nvSpPr>
-          <p:cNvPr id="5" name="Rectangle: Rounded Corners 4">
+          <p:cNvPr id="7" name="Rectangle: Rounded Corners 6">
             <a:extLst>
               <a:ext uri="{FF2B5EF4-FFF2-40B4-BE49-F238E27FC236}">
-                <a16:creationId xmlns:a16="http://schemas.microsoft.com/office/drawing/2014/main" id="{482274F6-F73C-1AE3-6FD9-36482DBA653D}"/>
+                <a16:creationId xmlns:a16="http://schemas.microsoft.com/office/drawing/2014/main" id="{CC535108-7099-D5C3-3AF5-887AB6DBB604}"/>
               </a:ext>
             </a:extLst>
           </p:cNvPr>
@@ -17216,8 +17397,8 @@
         </p:nvSpPr>
         <p:spPr>
           <a:xfrm>
-            <a:off x="3685310" y="5211414"/>
-            <a:ext cx="7389090" cy="690562"/>
+            <a:off x="6938818" y="1766453"/>
+            <a:ext cx="3124199" cy="3325091"/>
           </a:xfrm>
           <a:prstGeom prst="roundRect">
             <a:avLst/>
@@ -17282,17 +17463,115 @@
           </a:p>
           <a:p>
             <a:pPr algn="ctr"/>
+            <a:endParaRPr lang="en-US" dirty="0">
+              <a:solidFill>
+                <a:schemeClr val="accent2">
+                  <a:lumMod val="75000"/>
+                </a:schemeClr>
+              </a:solidFill>
+            </a:endParaRPr>
+          </a:p>
+          <a:p>
+            <a:pPr algn="ctr"/>
+            <a:endParaRPr lang="en-US" dirty="0">
+              <a:solidFill>
+                <a:schemeClr val="accent2">
+                  <a:lumMod val="75000"/>
+                </a:schemeClr>
+              </a:solidFill>
+            </a:endParaRPr>
+          </a:p>
+          <a:p>
+            <a:pPr algn="ctr"/>
+            <a:endParaRPr lang="en-US" dirty="0">
+              <a:solidFill>
+                <a:schemeClr val="accent2">
+                  <a:lumMod val="75000"/>
+                </a:schemeClr>
+              </a:solidFill>
+            </a:endParaRPr>
+          </a:p>
+          <a:p>
+            <a:pPr algn="ctr"/>
+            <a:endParaRPr lang="en-US" dirty="0">
+              <a:solidFill>
+                <a:schemeClr val="accent2">
+                  <a:lumMod val="75000"/>
+                </a:schemeClr>
+              </a:solidFill>
+            </a:endParaRPr>
+          </a:p>
+          <a:p>
+            <a:pPr algn="ctr"/>
+            <a:endParaRPr lang="en-US" dirty="0">
+              <a:solidFill>
+                <a:schemeClr val="accent2">
+                  <a:lumMod val="75000"/>
+                </a:schemeClr>
+              </a:solidFill>
+            </a:endParaRPr>
+          </a:p>
+          <a:p>
+            <a:pPr algn="ctr"/>
+            <a:r>
+              <a:rPr lang="en-US" dirty="0">
+                <a:solidFill>
+                  <a:schemeClr val="accent2">
+                    <a:lumMod val="75000"/>
+                  </a:schemeClr>
+                </a:solidFill>
+              </a:rPr>
+              <a:t>Data wrangling</a:t>
+            </a:r>
+            <a:endParaRPr lang="en-US" dirty="0"/>
+          </a:p>
+          <a:p>
+            <a:pPr marL="342900" indent="-342900">
+              <a:buAutoNum type="arabicParenR"/>
+            </a:pPr>
             <a:r>
               <a:rPr lang="en-US" dirty="0"/>
-              <a:t>Merge new features with members and train features to create one final </a:t>
-            </a:r>
-          </a:p>
-          <a:p>
-            <a:pPr algn="ctr"/>
+              <a:t>Discovering class imbalance </a:t>
+            </a:r>
+          </a:p>
+          <a:p>
+            <a:pPr marL="800100" lvl="1" indent="-342900">
+              <a:buAutoNum type="alphaLcParenR"/>
+            </a:pPr>
             <a:r>
               <a:rPr lang="en-US" dirty="0"/>
-              <a:t>data frame</a:t>
-            </a:r>
+              <a:t>churn class - 9% </a:t>
+            </a:r>
+          </a:p>
+          <a:p>
+            <a:pPr marL="800100" lvl="1" indent="-342900">
+              <a:buAutoNum type="alphaLcParenR"/>
+            </a:pPr>
+            <a:r>
+              <a:rPr lang="en-US" dirty="0"/>
+              <a:t>Not a churn class – 81%</a:t>
+            </a:r>
+          </a:p>
+          <a:p>
+            <a:r>
+              <a:rPr lang="en-US" dirty="0"/>
+              <a:t>2) Feature engineering for   </a:t>
+            </a:r>
+          </a:p>
+          <a:p>
+            <a:r>
+              <a:rPr lang="en-US" dirty="0"/>
+              <a:t>     the transaction and log  </a:t>
+            </a:r>
+          </a:p>
+          <a:p>
+            <a:r>
+              <a:rPr lang="en-US" dirty="0"/>
+              <a:t>     table</a:t>
+            </a:r>
+          </a:p>
+          <a:p>
+            <a:endParaRPr lang="en-US" dirty="0"/>
           </a:p>
           <a:p>
             <a:pPr algn="ctr"/>
@@ -17308,109 +17587,33 @@
           </a:p>
           <a:p>
             <a:pPr algn="ctr"/>
+            <a:endParaRPr lang="en-US" dirty="0"/>
+          </a:p>
+          <a:p>
+            <a:pPr algn="ctr"/>
+            <a:endParaRPr lang="en-US" dirty="0"/>
+          </a:p>
+          <a:p>
+            <a:pPr algn="ctr"/>
+            <a:endParaRPr lang="en-US" dirty="0"/>
+          </a:p>
+          <a:p>
+            <a:pPr algn="ctr"/>
+            <a:endParaRPr lang="en-US" dirty="0"/>
+          </a:p>
+          <a:p>
+            <a:pPr algn="ctr"/>
             <a:r>
               <a:rPr lang="en-US" dirty="0"/>
               <a:t> </a:t>
             </a:r>
-          </a:p>
-        </p:txBody>
-      </p:sp>
-      <p:sp>
-        <p:nvSpPr>
-          <p:cNvPr id="8" name="Arrow: Down 7">
-            <a:extLst>
-              <a:ext uri="{FF2B5EF4-FFF2-40B4-BE49-F238E27FC236}">
-                <a16:creationId xmlns:a16="http://schemas.microsoft.com/office/drawing/2014/main" id="{B733B541-EC4B-16DC-1173-215E15054990}"/>
-              </a:ext>
-            </a:extLst>
-          </p:cNvPr>
-          <p:cNvSpPr/>
-          <p:nvPr/>
-        </p:nvSpPr>
-        <p:spPr>
-          <a:xfrm>
-            <a:off x="9725891" y="4509654"/>
-            <a:ext cx="591127" cy="699655"/>
-          </a:xfrm>
-          <a:prstGeom prst="downArrow">
-            <a:avLst/>
-          </a:prstGeom>
-        </p:spPr>
-        <p:style>
-          <a:lnRef idx="2">
-            <a:schemeClr val="accent3">
-              <a:shade val="50000"/>
-            </a:schemeClr>
-          </a:lnRef>
-          <a:fillRef idx="1">
-            <a:schemeClr val="accent3"/>
-          </a:fillRef>
-          <a:effectRef idx="0">
-            <a:schemeClr val="accent3"/>
-          </a:effectRef>
-          <a:fontRef idx="minor">
-            <a:schemeClr val="lt1"/>
-          </a:fontRef>
-        </p:style>
-        <p:txBody>
-          <a:bodyPr rtlCol="0" anchor="ctr"/>
-          <a:lstStyle/>
-          <a:p>
-            <a:pPr algn="ctr"/>
-            <a:endParaRPr lang="en-US"/>
-          </a:p>
-        </p:txBody>
-      </p:sp>
-      <p:sp>
-        <p:nvSpPr>
-          <p:cNvPr id="9" name="Arrow: Down 8">
-            <a:extLst>
-              <a:ext uri="{FF2B5EF4-FFF2-40B4-BE49-F238E27FC236}">
-                <a16:creationId xmlns:a16="http://schemas.microsoft.com/office/drawing/2014/main" id="{E0B217E6-0B57-C20D-B0C8-55E842E20952}"/>
-              </a:ext>
-            </a:extLst>
-          </p:cNvPr>
-          <p:cNvSpPr/>
-          <p:nvPr/>
-        </p:nvSpPr>
-        <p:spPr>
-          <a:xfrm>
-            <a:off x="4412674" y="4509653"/>
-            <a:ext cx="591127" cy="699655"/>
-          </a:xfrm>
-          <a:prstGeom prst="downArrow">
-            <a:avLst/>
-          </a:prstGeom>
-        </p:spPr>
-        <p:style>
-          <a:lnRef idx="2">
-            <a:schemeClr val="accent3">
-              <a:shade val="50000"/>
-            </a:schemeClr>
-          </a:lnRef>
-          <a:fillRef idx="1">
-            <a:schemeClr val="accent3"/>
-          </a:fillRef>
-          <a:effectRef idx="0">
-            <a:schemeClr val="accent3"/>
-          </a:effectRef>
-          <a:fontRef idx="minor">
-            <a:schemeClr val="lt1"/>
-          </a:fontRef>
-        </p:style>
-        <p:txBody>
-          <a:bodyPr rtlCol="0" anchor="ctr"/>
-          <a:lstStyle/>
-          <a:p>
-            <a:pPr algn="ctr"/>
-            <a:endParaRPr lang="en-US"/>
           </a:p>
         </p:txBody>
       </p:sp>
     </p:spTree>
     <p:extLst>
       <p:ext uri="{BB962C8B-B14F-4D97-AF65-F5344CB8AC3E}">
-        <p14:creationId xmlns:p14="http://schemas.microsoft.com/office/powerpoint/2010/main" val="2470121772"/>
+        <p14:creationId xmlns:p14="http://schemas.microsoft.com/office/powerpoint/2010/main" val="3968513781"/>
       </p:ext>
     </p:extLst>
   </p:cSld>
@@ -17469,7 +17672,7 @@
         </p:nvSpPr>
         <p:spPr>
           <a:xfrm>
-            <a:off x="3525983" y="248358"/>
+            <a:off x="4412674" y="137522"/>
             <a:ext cx="10515600" cy="1325563"/>
           </a:xfrm>
         </p:spPr>
@@ -17483,95 +17686,665 @@
                 <a:ea typeface="Calibri" panose="020F0502020204030204" pitchFamily="34" charset="0"/>
                 <a:cs typeface="Calibri" panose="020F0502020204030204" pitchFamily="34" charset="0"/>
               </a:rPr>
-              <a:t>Exploratory Data Analysis</a:t>
+              <a:t>Feature Engineering</a:t>
             </a:r>
           </a:p>
         </p:txBody>
       </p:sp>
       <p:sp>
         <p:nvSpPr>
-          <p:cNvPr id="3" name="TextBox 2">
+          <p:cNvPr id="6" name="Rectangle: Rounded Corners 5">
             <a:extLst>
               <a:ext uri="{FF2B5EF4-FFF2-40B4-BE49-F238E27FC236}">
-                <a16:creationId xmlns:a16="http://schemas.microsoft.com/office/drawing/2014/main" id="{99CD2509-352E-7611-99CC-B0C41F075691}"/>
+                <a16:creationId xmlns:a16="http://schemas.microsoft.com/office/drawing/2014/main" id="{D0121BFA-42F2-7FDA-CBF5-5A433BF182CD}"/>
               </a:ext>
             </a:extLst>
           </p:cNvPr>
-          <p:cNvSpPr txBox="1"/>
+          <p:cNvSpPr/>
           <p:nvPr/>
         </p:nvSpPr>
         <p:spPr>
           <a:xfrm>
-            <a:off x="3066473" y="1389255"/>
-            <a:ext cx="6280727" cy="369332"/>
+            <a:off x="3368965" y="1184563"/>
+            <a:ext cx="4638962" cy="3325091"/>
           </a:xfrm>
-          <a:prstGeom prst="rect">
+          <a:prstGeom prst="roundRect">
             <a:avLst/>
           </a:prstGeom>
-          <a:noFill/>
         </p:spPr>
+        <p:style>
+          <a:lnRef idx="2">
+            <a:schemeClr val="dk1"/>
+          </a:lnRef>
+          <a:fillRef idx="1">
+            <a:schemeClr val="lt1"/>
+          </a:fillRef>
+          <a:effectRef idx="0">
+            <a:schemeClr val="dk1"/>
+          </a:effectRef>
+          <a:fontRef idx="minor">
+            <a:schemeClr val="dk1"/>
+          </a:fontRef>
+        </p:style>
         <p:txBody>
-          <a:bodyPr wrap="square" rtlCol="0">
-            <a:spAutoFit/>
-          </a:bodyPr>
+          <a:bodyPr rtlCol="0" anchor="ctr"/>
           <a:lstStyle/>
           <a:p>
-            <a:r>
-              <a:rPr lang="en-US" b="1" dirty="0"/>
-              <a:t>Visualization – Find a Pattern in the data - Categorical</a:t>
+            <a:pPr algn="ctr"/>
+            <a:endParaRPr lang="en-US" dirty="0">
+              <a:solidFill>
+                <a:schemeClr val="accent2">
+                  <a:lumMod val="75000"/>
+                </a:schemeClr>
+              </a:solidFill>
+            </a:endParaRPr>
+          </a:p>
+          <a:p>
+            <a:pPr algn="ctr"/>
+            <a:endParaRPr lang="en-US" dirty="0">
+              <a:solidFill>
+                <a:schemeClr val="accent2">
+                  <a:lumMod val="75000"/>
+                </a:schemeClr>
+              </a:solidFill>
+            </a:endParaRPr>
+          </a:p>
+          <a:p>
+            <a:pPr algn="ctr"/>
+            <a:endParaRPr lang="en-US" dirty="0">
+              <a:solidFill>
+                <a:schemeClr val="accent2">
+                  <a:lumMod val="75000"/>
+                </a:schemeClr>
+              </a:solidFill>
+            </a:endParaRPr>
+          </a:p>
+          <a:p>
+            <a:pPr algn="ctr"/>
+            <a:endParaRPr lang="en-US" dirty="0">
+              <a:solidFill>
+                <a:schemeClr val="accent2">
+                  <a:lumMod val="75000"/>
+                </a:schemeClr>
+              </a:solidFill>
+            </a:endParaRPr>
+          </a:p>
+          <a:p>
+            <a:pPr algn="ctr"/>
+            <a:endParaRPr lang="en-US" dirty="0">
+              <a:solidFill>
+                <a:schemeClr val="accent2">
+                  <a:lumMod val="75000"/>
+                </a:schemeClr>
+              </a:solidFill>
+            </a:endParaRPr>
+          </a:p>
+          <a:p>
+            <a:pPr algn="ctr"/>
+            <a:endParaRPr lang="en-US" dirty="0">
+              <a:solidFill>
+                <a:schemeClr val="accent2">
+                  <a:lumMod val="75000"/>
+                </a:schemeClr>
+              </a:solidFill>
+            </a:endParaRPr>
+          </a:p>
+          <a:p>
+            <a:pPr algn="ctr"/>
+            <a:endParaRPr lang="en-US" dirty="0">
+              <a:solidFill>
+                <a:schemeClr val="accent2">
+                  <a:lumMod val="75000"/>
+                </a:schemeClr>
+              </a:solidFill>
+            </a:endParaRPr>
+          </a:p>
+          <a:p>
+            <a:pPr algn="ctr"/>
+            <a:endParaRPr lang="en-US" dirty="0">
+              <a:solidFill>
+                <a:schemeClr val="accent2">
+                  <a:lumMod val="75000"/>
+                </a:schemeClr>
+              </a:solidFill>
+            </a:endParaRPr>
+          </a:p>
+          <a:p>
+            <a:pPr algn="ctr"/>
+            <a:endParaRPr lang="en-US" dirty="0">
+              <a:solidFill>
+                <a:schemeClr val="accent2">
+                  <a:lumMod val="75000"/>
+                </a:schemeClr>
+              </a:solidFill>
+            </a:endParaRPr>
+          </a:p>
+          <a:p>
+            <a:pPr algn="ctr"/>
+            <a:r>
+              <a:rPr lang="en-US" dirty="0">
+                <a:solidFill>
+                  <a:schemeClr val="accent2">
+                    <a:lumMod val="75000"/>
+                  </a:schemeClr>
+                </a:solidFill>
+              </a:rPr>
+              <a:t>Transaction</a:t>
+            </a:r>
+            <a:endParaRPr lang="en-US" dirty="0"/>
+          </a:p>
+          <a:p>
+            <a:pPr marL="342900" indent="-342900">
+              <a:buAutoNum type="arabicParenR"/>
+            </a:pPr>
+            <a:r>
+              <a:rPr lang="en-US" dirty="0"/>
+              <a:t>Aggregating using sum, count, and average for numeric feature</a:t>
+            </a:r>
+          </a:p>
+          <a:p>
+            <a:pPr marL="342900" indent="-342900">
+              <a:buAutoNum type="arabicParenR"/>
+            </a:pPr>
+            <a:r>
+              <a:rPr lang="en-US" dirty="0"/>
+              <a:t>Last auto-renew and cancel status. </a:t>
+            </a:r>
+          </a:p>
+          <a:p>
+            <a:pPr marL="342900" indent="-342900">
+              <a:buAutoNum type="arabicParenR"/>
+            </a:pPr>
+            <a:r>
+              <a:rPr lang="en-US" dirty="0"/>
+              <a:t>Flag for auto-renew is true but canceled and not auto-renewed but not canceled</a:t>
+            </a:r>
+          </a:p>
+          <a:p>
+            <a:pPr marL="342900" indent="-342900">
+              <a:buAutoNum type="arabicParenR"/>
+            </a:pPr>
+            <a:r>
+              <a:rPr lang="en-US" dirty="0"/>
+              <a:t>Unique values in the</a:t>
+            </a:r>
+          </a:p>
+          <a:p>
+            <a:r>
+              <a:rPr lang="en-US" dirty="0"/>
+              <a:t>       categorical field </a:t>
+            </a:r>
+          </a:p>
+          <a:p>
+            <a:pPr marL="342900" indent="-342900">
+              <a:buAutoNum type="arabicParenR" startAt="5"/>
+            </a:pPr>
+            <a:r>
+              <a:rPr lang="en-US" dirty="0"/>
+              <a:t>Average and sum of</a:t>
+            </a:r>
+          </a:p>
+          <a:p>
+            <a:r>
+              <a:rPr lang="en-US" dirty="0"/>
+              <a:t>      discount provided for</a:t>
+            </a:r>
+          </a:p>
+          <a:p>
+            <a:r>
+              <a:rPr lang="en-US" dirty="0"/>
+              <a:t>      the user</a:t>
+            </a:r>
+          </a:p>
+          <a:p>
+            <a:pPr algn="ctr"/>
+            <a:endParaRPr lang="en-US" dirty="0"/>
+          </a:p>
+          <a:p>
+            <a:pPr algn="ctr"/>
+            <a:endParaRPr lang="en-US" dirty="0"/>
+          </a:p>
+          <a:p>
+            <a:pPr algn="ctr"/>
+            <a:endParaRPr lang="en-US" dirty="0"/>
+          </a:p>
+          <a:p>
+            <a:pPr algn="ctr"/>
+            <a:endParaRPr lang="en-US" dirty="0"/>
+          </a:p>
+          <a:p>
+            <a:pPr algn="ctr"/>
+            <a:endParaRPr lang="en-US" dirty="0"/>
+          </a:p>
+          <a:p>
+            <a:pPr algn="ctr"/>
+            <a:endParaRPr lang="en-US" dirty="0"/>
+          </a:p>
+          <a:p>
+            <a:pPr algn="ctr"/>
+            <a:endParaRPr lang="en-US" dirty="0"/>
+          </a:p>
+          <a:p>
+            <a:pPr algn="ctr"/>
+            <a:r>
+              <a:rPr lang="en-US" dirty="0"/>
+              <a:t> </a:t>
             </a:r>
           </a:p>
         </p:txBody>
       </p:sp>
-      <p:pic>
-        <p:nvPicPr>
-          <p:cNvPr id="2050" name="Picture 2">
+      <p:sp>
+        <p:nvSpPr>
+          <p:cNvPr id="7" name="Rectangle: Rounded Corners 6">
             <a:extLst>
               <a:ext uri="{FF2B5EF4-FFF2-40B4-BE49-F238E27FC236}">
-                <a16:creationId xmlns:a16="http://schemas.microsoft.com/office/drawing/2014/main" id="{52357BE8-0AEB-4896-AE63-AFF8FD873BBC}"/>
+                <a16:creationId xmlns:a16="http://schemas.microsoft.com/office/drawing/2014/main" id="{CC535108-7099-D5C3-3AF5-887AB6DBB604}"/>
               </a:ext>
             </a:extLst>
           </p:cNvPr>
-          <p:cNvPicPr>
-            <a:picLocks noChangeAspect="1" noChangeArrowheads="1"/>
-          </p:cNvPicPr>
+          <p:cNvSpPr/>
           <p:nvPr/>
-        </p:nvPicPr>
-        <p:blipFill rotWithShape="1">
-          <a:blip r:embed="rId3">
-            <a:extLst>
-              <a:ext uri="{28A0092B-C50C-407E-A947-70E740481C1C}">
-                <a14:useLocalDpi xmlns:a14="http://schemas.microsoft.com/office/drawing/2010/main" val="0"/>
-              </a:ext>
-            </a:extLst>
-          </a:blip>
-          <a:srcRect b="49605"/>
-          <a:stretch/>
-        </p:blipFill>
-        <p:spPr bwMode="auto">
+        </p:nvSpPr>
+        <p:spPr>
           <a:xfrm>
-            <a:off x="3066473" y="1908064"/>
-            <a:ext cx="8405812" cy="3426289"/>
+            <a:off x="8194963" y="1184563"/>
+            <a:ext cx="3124199" cy="3325091"/>
           </a:xfrm>
-          <a:prstGeom prst="rect">
+          <a:prstGeom prst="roundRect">
             <a:avLst/>
           </a:prstGeom>
-          <a:noFill/>
-          <a:extLst>
-            <a:ext uri="{909E8E84-426E-40DD-AFC4-6F175D3DCCD1}">
-              <a14:hiddenFill xmlns:a14="http://schemas.microsoft.com/office/drawing/2010/main">
+        </p:spPr>
+        <p:style>
+          <a:lnRef idx="2">
+            <a:schemeClr val="dk1"/>
+          </a:lnRef>
+          <a:fillRef idx="1">
+            <a:schemeClr val="lt1"/>
+          </a:fillRef>
+          <a:effectRef idx="0">
+            <a:schemeClr val="dk1"/>
+          </a:effectRef>
+          <a:fontRef idx="minor">
+            <a:schemeClr val="dk1"/>
+          </a:fontRef>
+        </p:style>
+        <p:txBody>
+          <a:bodyPr rtlCol="0" anchor="ctr"/>
+          <a:lstStyle/>
+          <a:p>
+            <a:pPr algn="ctr"/>
+            <a:endParaRPr lang="en-US" dirty="0">
+              <a:solidFill>
+                <a:schemeClr val="accent2">
+                  <a:lumMod val="75000"/>
+                </a:schemeClr>
+              </a:solidFill>
+            </a:endParaRPr>
+          </a:p>
+          <a:p>
+            <a:pPr algn="ctr"/>
+            <a:endParaRPr lang="en-US" dirty="0">
+              <a:solidFill>
+                <a:schemeClr val="accent2">
+                  <a:lumMod val="75000"/>
+                </a:schemeClr>
+              </a:solidFill>
+            </a:endParaRPr>
+          </a:p>
+          <a:p>
+            <a:pPr algn="ctr"/>
+            <a:endParaRPr lang="en-US" dirty="0">
+              <a:solidFill>
+                <a:schemeClr val="accent2">
+                  <a:lumMod val="75000"/>
+                </a:schemeClr>
+              </a:solidFill>
+            </a:endParaRPr>
+          </a:p>
+          <a:p>
+            <a:pPr algn="ctr"/>
+            <a:endParaRPr lang="en-US" dirty="0">
+              <a:solidFill>
+                <a:schemeClr val="accent2">
+                  <a:lumMod val="75000"/>
+                </a:schemeClr>
+              </a:solidFill>
+            </a:endParaRPr>
+          </a:p>
+          <a:p>
+            <a:pPr algn="ctr"/>
+            <a:endParaRPr lang="en-US" dirty="0">
+              <a:solidFill>
+                <a:schemeClr val="accent2">
+                  <a:lumMod val="75000"/>
+                </a:schemeClr>
+              </a:solidFill>
+            </a:endParaRPr>
+          </a:p>
+          <a:p>
+            <a:pPr algn="ctr"/>
+            <a:endParaRPr lang="en-US" dirty="0">
+              <a:solidFill>
+                <a:schemeClr val="accent2">
+                  <a:lumMod val="75000"/>
+                </a:schemeClr>
+              </a:solidFill>
+            </a:endParaRPr>
+          </a:p>
+          <a:p>
+            <a:pPr algn="ctr"/>
+            <a:endParaRPr lang="en-US" dirty="0">
+              <a:solidFill>
+                <a:schemeClr val="accent2">
+                  <a:lumMod val="75000"/>
+                </a:schemeClr>
+              </a:solidFill>
+            </a:endParaRPr>
+          </a:p>
+          <a:p>
+            <a:pPr algn="ctr"/>
+            <a:endParaRPr lang="en-US" dirty="0">
+              <a:solidFill>
+                <a:schemeClr val="accent2">
+                  <a:lumMod val="75000"/>
+                </a:schemeClr>
+              </a:solidFill>
+            </a:endParaRPr>
+          </a:p>
+          <a:p>
+            <a:pPr algn="ctr"/>
+            <a:endParaRPr lang="en-US" dirty="0">
+              <a:solidFill>
+                <a:schemeClr val="accent2">
+                  <a:lumMod val="75000"/>
+                </a:schemeClr>
+              </a:solidFill>
+            </a:endParaRPr>
+          </a:p>
+          <a:p>
+            <a:pPr algn="ctr"/>
+            <a:r>
+              <a:rPr lang="en-US" dirty="0">
                 <a:solidFill>
-                  <a:srgbClr val="FFFFFF"/>
+                  <a:schemeClr val="accent2">
+                    <a:lumMod val="75000"/>
+                  </a:schemeClr>
                 </a:solidFill>
-              </a14:hiddenFill>
-            </a:ext>
-          </a:extLst>
+              </a:rPr>
+              <a:t>User log</a:t>
+            </a:r>
+            <a:endParaRPr lang="en-US" dirty="0"/>
+          </a:p>
+          <a:p>
+            <a:pPr marL="342900" indent="-342900">
+              <a:buAutoNum type="arabicParenR"/>
+            </a:pPr>
+            <a:r>
+              <a:rPr lang="en-US" dirty="0"/>
+              <a:t>Read data in chunks and  extract each user’s latest active 3-month log</a:t>
+            </a:r>
+          </a:p>
+          <a:p>
+            <a:pPr marL="342900" indent="-342900">
+              <a:buAutoNum type="arabicParenR"/>
+            </a:pPr>
+            <a:r>
+              <a:rPr lang="en-US" dirty="0"/>
+              <a:t>Apply aggregation on the log features based on the function – sum, min, max, count, and average</a:t>
+            </a:r>
+          </a:p>
+          <a:p>
+            <a:pPr marL="342900" indent="-342900">
+              <a:buAutoNum type="arabicParenR"/>
+            </a:pPr>
+            <a:endParaRPr lang="en-US" dirty="0"/>
+          </a:p>
+          <a:p>
+            <a:pPr algn="ctr"/>
+            <a:endParaRPr lang="en-US" dirty="0"/>
+          </a:p>
+          <a:p>
+            <a:pPr algn="ctr"/>
+            <a:endParaRPr lang="en-US" dirty="0"/>
+          </a:p>
+          <a:p>
+            <a:pPr algn="ctr"/>
+            <a:endParaRPr lang="en-US" dirty="0"/>
+          </a:p>
+          <a:p>
+            <a:pPr algn="ctr"/>
+            <a:endParaRPr lang="en-US" dirty="0"/>
+          </a:p>
+          <a:p>
+            <a:pPr algn="ctr"/>
+            <a:endParaRPr lang="en-US" dirty="0"/>
+          </a:p>
+          <a:p>
+            <a:pPr algn="ctr"/>
+            <a:endParaRPr lang="en-US" dirty="0"/>
+          </a:p>
+          <a:p>
+            <a:pPr algn="ctr"/>
+            <a:endParaRPr lang="en-US" dirty="0"/>
+          </a:p>
+          <a:p>
+            <a:pPr algn="ctr"/>
+            <a:r>
+              <a:rPr lang="en-US" dirty="0"/>
+              <a:t> </a:t>
+            </a:r>
+          </a:p>
+        </p:txBody>
+      </p:sp>
+      <p:sp>
+        <p:nvSpPr>
+          <p:cNvPr id="5" name="Rectangle: Rounded Corners 4">
+            <a:extLst>
+              <a:ext uri="{FF2B5EF4-FFF2-40B4-BE49-F238E27FC236}">
+                <a16:creationId xmlns:a16="http://schemas.microsoft.com/office/drawing/2014/main" id="{482274F6-F73C-1AE3-6FD9-36482DBA653D}"/>
+              </a:ext>
+            </a:extLst>
+          </p:cNvPr>
+          <p:cNvSpPr/>
+          <p:nvPr/>
+        </p:nvSpPr>
+        <p:spPr>
+          <a:xfrm>
+            <a:off x="3685310" y="5211414"/>
+            <a:ext cx="7389090" cy="690562"/>
+          </a:xfrm>
+          <a:prstGeom prst="roundRect">
+            <a:avLst/>
+          </a:prstGeom>
         </p:spPr>
-      </p:pic>
+        <p:style>
+          <a:lnRef idx="2">
+            <a:schemeClr val="dk1"/>
+          </a:lnRef>
+          <a:fillRef idx="1">
+            <a:schemeClr val="lt1"/>
+          </a:fillRef>
+          <a:effectRef idx="0">
+            <a:schemeClr val="dk1"/>
+          </a:effectRef>
+          <a:fontRef idx="minor">
+            <a:schemeClr val="dk1"/>
+          </a:fontRef>
+        </p:style>
+        <p:txBody>
+          <a:bodyPr rtlCol="0" anchor="ctr"/>
+          <a:lstStyle/>
+          <a:p>
+            <a:pPr algn="ctr"/>
+            <a:endParaRPr lang="en-US" dirty="0">
+              <a:solidFill>
+                <a:schemeClr val="accent2">
+                  <a:lumMod val="75000"/>
+                </a:schemeClr>
+              </a:solidFill>
+            </a:endParaRPr>
+          </a:p>
+          <a:p>
+            <a:pPr algn="ctr"/>
+            <a:endParaRPr lang="en-US" dirty="0">
+              <a:solidFill>
+                <a:schemeClr val="accent2">
+                  <a:lumMod val="75000"/>
+                </a:schemeClr>
+              </a:solidFill>
+            </a:endParaRPr>
+          </a:p>
+          <a:p>
+            <a:pPr algn="ctr"/>
+            <a:endParaRPr lang="en-US" dirty="0">
+              <a:solidFill>
+                <a:schemeClr val="accent2">
+                  <a:lumMod val="75000"/>
+                </a:schemeClr>
+              </a:solidFill>
+            </a:endParaRPr>
+          </a:p>
+          <a:p>
+            <a:pPr algn="ctr"/>
+            <a:endParaRPr lang="en-US" dirty="0">
+              <a:solidFill>
+                <a:schemeClr val="accent2">
+                  <a:lumMod val="75000"/>
+                </a:schemeClr>
+              </a:solidFill>
+            </a:endParaRPr>
+          </a:p>
+          <a:p>
+            <a:pPr algn="ctr"/>
+            <a:r>
+              <a:rPr lang="en-US" dirty="0"/>
+              <a:t>Merge new features with members and train features to create one final </a:t>
+            </a:r>
+          </a:p>
+          <a:p>
+            <a:pPr algn="ctr"/>
+            <a:r>
+              <a:rPr lang="en-US" dirty="0"/>
+              <a:t>data frame</a:t>
+            </a:r>
+          </a:p>
+          <a:p>
+            <a:pPr algn="ctr"/>
+            <a:endParaRPr lang="en-US" dirty="0"/>
+          </a:p>
+          <a:p>
+            <a:pPr algn="ctr"/>
+            <a:endParaRPr lang="en-US" dirty="0"/>
+          </a:p>
+          <a:p>
+            <a:pPr algn="ctr"/>
+            <a:endParaRPr lang="en-US" dirty="0"/>
+          </a:p>
+          <a:p>
+            <a:pPr algn="ctr"/>
+            <a:r>
+              <a:rPr lang="en-US" dirty="0"/>
+              <a:t> </a:t>
+            </a:r>
+          </a:p>
+        </p:txBody>
+      </p:sp>
+      <p:sp>
+        <p:nvSpPr>
+          <p:cNvPr id="8" name="Arrow: Down 7">
+            <a:extLst>
+              <a:ext uri="{FF2B5EF4-FFF2-40B4-BE49-F238E27FC236}">
+                <a16:creationId xmlns:a16="http://schemas.microsoft.com/office/drawing/2014/main" id="{B733B541-EC4B-16DC-1173-215E15054990}"/>
+              </a:ext>
+            </a:extLst>
+          </p:cNvPr>
+          <p:cNvSpPr/>
+          <p:nvPr/>
+        </p:nvSpPr>
+        <p:spPr>
+          <a:xfrm>
+            <a:off x="9725891" y="4509654"/>
+            <a:ext cx="591127" cy="699655"/>
+          </a:xfrm>
+          <a:prstGeom prst="downArrow">
+            <a:avLst/>
+          </a:prstGeom>
+        </p:spPr>
+        <p:style>
+          <a:lnRef idx="2">
+            <a:schemeClr val="accent3">
+              <a:shade val="50000"/>
+            </a:schemeClr>
+          </a:lnRef>
+          <a:fillRef idx="1">
+            <a:schemeClr val="accent3"/>
+          </a:fillRef>
+          <a:effectRef idx="0">
+            <a:schemeClr val="accent3"/>
+          </a:effectRef>
+          <a:fontRef idx="minor">
+            <a:schemeClr val="lt1"/>
+          </a:fontRef>
+        </p:style>
+        <p:txBody>
+          <a:bodyPr rtlCol="0" anchor="ctr"/>
+          <a:lstStyle/>
+          <a:p>
+            <a:pPr algn="ctr"/>
+            <a:endParaRPr lang="en-US"/>
+          </a:p>
+        </p:txBody>
+      </p:sp>
+      <p:sp>
+        <p:nvSpPr>
+          <p:cNvPr id="9" name="Arrow: Down 8">
+            <a:extLst>
+              <a:ext uri="{FF2B5EF4-FFF2-40B4-BE49-F238E27FC236}">
+                <a16:creationId xmlns:a16="http://schemas.microsoft.com/office/drawing/2014/main" id="{E0B217E6-0B57-C20D-B0C8-55E842E20952}"/>
+              </a:ext>
+            </a:extLst>
+          </p:cNvPr>
+          <p:cNvSpPr/>
+          <p:nvPr/>
+        </p:nvSpPr>
+        <p:spPr>
+          <a:xfrm>
+            <a:off x="4412674" y="4509653"/>
+            <a:ext cx="591127" cy="699655"/>
+          </a:xfrm>
+          <a:prstGeom prst="downArrow">
+            <a:avLst/>
+          </a:prstGeom>
+        </p:spPr>
+        <p:style>
+          <a:lnRef idx="2">
+            <a:schemeClr val="accent3">
+              <a:shade val="50000"/>
+            </a:schemeClr>
+          </a:lnRef>
+          <a:fillRef idx="1">
+            <a:schemeClr val="accent3"/>
+          </a:fillRef>
+          <a:effectRef idx="0">
+            <a:schemeClr val="accent3"/>
+          </a:effectRef>
+          <a:fontRef idx="minor">
+            <a:schemeClr val="lt1"/>
+          </a:fontRef>
+        </p:style>
+        <p:txBody>
+          <a:bodyPr rtlCol="0" anchor="ctr"/>
+          <a:lstStyle/>
+          <a:p>
+            <a:pPr algn="ctr"/>
+            <a:endParaRPr lang="en-US"/>
+          </a:p>
+        </p:txBody>
+      </p:sp>
     </p:spTree>
     <p:extLst>
       <p:ext uri="{BB962C8B-B14F-4D97-AF65-F5344CB8AC3E}">
-        <p14:creationId xmlns:p14="http://schemas.microsoft.com/office/powerpoint/2010/main" val="803114527"/>
+        <p14:creationId xmlns:p14="http://schemas.microsoft.com/office/powerpoint/2010/main" val="2470121772"/>
       </p:ext>
     </p:extLst>
   </p:cSld>
@@ -17663,7 +18436,7 @@
         </p:nvSpPr>
         <p:spPr>
           <a:xfrm>
-            <a:off x="3066473" y="1838036"/>
+            <a:off x="3066473" y="1389255"/>
             <a:ext cx="6280727" cy="369332"/>
           </a:xfrm>
           <a:prstGeom prst="rect">
@@ -17706,13 +18479,13 @@
               </a:ext>
             </a:extLst>
           </a:blip>
-          <a:srcRect t="50002"/>
+          <a:srcRect b="49605"/>
           <a:stretch/>
         </p:blipFill>
         <p:spPr bwMode="auto">
           <a:xfrm>
-            <a:off x="3278909" y="2471483"/>
-            <a:ext cx="8156288" cy="3298461"/>
+            <a:off x="3066473" y="1908064"/>
+            <a:ext cx="8735520" cy="3560681"/>
           </a:xfrm>
           <a:prstGeom prst="rect">
             <a:avLst/>
@@ -17732,7 +18505,7 @@
     </p:spTree>
     <p:extLst>
       <p:ext uri="{BB962C8B-B14F-4D97-AF65-F5344CB8AC3E}">
-        <p14:creationId xmlns:p14="http://schemas.microsoft.com/office/powerpoint/2010/main" val="3660404889"/>
+        <p14:creationId xmlns:p14="http://schemas.microsoft.com/office/powerpoint/2010/main" val="803114527"/>
       </p:ext>
     </p:extLst>
   </p:cSld>
@@ -17840,17 +18613,17 @@
           <a:p>
             <a:r>
               <a:rPr lang="en-US" b="1" dirty="0"/>
-              <a:t>Visualization – Outlier detection- Numerical feature</a:t>
+              <a:t>Visualization – Find a Pattern in the data - Categorical</a:t>
             </a:r>
           </a:p>
         </p:txBody>
       </p:sp>
       <p:pic>
         <p:nvPicPr>
-          <p:cNvPr id="3074" name="Picture 2">
+          <p:cNvPr id="2050" name="Picture 2">
             <a:extLst>
               <a:ext uri="{FF2B5EF4-FFF2-40B4-BE49-F238E27FC236}">
-                <a16:creationId xmlns:a16="http://schemas.microsoft.com/office/drawing/2014/main" id="{4F07C10B-47B2-7E8A-7357-5C40873C8C5F}"/>
+                <a16:creationId xmlns:a16="http://schemas.microsoft.com/office/drawing/2014/main" id="{52357BE8-0AEB-4896-AE63-AFF8FD873BBC}"/>
               </a:ext>
             </a:extLst>
           </p:cNvPr>
@@ -17867,13 +18640,13 @@
               </a:ext>
             </a:extLst>
           </a:blip>
-          <a:srcRect b="50000"/>
+          <a:srcRect t="50002"/>
           <a:stretch/>
         </p:blipFill>
         <p:spPr bwMode="auto">
           <a:xfrm>
-            <a:off x="3362037" y="2558472"/>
-            <a:ext cx="7083425" cy="3429000"/>
+            <a:off x="3278909" y="2471483"/>
+            <a:ext cx="8156288" cy="3298461"/>
           </a:xfrm>
           <a:prstGeom prst="rect">
             <a:avLst/>
@@ -17893,7 +18666,7 @@
     </p:spTree>
     <p:extLst>
       <p:ext uri="{BB962C8B-B14F-4D97-AF65-F5344CB8AC3E}">
-        <p14:creationId xmlns:p14="http://schemas.microsoft.com/office/powerpoint/2010/main" val="2888179304"/>
+        <p14:creationId xmlns:p14="http://schemas.microsoft.com/office/powerpoint/2010/main" val="3660404889"/>
       </p:ext>
     </p:extLst>
   </p:cSld>

--- a/Capstone 2/WSDM - KKBox's Churn Prediction Challenge/docs/Capstone2_Final_Presentation–.pptx
+++ b/Capstone 2/WSDM - KKBox's Churn Prediction Challenge/docs/Capstone2_Final_Presentation–.pptx
@@ -30,9 +30,8 @@
     <p:sldId id="280" r:id="rId24"/>
     <p:sldId id="282" r:id="rId25"/>
     <p:sldId id="283" r:id="rId26"/>
-    <p:sldId id="284" r:id="rId27"/>
-    <p:sldId id="285" r:id="rId28"/>
-    <p:sldId id="286" r:id="rId29"/>
+    <p:sldId id="285" r:id="rId27"/>
+    <p:sldId id="286" r:id="rId28"/>
   </p:sldIdLst>
   <p:sldSz cx="12192000" cy="6858000"/>
   <p:notesSz cx="6858000" cy="9144000"/>
@@ -11275,13 +11274,7 @@
           <p:cNvGraphicFramePr>
             <a:graphicFrameLocks noGrp="1"/>
           </p:cNvGraphicFramePr>
-          <p:nvPr>
-            <p:extLst>
-              <p:ext uri="{D42A27DB-BD31-4B8C-83A1-F6EECF244321}">
-                <p14:modId xmlns:p14="http://schemas.microsoft.com/office/powerpoint/2010/main" val="3570383501"/>
-              </p:ext>
-            </p:extLst>
-          </p:nvPr>
+          <p:nvPr/>
         </p:nvGraphicFramePr>
         <p:xfrm>
           <a:off x="3651249" y="2743200"/>
@@ -12913,1731 +12906,6 @@
           </a:p>
         </p:txBody>
       </p:sp>
-    </p:spTree>
-    <p:extLst>
-      <p:ext uri="{BB962C8B-B14F-4D97-AF65-F5344CB8AC3E}">
-        <p14:creationId xmlns:p14="http://schemas.microsoft.com/office/powerpoint/2010/main" val="1832590153"/>
-      </p:ext>
-    </p:extLst>
-  </p:cSld>
-  <p:clrMapOvr>
-    <a:masterClrMapping/>
-  </p:clrMapOvr>
-</p:sld>
-</file>
-
-<file path=ppt/slides/slide27.xml><?xml version="1.0" encoding="utf-8"?>
-<p:sld xmlns:a="http://schemas.openxmlformats.org/drawingml/2006/main" xmlns:r="http://schemas.openxmlformats.org/officeDocument/2006/relationships" xmlns:p="http://schemas.openxmlformats.org/presentationml/2006/main">
-  <p:cSld>
-    <p:bg>
-      <p:bgPr>
-        <a:blipFill dpi="0" rotWithShape="1">
-          <a:blip r:embed="rId2">
-            <a:lum/>
-          </a:blip>
-          <a:srcRect/>
-          <a:stretch>
-            <a:fillRect t="-17000" b="-17000"/>
-          </a:stretch>
-        </a:blipFill>
-        <a:effectLst/>
-      </p:bgPr>
-    </p:bg>
-    <p:spTree>
-      <p:nvGrpSpPr>
-        <p:cNvPr id="1" name=""/>
-        <p:cNvGrpSpPr/>
-        <p:nvPr/>
-      </p:nvGrpSpPr>
-      <p:grpSpPr>
-        <a:xfrm>
-          <a:off x="0" y="0"/>
-          <a:ext cx="0" cy="0"/>
-          <a:chOff x="0" y="0"/>
-          <a:chExt cx="0" cy="0"/>
-        </a:xfrm>
-      </p:grpSpPr>
-      <p:sp>
-        <p:nvSpPr>
-          <p:cNvPr id="2" name="Title 1">
-            <a:extLst>
-              <a:ext uri="{FF2B5EF4-FFF2-40B4-BE49-F238E27FC236}">
-                <a16:creationId xmlns:a16="http://schemas.microsoft.com/office/drawing/2014/main" id="{E9FE2B48-CD0E-2F9E-48F0-B5FAA9B51B42}"/>
-              </a:ext>
-            </a:extLst>
-          </p:cNvPr>
-          <p:cNvSpPr>
-            <a:spLocks noGrp="1"/>
-          </p:cNvSpPr>
-          <p:nvPr>
-            <p:ph type="title"/>
-          </p:nvPr>
-        </p:nvSpPr>
-        <p:spPr>
-          <a:xfrm>
-            <a:off x="1810327" y="146246"/>
-            <a:ext cx="9882909" cy="1325563"/>
-          </a:xfrm>
-        </p:spPr>
-        <p:txBody>
-          <a:bodyPr/>
-          <a:lstStyle/>
-          <a:p>
-            <a:r>
-              <a:rPr lang="en-US" dirty="0">
-                <a:latin typeface="Calibri" panose="020F0502020204030204" pitchFamily="34" charset="0"/>
-                <a:ea typeface="Calibri" panose="020F0502020204030204" pitchFamily="34" charset="0"/>
-                <a:cs typeface="Calibri" panose="020F0502020204030204" pitchFamily="34" charset="0"/>
-              </a:rPr>
-              <a:t>Model Metrics - Comparison</a:t>
-            </a:r>
-          </a:p>
-        </p:txBody>
-      </p:sp>
-      <p:graphicFrame>
-        <p:nvGraphicFramePr>
-          <p:cNvPr id="6" name="Table 5">
-            <a:extLst>
-              <a:ext uri="{FF2B5EF4-FFF2-40B4-BE49-F238E27FC236}">
-                <a16:creationId xmlns:a16="http://schemas.microsoft.com/office/drawing/2014/main" id="{499F9E7B-42A4-13D3-6EA4-A4A80355F09A}"/>
-              </a:ext>
-            </a:extLst>
-          </p:cNvPr>
-          <p:cNvGraphicFramePr>
-            <a:graphicFrameLocks noGrp="1"/>
-          </p:cNvGraphicFramePr>
-          <p:nvPr/>
-        </p:nvGraphicFramePr>
-        <p:xfrm>
-          <a:off x="3651249" y="2743200"/>
-          <a:ext cx="6850496" cy="1459345"/>
-        </p:xfrm>
-        <a:graphic>
-          <a:graphicData uri="http://schemas.openxmlformats.org/drawingml/2006/table">
-            <a:tbl>
-              <a:tblPr>
-                <a:tableStyleId>{5C22544A-7EE6-4342-B048-85BDC9FD1C3A}</a:tableStyleId>
-              </a:tblPr>
-              <a:tblGrid>
-                <a:gridCol w="2243437">
-                  <a:extLst>
-                    <a:ext uri="{9D8B030D-6E8A-4147-A177-3AD203B41FA5}">
-                      <a16:colId xmlns:a16="http://schemas.microsoft.com/office/drawing/2014/main" val="4138647965"/>
-                    </a:ext>
-                  </a:extLst>
-                </a:gridCol>
-                <a:gridCol w="854643">
-                  <a:extLst>
-                    <a:ext uri="{9D8B030D-6E8A-4147-A177-3AD203B41FA5}">
-                      <a16:colId xmlns:a16="http://schemas.microsoft.com/office/drawing/2014/main" val="97733954"/>
-                    </a:ext>
-                  </a:extLst>
-                </a:gridCol>
-                <a:gridCol w="854643">
-                  <a:extLst>
-                    <a:ext uri="{9D8B030D-6E8A-4147-A177-3AD203B41FA5}">
-                      <a16:colId xmlns:a16="http://schemas.microsoft.com/office/drawing/2014/main" val="2039956774"/>
-                    </a:ext>
-                  </a:extLst>
-                </a:gridCol>
-                <a:gridCol w="854643">
-                  <a:extLst>
-                    <a:ext uri="{9D8B030D-6E8A-4147-A177-3AD203B41FA5}">
-                      <a16:colId xmlns:a16="http://schemas.microsoft.com/office/drawing/2014/main" val="1367500532"/>
-                    </a:ext>
-                  </a:extLst>
-                </a:gridCol>
-                <a:gridCol w="854643">
-                  <a:extLst>
-                    <a:ext uri="{9D8B030D-6E8A-4147-A177-3AD203B41FA5}">
-                      <a16:colId xmlns:a16="http://schemas.microsoft.com/office/drawing/2014/main" val="2458206193"/>
-                    </a:ext>
-                  </a:extLst>
-                </a:gridCol>
-                <a:gridCol w="467383">
-                  <a:extLst>
-                    <a:ext uri="{9D8B030D-6E8A-4147-A177-3AD203B41FA5}">
-                      <a16:colId xmlns:a16="http://schemas.microsoft.com/office/drawing/2014/main" val="3970031756"/>
-                    </a:ext>
-                  </a:extLst>
-                </a:gridCol>
-                <a:gridCol w="721104">
-                  <a:extLst>
-                    <a:ext uri="{9D8B030D-6E8A-4147-A177-3AD203B41FA5}">
-                      <a16:colId xmlns:a16="http://schemas.microsoft.com/office/drawing/2014/main" val="3519575758"/>
-                    </a:ext>
-                  </a:extLst>
-                </a:gridCol>
-              </a:tblGrid>
-              <a:tr h="429220">
-                <a:tc gridSpan="7">
-                  <a:txBody>
-                    <a:bodyPr/>
-                    <a:lstStyle/>
-                    <a:p>
-                      <a:pPr algn="l" fontAlgn="b"/>
-                      <a:r>
-                        <a:rPr lang="en-US" sz="1400" u="none" strike="noStrike" dirty="0">
-                          <a:effectLst/>
-                        </a:rPr>
-                        <a:t>Performance metrics</a:t>
-                      </a:r>
-                      <a:endParaRPr lang="en-US" sz="1400" b="1" i="0" u="none" strike="noStrike" dirty="0">
-                        <a:solidFill>
-                          <a:srgbClr val="000000"/>
-                        </a:solidFill>
-                        <a:effectLst/>
-                        <a:latin typeface="Calibri" panose="020F0502020204030204" pitchFamily="34" charset="0"/>
-                      </a:endParaRPr>
-                    </a:p>
-                  </a:txBody>
-                  <a:tcPr marL="9525" marR="9525" marT="9525" marB="0" anchor="b">
-                    <a:lnL w="12700" cap="flat" cmpd="sng" algn="ctr">
-                      <a:solidFill>
-                        <a:schemeClr val="tx1"/>
-                      </a:solidFill>
-                      <a:prstDash val="solid"/>
-                      <a:round/>
-                      <a:headEnd type="none" w="med" len="med"/>
-                      <a:tailEnd type="none" w="med" len="med"/>
-                    </a:lnL>
-                    <a:lnR w="12700" cap="flat" cmpd="sng" algn="ctr">
-                      <a:solidFill>
-                        <a:schemeClr val="tx1"/>
-                      </a:solidFill>
-                      <a:prstDash val="solid"/>
-                      <a:round/>
-                      <a:headEnd type="none" w="med" len="med"/>
-                      <a:tailEnd type="none" w="med" len="med"/>
-                    </a:lnR>
-                    <a:lnT w="12700" cap="flat" cmpd="sng" algn="ctr">
-                      <a:solidFill>
-                        <a:schemeClr val="tx1"/>
-                      </a:solidFill>
-                      <a:prstDash val="solid"/>
-                      <a:round/>
-                      <a:headEnd type="none" w="med" len="med"/>
-                      <a:tailEnd type="none" w="med" len="med"/>
-                    </a:lnT>
-                    <a:lnB w="12700" cap="flat" cmpd="sng" algn="ctr">
-                      <a:solidFill>
-                        <a:schemeClr val="tx1"/>
-                      </a:solidFill>
-                      <a:prstDash val="solid"/>
-                      <a:round/>
-                      <a:headEnd type="none" w="med" len="med"/>
-                      <a:tailEnd type="none" w="med" len="med"/>
-                    </a:lnB>
-                    <a:solidFill>
-                      <a:schemeClr val="bg2">
-                        <a:lumMod val="90000"/>
-                      </a:schemeClr>
-                    </a:solidFill>
-                  </a:tcPr>
-                </a:tc>
-                <a:tc hMerge="1">
-                  <a:txBody>
-                    <a:bodyPr/>
-                    <a:lstStyle/>
-                    <a:p>
-                      <a:endParaRPr lang="en-US"/>
-                    </a:p>
-                  </a:txBody>
-                  <a:tcPr/>
-                </a:tc>
-                <a:tc hMerge="1">
-                  <a:txBody>
-                    <a:bodyPr/>
-                    <a:lstStyle/>
-                    <a:p>
-                      <a:endParaRPr lang="en-US"/>
-                    </a:p>
-                  </a:txBody>
-                  <a:tcPr/>
-                </a:tc>
-                <a:tc hMerge="1">
-                  <a:txBody>
-                    <a:bodyPr/>
-                    <a:lstStyle/>
-                    <a:p>
-                      <a:endParaRPr lang="en-US"/>
-                    </a:p>
-                  </a:txBody>
-                  <a:tcPr/>
-                </a:tc>
-                <a:tc hMerge="1">
-                  <a:txBody>
-                    <a:bodyPr/>
-                    <a:lstStyle/>
-                    <a:p>
-                      <a:endParaRPr lang="en-US"/>
-                    </a:p>
-                  </a:txBody>
-                  <a:tcPr/>
-                </a:tc>
-                <a:tc hMerge="1">
-                  <a:txBody>
-                    <a:bodyPr/>
-                    <a:lstStyle/>
-                    <a:p>
-                      <a:endParaRPr lang="en-US"/>
-                    </a:p>
-                  </a:txBody>
-                  <a:tcPr/>
-                </a:tc>
-                <a:tc hMerge="1">
-                  <a:txBody>
-                    <a:bodyPr/>
-                    <a:lstStyle/>
-                    <a:p>
-                      <a:endParaRPr lang="en-US"/>
-                    </a:p>
-                  </a:txBody>
-                  <a:tcPr/>
-                </a:tc>
-                <a:extLst>
-                  <a:ext uri="{0D108BD9-81ED-4DB2-BD59-A6C34878D82A}">
-                    <a16:rowId xmlns:a16="http://schemas.microsoft.com/office/drawing/2014/main" val="3497615851"/>
-                  </a:ext>
-                </a:extLst>
-              </a:tr>
-              <a:tr h="343375">
-                <a:tc>
-                  <a:txBody>
-                    <a:bodyPr/>
-                    <a:lstStyle/>
-                    <a:p>
-                      <a:pPr algn="l" fontAlgn="b"/>
-                      <a:r>
-                        <a:rPr lang="en-US" sz="1100" u="none" strike="noStrike">
-                          <a:effectLst/>
-                        </a:rPr>
-                        <a:t>Model</a:t>
-                      </a:r>
-                      <a:endParaRPr lang="en-US" sz="1100" b="1" i="0" u="none" strike="noStrike">
-                        <a:solidFill>
-                          <a:srgbClr val="000000"/>
-                        </a:solidFill>
-                        <a:effectLst/>
-                        <a:latin typeface="Calibri" panose="020F0502020204030204" pitchFamily="34" charset="0"/>
-                      </a:endParaRPr>
-                    </a:p>
-                  </a:txBody>
-                  <a:tcPr marL="9525" marR="9525" marT="9525" marB="0" anchor="b">
-                    <a:lnL w="12700" cap="flat" cmpd="sng" algn="ctr">
-                      <a:solidFill>
-                        <a:schemeClr val="tx1"/>
-                      </a:solidFill>
-                      <a:prstDash val="solid"/>
-                      <a:round/>
-                      <a:headEnd type="none" w="med" len="med"/>
-                      <a:tailEnd type="none" w="med" len="med"/>
-                    </a:lnL>
-                    <a:lnR w="12700" cap="flat" cmpd="sng" algn="ctr">
-                      <a:solidFill>
-                        <a:schemeClr val="tx1"/>
-                      </a:solidFill>
-                      <a:prstDash val="solid"/>
-                      <a:round/>
-                      <a:headEnd type="none" w="med" len="med"/>
-                      <a:tailEnd type="none" w="med" len="med"/>
-                    </a:lnR>
-                    <a:lnT w="12700" cap="flat" cmpd="sng" algn="ctr">
-                      <a:solidFill>
-                        <a:schemeClr val="tx1"/>
-                      </a:solidFill>
-                      <a:prstDash val="solid"/>
-                      <a:round/>
-                      <a:headEnd type="none" w="med" len="med"/>
-                      <a:tailEnd type="none" w="med" len="med"/>
-                    </a:lnT>
-                    <a:lnB w="12700" cap="flat" cmpd="sng" algn="ctr">
-                      <a:solidFill>
-                        <a:schemeClr val="tx1"/>
-                      </a:solidFill>
-                      <a:prstDash val="solid"/>
-                      <a:round/>
-                      <a:headEnd type="none" w="med" len="med"/>
-                      <a:tailEnd type="none" w="med" len="med"/>
-                    </a:lnB>
-                    <a:solidFill>
-                      <a:schemeClr val="accent2">
-                        <a:lumMod val="20000"/>
-                        <a:lumOff val="80000"/>
-                      </a:schemeClr>
-                    </a:solidFill>
-                  </a:tcPr>
-                </a:tc>
-                <a:tc>
-                  <a:txBody>
-                    <a:bodyPr/>
-                    <a:lstStyle/>
-                    <a:p>
-                      <a:pPr algn="l" fontAlgn="b"/>
-                      <a:r>
-                        <a:rPr lang="en-US" sz="1100" u="none" strike="noStrike">
-                          <a:effectLst/>
-                        </a:rPr>
-                        <a:t>Accuracy</a:t>
-                      </a:r>
-                      <a:endParaRPr lang="en-US" sz="1100" b="1" i="0" u="none" strike="noStrike">
-                        <a:solidFill>
-                          <a:srgbClr val="000000"/>
-                        </a:solidFill>
-                        <a:effectLst/>
-                        <a:latin typeface="Calibri" panose="020F0502020204030204" pitchFamily="34" charset="0"/>
-                      </a:endParaRPr>
-                    </a:p>
-                  </a:txBody>
-                  <a:tcPr marL="9525" marR="9525" marT="9525" marB="0" anchor="b">
-                    <a:lnL w="12700" cap="flat" cmpd="sng" algn="ctr">
-                      <a:solidFill>
-                        <a:schemeClr val="tx1"/>
-                      </a:solidFill>
-                      <a:prstDash val="solid"/>
-                      <a:round/>
-                      <a:headEnd type="none" w="med" len="med"/>
-                      <a:tailEnd type="none" w="med" len="med"/>
-                    </a:lnL>
-                    <a:lnR w="12700" cap="flat" cmpd="sng" algn="ctr">
-                      <a:solidFill>
-                        <a:schemeClr val="tx1"/>
-                      </a:solidFill>
-                      <a:prstDash val="solid"/>
-                      <a:round/>
-                      <a:headEnd type="none" w="med" len="med"/>
-                      <a:tailEnd type="none" w="med" len="med"/>
-                    </a:lnR>
-                    <a:lnT w="12700" cap="flat" cmpd="sng" algn="ctr">
-                      <a:solidFill>
-                        <a:schemeClr val="tx1"/>
-                      </a:solidFill>
-                      <a:prstDash val="solid"/>
-                      <a:round/>
-                      <a:headEnd type="none" w="med" len="med"/>
-                      <a:tailEnd type="none" w="med" len="med"/>
-                    </a:lnT>
-                    <a:lnB w="12700" cap="flat" cmpd="sng" algn="ctr">
-                      <a:solidFill>
-                        <a:schemeClr val="tx1"/>
-                      </a:solidFill>
-                      <a:prstDash val="solid"/>
-                      <a:round/>
-                      <a:headEnd type="none" w="med" len="med"/>
-                      <a:tailEnd type="none" w="med" len="med"/>
-                    </a:lnB>
-                    <a:solidFill>
-                      <a:schemeClr val="accent2">
-                        <a:lumMod val="20000"/>
-                        <a:lumOff val="80000"/>
-                      </a:schemeClr>
-                    </a:solidFill>
-                  </a:tcPr>
-                </a:tc>
-                <a:tc>
-                  <a:txBody>
-                    <a:bodyPr/>
-                    <a:lstStyle/>
-                    <a:p>
-                      <a:pPr algn="l" fontAlgn="b"/>
-                      <a:r>
-                        <a:rPr lang="en-US" sz="1100" u="none" strike="noStrike">
-                          <a:effectLst/>
-                        </a:rPr>
-                        <a:t>AUC</a:t>
-                      </a:r>
-                      <a:endParaRPr lang="en-US" sz="1100" b="1" i="0" u="none" strike="noStrike">
-                        <a:solidFill>
-                          <a:srgbClr val="000000"/>
-                        </a:solidFill>
-                        <a:effectLst/>
-                        <a:latin typeface="Calibri" panose="020F0502020204030204" pitchFamily="34" charset="0"/>
-                      </a:endParaRPr>
-                    </a:p>
-                  </a:txBody>
-                  <a:tcPr marL="9525" marR="9525" marT="9525" marB="0" anchor="b">
-                    <a:lnL w="12700" cap="flat" cmpd="sng" algn="ctr">
-                      <a:solidFill>
-                        <a:schemeClr val="tx1"/>
-                      </a:solidFill>
-                      <a:prstDash val="solid"/>
-                      <a:round/>
-                      <a:headEnd type="none" w="med" len="med"/>
-                      <a:tailEnd type="none" w="med" len="med"/>
-                    </a:lnL>
-                    <a:lnR w="12700" cap="flat" cmpd="sng" algn="ctr">
-                      <a:solidFill>
-                        <a:schemeClr val="tx1"/>
-                      </a:solidFill>
-                      <a:prstDash val="solid"/>
-                      <a:round/>
-                      <a:headEnd type="none" w="med" len="med"/>
-                      <a:tailEnd type="none" w="med" len="med"/>
-                    </a:lnR>
-                    <a:lnT w="12700" cap="flat" cmpd="sng" algn="ctr">
-                      <a:solidFill>
-                        <a:schemeClr val="tx1"/>
-                      </a:solidFill>
-                      <a:prstDash val="solid"/>
-                      <a:round/>
-                      <a:headEnd type="none" w="med" len="med"/>
-                      <a:tailEnd type="none" w="med" len="med"/>
-                    </a:lnT>
-                    <a:lnB w="12700" cap="flat" cmpd="sng" algn="ctr">
-                      <a:solidFill>
-                        <a:schemeClr val="tx1"/>
-                      </a:solidFill>
-                      <a:prstDash val="solid"/>
-                      <a:round/>
-                      <a:headEnd type="none" w="med" len="med"/>
-                      <a:tailEnd type="none" w="med" len="med"/>
-                    </a:lnB>
-                    <a:solidFill>
-                      <a:schemeClr val="accent2">
-                        <a:lumMod val="20000"/>
-                        <a:lumOff val="80000"/>
-                      </a:schemeClr>
-                    </a:solidFill>
-                  </a:tcPr>
-                </a:tc>
-                <a:tc>
-                  <a:txBody>
-                    <a:bodyPr/>
-                    <a:lstStyle/>
-                    <a:p>
-                      <a:pPr algn="l" fontAlgn="b"/>
-                      <a:r>
-                        <a:rPr lang="en-US" sz="1100" u="none" strike="noStrike">
-                          <a:effectLst/>
-                        </a:rPr>
-                        <a:t>Recall</a:t>
-                      </a:r>
-                      <a:endParaRPr lang="en-US" sz="1100" b="1" i="0" u="none" strike="noStrike">
-                        <a:solidFill>
-                          <a:srgbClr val="000000"/>
-                        </a:solidFill>
-                        <a:effectLst/>
-                        <a:latin typeface="Calibri" panose="020F0502020204030204" pitchFamily="34" charset="0"/>
-                      </a:endParaRPr>
-                    </a:p>
-                  </a:txBody>
-                  <a:tcPr marL="9525" marR="9525" marT="9525" marB="0" anchor="b">
-                    <a:lnL w="12700" cap="flat" cmpd="sng" algn="ctr">
-                      <a:solidFill>
-                        <a:schemeClr val="tx1"/>
-                      </a:solidFill>
-                      <a:prstDash val="solid"/>
-                      <a:round/>
-                      <a:headEnd type="none" w="med" len="med"/>
-                      <a:tailEnd type="none" w="med" len="med"/>
-                    </a:lnL>
-                    <a:lnR w="12700" cap="flat" cmpd="sng" algn="ctr">
-                      <a:solidFill>
-                        <a:schemeClr val="tx1"/>
-                      </a:solidFill>
-                      <a:prstDash val="solid"/>
-                      <a:round/>
-                      <a:headEnd type="none" w="med" len="med"/>
-                      <a:tailEnd type="none" w="med" len="med"/>
-                    </a:lnR>
-                    <a:lnT w="12700" cap="flat" cmpd="sng" algn="ctr">
-                      <a:solidFill>
-                        <a:schemeClr val="tx1"/>
-                      </a:solidFill>
-                      <a:prstDash val="solid"/>
-                      <a:round/>
-                      <a:headEnd type="none" w="med" len="med"/>
-                      <a:tailEnd type="none" w="med" len="med"/>
-                    </a:lnT>
-                    <a:lnB w="12700" cap="flat" cmpd="sng" algn="ctr">
-                      <a:solidFill>
-                        <a:schemeClr val="tx1"/>
-                      </a:solidFill>
-                      <a:prstDash val="solid"/>
-                      <a:round/>
-                      <a:headEnd type="none" w="med" len="med"/>
-                      <a:tailEnd type="none" w="med" len="med"/>
-                    </a:lnB>
-                    <a:solidFill>
-                      <a:schemeClr val="accent2">
-                        <a:lumMod val="20000"/>
-                        <a:lumOff val="80000"/>
-                      </a:schemeClr>
-                    </a:solidFill>
-                  </a:tcPr>
-                </a:tc>
-                <a:tc>
-                  <a:txBody>
-                    <a:bodyPr/>
-                    <a:lstStyle/>
-                    <a:p>
-                      <a:pPr algn="l" fontAlgn="b"/>
-                      <a:r>
-                        <a:rPr lang="en-US" sz="1100" u="none" strike="noStrike">
-                          <a:effectLst/>
-                        </a:rPr>
-                        <a:t>Precision</a:t>
-                      </a:r>
-                      <a:endParaRPr lang="en-US" sz="1100" b="1" i="0" u="none" strike="noStrike">
-                        <a:solidFill>
-                          <a:srgbClr val="000000"/>
-                        </a:solidFill>
-                        <a:effectLst/>
-                        <a:latin typeface="Calibri" panose="020F0502020204030204" pitchFamily="34" charset="0"/>
-                      </a:endParaRPr>
-                    </a:p>
-                  </a:txBody>
-                  <a:tcPr marL="9525" marR="9525" marT="9525" marB="0" anchor="b">
-                    <a:lnL w="12700" cap="flat" cmpd="sng" algn="ctr">
-                      <a:solidFill>
-                        <a:schemeClr val="tx1"/>
-                      </a:solidFill>
-                      <a:prstDash val="solid"/>
-                      <a:round/>
-                      <a:headEnd type="none" w="med" len="med"/>
-                      <a:tailEnd type="none" w="med" len="med"/>
-                    </a:lnL>
-                    <a:lnR w="12700" cap="flat" cmpd="sng" algn="ctr">
-                      <a:solidFill>
-                        <a:schemeClr val="tx1"/>
-                      </a:solidFill>
-                      <a:prstDash val="solid"/>
-                      <a:round/>
-                      <a:headEnd type="none" w="med" len="med"/>
-                      <a:tailEnd type="none" w="med" len="med"/>
-                    </a:lnR>
-                    <a:lnT w="12700" cap="flat" cmpd="sng" algn="ctr">
-                      <a:solidFill>
-                        <a:schemeClr val="tx1"/>
-                      </a:solidFill>
-                      <a:prstDash val="solid"/>
-                      <a:round/>
-                      <a:headEnd type="none" w="med" len="med"/>
-                      <a:tailEnd type="none" w="med" len="med"/>
-                    </a:lnT>
-                    <a:lnB w="12700" cap="flat" cmpd="sng" algn="ctr">
-                      <a:solidFill>
-                        <a:schemeClr val="tx1"/>
-                      </a:solidFill>
-                      <a:prstDash val="solid"/>
-                      <a:round/>
-                      <a:headEnd type="none" w="med" len="med"/>
-                      <a:tailEnd type="none" w="med" len="med"/>
-                    </a:lnB>
-                    <a:solidFill>
-                      <a:schemeClr val="accent2">
-                        <a:lumMod val="20000"/>
-                        <a:lumOff val="80000"/>
-                      </a:schemeClr>
-                    </a:solidFill>
-                  </a:tcPr>
-                </a:tc>
-                <a:tc>
-                  <a:txBody>
-                    <a:bodyPr/>
-                    <a:lstStyle/>
-                    <a:p>
-                      <a:pPr algn="l" fontAlgn="b"/>
-                      <a:r>
-                        <a:rPr lang="en-US" sz="1100" u="none" strike="noStrike">
-                          <a:effectLst/>
-                        </a:rPr>
-                        <a:t>F1</a:t>
-                      </a:r>
-                      <a:endParaRPr lang="en-US" sz="1100" b="1" i="0" u="none" strike="noStrike">
-                        <a:solidFill>
-                          <a:srgbClr val="000000"/>
-                        </a:solidFill>
-                        <a:effectLst/>
-                        <a:latin typeface="Calibri" panose="020F0502020204030204" pitchFamily="34" charset="0"/>
-                      </a:endParaRPr>
-                    </a:p>
-                  </a:txBody>
-                  <a:tcPr marL="9525" marR="9525" marT="9525" marB="0" anchor="b">
-                    <a:lnL w="12700" cap="flat" cmpd="sng" algn="ctr">
-                      <a:solidFill>
-                        <a:schemeClr val="tx1"/>
-                      </a:solidFill>
-                      <a:prstDash val="solid"/>
-                      <a:round/>
-                      <a:headEnd type="none" w="med" len="med"/>
-                      <a:tailEnd type="none" w="med" len="med"/>
-                    </a:lnL>
-                    <a:lnR w="12700" cap="flat" cmpd="sng" algn="ctr">
-                      <a:solidFill>
-                        <a:schemeClr val="tx1"/>
-                      </a:solidFill>
-                      <a:prstDash val="solid"/>
-                      <a:round/>
-                      <a:headEnd type="none" w="med" len="med"/>
-                      <a:tailEnd type="none" w="med" len="med"/>
-                    </a:lnR>
-                    <a:lnT w="12700" cap="flat" cmpd="sng" algn="ctr">
-                      <a:solidFill>
-                        <a:schemeClr val="tx1"/>
-                      </a:solidFill>
-                      <a:prstDash val="solid"/>
-                      <a:round/>
-                      <a:headEnd type="none" w="med" len="med"/>
-                      <a:tailEnd type="none" w="med" len="med"/>
-                    </a:lnT>
-                    <a:lnB w="12700" cap="flat" cmpd="sng" algn="ctr">
-                      <a:solidFill>
-                        <a:schemeClr val="tx1"/>
-                      </a:solidFill>
-                      <a:prstDash val="solid"/>
-                      <a:round/>
-                      <a:headEnd type="none" w="med" len="med"/>
-                      <a:tailEnd type="none" w="med" len="med"/>
-                    </a:lnB>
-                    <a:solidFill>
-                      <a:schemeClr val="accent2">
-                        <a:lumMod val="20000"/>
-                        <a:lumOff val="80000"/>
-                      </a:schemeClr>
-                    </a:solidFill>
-                  </a:tcPr>
-                </a:tc>
-                <a:tc>
-                  <a:txBody>
-                    <a:bodyPr/>
-                    <a:lstStyle/>
-                    <a:p>
-                      <a:pPr algn="l" fontAlgn="b"/>
-                      <a:r>
-                        <a:rPr lang="en-US" sz="1100" u="none" strike="noStrike" dirty="0" err="1">
-                          <a:effectLst/>
-                        </a:rPr>
-                        <a:t>LogLoss</a:t>
-                      </a:r>
-                      <a:endParaRPr lang="en-US" sz="1100" b="1" i="0" u="none" strike="noStrike" dirty="0">
-                        <a:solidFill>
-                          <a:srgbClr val="000000"/>
-                        </a:solidFill>
-                        <a:effectLst/>
-                        <a:latin typeface="Calibri" panose="020F0502020204030204" pitchFamily="34" charset="0"/>
-                      </a:endParaRPr>
-                    </a:p>
-                  </a:txBody>
-                  <a:tcPr marL="9525" marR="9525" marT="9525" marB="0" anchor="b">
-                    <a:lnL w="12700" cap="flat" cmpd="sng" algn="ctr">
-                      <a:solidFill>
-                        <a:schemeClr val="tx1"/>
-                      </a:solidFill>
-                      <a:prstDash val="solid"/>
-                      <a:round/>
-                      <a:headEnd type="none" w="med" len="med"/>
-                      <a:tailEnd type="none" w="med" len="med"/>
-                    </a:lnL>
-                    <a:lnR w="12700" cap="flat" cmpd="sng" algn="ctr">
-                      <a:solidFill>
-                        <a:schemeClr val="tx1"/>
-                      </a:solidFill>
-                      <a:prstDash val="solid"/>
-                      <a:round/>
-                      <a:headEnd type="none" w="med" len="med"/>
-                      <a:tailEnd type="none" w="med" len="med"/>
-                    </a:lnR>
-                    <a:lnT w="12700" cap="flat" cmpd="sng" algn="ctr">
-                      <a:solidFill>
-                        <a:schemeClr val="tx1"/>
-                      </a:solidFill>
-                      <a:prstDash val="solid"/>
-                      <a:round/>
-                      <a:headEnd type="none" w="med" len="med"/>
-                      <a:tailEnd type="none" w="med" len="med"/>
-                    </a:lnT>
-                    <a:lnB w="12700" cap="flat" cmpd="sng" algn="ctr">
-                      <a:solidFill>
-                        <a:schemeClr val="tx1"/>
-                      </a:solidFill>
-                      <a:prstDash val="solid"/>
-                      <a:round/>
-                      <a:headEnd type="none" w="med" len="med"/>
-                      <a:tailEnd type="none" w="med" len="med"/>
-                    </a:lnB>
-                    <a:solidFill>
-                      <a:schemeClr val="accent2">
-                        <a:lumMod val="20000"/>
-                        <a:lumOff val="80000"/>
-                      </a:schemeClr>
-                    </a:solidFill>
-                  </a:tcPr>
-                </a:tc>
-                <a:extLst>
-                  <a:ext uri="{0D108BD9-81ED-4DB2-BD59-A6C34878D82A}">
-                    <a16:rowId xmlns:a16="http://schemas.microsoft.com/office/drawing/2014/main" val="1125358361"/>
-                  </a:ext>
-                </a:extLst>
-              </a:tr>
-              <a:tr h="343375">
-                <a:tc>
-                  <a:txBody>
-                    <a:bodyPr/>
-                    <a:lstStyle/>
-                    <a:p>
-                      <a:pPr algn="l" fontAlgn="b"/>
-                      <a:r>
-                        <a:rPr lang="en-US" sz="1100" u="none" strike="noStrike" dirty="0" err="1">
-                          <a:effectLst/>
-                        </a:rPr>
-                        <a:t>XGBoost</a:t>
-                      </a:r>
-                      <a:r>
-                        <a:rPr lang="en-US" sz="1100" u="none" strike="noStrike" dirty="0">
-                          <a:effectLst/>
-                        </a:rPr>
-                        <a:t> - RFECV features</a:t>
-                      </a:r>
-                      <a:endParaRPr lang="en-US" sz="1100" b="0" i="0" u="none" strike="noStrike" dirty="0">
-                        <a:solidFill>
-                          <a:srgbClr val="000000"/>
-                        </a:solidFill>
-                        <a:effectLst/>
-                        <a:latin typeface="Calibri" panose="020F0502020204030204" pitchFamily="34" charset="0"/>
-                      </a:endParaRPr>
-                    </a:p>
-                  </a:txBody>
-                  <a:tcPr marL="9525" marR="9525" marT="9525" marB="0" anchor="b">
-                    <a:lnL w="12700" cap="flat" cmpd="sng" algn="ctr">
-                      <a:solidFill>
-                        <a:schemeClr val="tx1"/>
-                      </a:solidFill>
-                      <a:prstDash val="solid"/>
-                      <a:round/>
-                      <a:headEnd type="none" w="med" len="med"/>
-                      <a:tailEnd type="none" w="med" len="med"/>
-                    </a:lnL>
-                    <a:lnR w="12700" cap="flat" cmpd="sng" algn="ctr">
-                      <a:solidFill>
-                        <a:schemeClr val="tx1"/>
-                      </a:solidFill>
-                      <a:prstDash val="solid"/>
-                      <a:round/>
-                      <a:headEnd type="none" w="med" len="med"/>
-                      <a:tailEnd type="none" w="med" len="med"/>
-                    </a:lnR>
-                    <a:lnT w="12700" cap="flat" cmpd="sng" algn="ctr">
-                      <a:solidFill>
-                        <a:schemeClr val="tx1"/>
-                      </a:solidFill>
-                      <a:prstDash val="solid"/>
-                      <a:round/>
-                      <a:headEnd type="none" w="med" len="med"/>
-                      <a:tailEnd type="none" w="med" len="med"/>
-                    </a:lnT>
-                    <a:lnB w="12700" cap="flat" cmpd="sng" algn="ctr">
-                      <a:solidFill>
-                        <a:schemeClr val="tx1"/>
-                      </a:solidFill>
-                      <a:prstDash val="solid"/>
-                      <a:round/>
-                      <a:headEnd type="none" w="med" len="med"/>
-                      <a:tailEnd type="none" w="med" len="med"/>
-                    </a:lnB>
-                    <a:solidFill>
-                      <a:schemeClr val="accent2">
-                        <a:lumMod val="20000"/>
-                        <a:lumOff val="80000"/>
-                      </a:schemeClr>
-                    </a:solidFill>
-                  </a:tcPr>
-                </a:tc>
-                <a:tc>
-                  <a:txBody>
-                    <a:bodyPr/>
-                    <a:lstStyle/>
-                    <a:p>
-                      <a:pPr algn="r" fontAlgn="b"/>
-                      <a:r>
-                        <a:rPr lang="en-US" sz="1100" u="none" strike="noStrike" dirty="0">
-                          <a:effectLst/>
-                        </a:rPr>
-                        <a:t>0.96</a:t>
-                      </a:r>
-                      <a:endParaRPr lang="en-US" sz="1100" b="0" i="0" u="none" strike="noStrike" dirty="0">
-                        <a:solidFill>
-                          <a:srgbClr val="000000"/>
-                        </a:solidFill>
-                        <a:effectLst/>
-                        <a:latin typeface="Calibri" panose="020F0502020204030204" pitchFamily="34" charset="0"/>
-                      </a:endParaRPr>
-                    </a:p>
-                  </a:txBody>
-                  <a:tcPr marL="9525" marR="9525" marT="9525" marB="0" anchor="b">
-                    <a:lnL w="12700" cap="flat" cmpd="sng" algn="ctr">
-                      <a:solidFill>
-                        <a:schemeClr val="tx1"/>
-                      </a:solidFill>
-                      <a:prstDash val="solid"/>
-                      <a:round/>
-                      <a:headEnd type="none" w="med" len="med"/>
-                      <a:tailEnd type="none" w="med" len="med"/>
-                    </a:lnL>
-                    <a:lnR w="12700" cap="flat" cmpd="sng" algn="ctr">
-                      <a:solidFill>
-                        <a:schemeClr val="tx1"/>
-                      </a:solidFill>
-                      <a:prstDash val="solid"/>
-                      <a:round/>
-                      <a:headEnd type="none" w="med" len="med"/>
-                      <a:tailEnd type="none" w="med" len="med"/>
-                    </a:lnR>
-                    <a:lnT w="12700" cap="flat" cmpd="sng" algn="ctr">
-                      <a:solidFill>
-                        <a:schemeClr val="tx1"/>
-                      </a:solidFill>
-                      <a:prstDash val="solid"/>
-                      <a:round/>
-                      <a:headEnd type="none" w="med" len="med"/>
-                      <a:tailEnd type="none" w="med" len="med"/>
-                    </a:lnT>
-                    <a:lnB w="12700" cap="flat" cmpd="sng" algn="ctr">
-                      <a:solidFill>
-                        <a:schemeClr val="tx1"/>
-                      </a:solidFill>
-                      <a:prstDash val="solid"/>
-                      <a:round/>
-                      <a:headEnd type="none" w="med" len="med"/>
-                      <a:tailEnd type="none" w="med" len="med"/>
-                    </a:lnB>
-                    <a:solidFill>
-                      <a:schemeClr val="bg1"/>
-                    </a:solidFill>
-                  </a:tcPr>
-                </a:tc>
-                <a:tc>
-                  <a:txBody>
-                    <a:bodyPr/>
-                    <a:lstStyle/>
-                    <a:p>
-                      <a:pPr algn="r" fontAlgn="b"/>
-                      <a:r>
-                        <a:rPr lang="en-US" sz="1100" u="none" strike="noStrike" dirty="0">
-                          <a:effectLst/>
-                        </a:rPr>
-                        <a:t>0.98</a:t>
-                      </a:r>
-                      <a:endParaRPr lang="en-US" sz="1100" b="0" i="0" u="none" strike="noStrike" dirty="0">
-                        <a:solidFill>
-                          <a:srgbClr val="000000"/>
-                        </a:solidFill>
-                        <a:effectLst/>
-                        <a:latin typeface="Calibri" panose="020F0502020204030204" pitchFamily="34" charset="0"/>
-                      </a:endParaRPr>
-                    </a:p>
-                  </a:txBody>
-                  <a:tcPr marL="9525" marR="9525" marT="9525" marB="0" anchor="b">
-                    <a:lnL w="12700" cap="flat" cmpd="sng" algn="ctr">
-                      <a:solidFill>
-                        <a:schemeClr val="tx1"/>
-                      </a:solidFill>
-                      <a:prstDash val="solid"/>
-                      <a:round/>
-                      <a:headEnd type="none" w="med" len="med"/>
-                      <a:tailEnd type="none" w="med" len="med"/>
-                    </a:lnL>
-                    <a:lnR w="12700" cap="flat" cmpd="sng" algn="ctr">
-                      <a:solidFill>
-                        <a:schemeClr val="tx1"/>
-                      </a:solidFill>
-                      <a:prstDash val="solid"/>
-                      <a:round/>
-                      <a:headEnd type="none" w="med" len="med"/>
-                      <a:tailEnd type="none" w="med" len="med"/>
-                    </a:lnR>
-                    <a:lnT w="12700" cap="flat" cmpd="sng" algn="ctr">
-                      <a:solidFill>
-                        <a:schemeClr val="tx1"/>
-                      </a:solidFill>
-                      <a:prstDash val="solid"/>
-                      <a:round/>
-                      <a:headEnd type="none" w="med" len="med"/>
-                      <a:tailEnd type="none" w="med" len="med"/>
-                    </a:lnT>
-                    <a:lnB w="12700" cap="flat" cmpd="sng" algn="ctr">
-                      <a:solidFill>
-                        <a:schemeClr val="tx1"/>
-                      </a:solidFill>
-                      <a:prstDash val="solid"/>
-                      <a:round/>
-                      <a:headEnd type="none" w="med" len="med"/>
-                      <a:tailEnd type="none" w="med" len="med"/>
-                    </a:lnB>
-                    <a:solidFill>
-                      <a:schemeClr val="bg1"/>
-                    </a:solidFill>
-                  </a:tcPr>
-                </a:tc>
-                <a:tc>
-                  <a:txBody>
-                    <a:bodyPr/>
-                    <a:lstStyle/>
-                    <a:p>
-                      <a:pPr algn="r" fontAlgn="b"/>
-                      <a:r>
-                        <a:rPr lang="en-US" sz="1100" u="none" strike="noStrike" dirty="0">
-                          <a:effectLst/>
-                        </a:rPr>
-                        <a:t>0.88</a:t>
-                      </a:r>
-                      <a:endParaRPr lang="en-US" sz="1100" b="0" i="0" u="none" strike="noStrike" dirty="0">
-                        <a:solidFill>
-                          <a:srgbClr val="000000"/>
-                        </a:solidFill>
-                        <a:effectLst/>
-                        <a:latin typeface="Calibri" panose="020F0502020204030204" pitchFamily="34" charset="0"/>
-                      </a:endParaRPr>
-                    </a:p>
-                  </a:txBody>
-                  <a:tcPr marL="9525" marR="9525" marT="9525" marB="0" anchor="b">
-                    <a:lnL w="12700" cap="flat" cmpd="sng" algn="ctr">
-                      <a:solidFill>
-                        <a:schemeClr val="tx1"/>
-                      </a:solidFill>
-                      <a:prstDash val="solid"/>
-                      <a:round/>
-                      <a:headEnd type="none" w="med" len="med"/>
-                      <a:tailEnd type="none" w="med" len="med"/>
-                    </a:lnL>
-                    <a:lnR w="12700" cap="flat" cmpd="sng" algn="ctr">
-                      <a:solidFill>
-                        <a:schemeClr val="tx1"/>
-                      </a:solidFill>
-                      <a:prstDash val="solid"/>
-                      <a:round/>
-                      <a:headEnd type="none" w="med" len="med"/>
-                      <a:tailEnd type="none" w="med" len="med"/>
-                    </a:lnR>
-                    <a:lnT w="12700" cap="flat" cmpd="sng" algn="ctr">
-                      <a:solidFill>
-                        <a:schemeClr val="tx1"/>
-                      </a:solidFill>
-                      <a:prstDash val="solid"/>
-                      <a:round/>
-                      <a:headEnd type="none" w="med" len="med"/>
-                      <a:tailEnd type="none" w="med" len="med"/>
-                    </a:lnT>
-                    <a:lnB w="12700" cap="flat" cmpd="sng" algn="ctr">
-                      <a:solidFill>
-                        <a:schemeClr val="tx1"/>
-                      </a:solidFill>
-                      <a:prstDash val="solid"/>
-                      <a:round/>
-                      <a:headEnd type="none" w="med" len="med"/>
-                      <a:tailEnd type="none" w="med" len="med"/>
-                    </a:lnB>
-                    <a:solidFill>
-                      <a:schemeClr val="bg1"/>
-                    </a:solidFill>
-                  </a:tcPr>
-                </a:tc>
-                <a:tc>
-                  <a:txBody>
-                    <a:bodyPr/>
-                    <a:lstStyle/>
-                    <a:p>
-                      <a:pPr algn="r" fontAlgn="b"/>
-                      <a:r>
-                        <a:rPr lang="en-US" sz="1100" u="none" strike="noStrike" dirty="0">
-                          <a:effectLst/>
-                        </a:rPr>
-                        <a:t>0.93</a:t>
-                      </a:r>
-                      <a:endParaRPr lang="en-US" sz="1100" b="0" i="0" u="none" strike="noStrike" dirty="0">
-                        <a:solidFill>
-                          <a:srgbClr val="000000"/>
-                        </a:solidFill>
-                        <a:effectLst/>
-                        <a:latin typeface="Calibri" panose="020F0502020204030204" pitchFamily="34" charset="0"/>
-                      </a:endParaRPr>
-                    </a:p>
-                  </a:txBody>
-                  <a:tcPr marL="9525" marR="9525" marT="9525" marB="0" anchor="b">
-                    <a:lnL w="12700" cap="flat" cmpd="sng" algn="ctr">
-                      <a:solidFill>
-                        <a:schemeClr val="tx1"/>
-                      </a:solidFill>
-                      <a:prstDash val="solid"/>
-                      <a:round/>
-                      <a:headEnd type="none" w="med" len="med"/>
-                      <a:tailEnd type="none" w="med" len="med"/>
-                    </a:lnL>
-                    <a:lnR w="12700" cap="flat" cmpd="sng" algn="ctr">
-                      <a:solidFill>
-                        <a:schemeClr val="tx1"/>
-                      </a:solidFill>
-                      <a:prstDash val="solid"/>
-                      <a:round/>
-                      <a:headEnd type="none" w="med" len="med"/>
-                      <a:tailEnd type="none" w="med" len="med"/>
-                    </a:lnR>
-                    <a:lnT w="12700" cap="flat" cmpd="sng" algn="ctr">
-                      <a:solidFill>
-                        <a:schemeClr val="tx1"/>
-                      </a:solidFill>
-                      <a:prstDash val="solid"/>
-                      <a:round/>
-                      <a:headEnd type="none" w="med" len="med"/>
-                      <a:tailEnd type="none" w="med" len="med"/>
-                    </a:lnT>
-                    <a:lnB w="12700" cap="flat" cmpd="sng" algn="ctr">
-                      <a:solidFill>
-                        <a:schemeClr val="tx1"/>
-                      </a:solidFill>
-                      <a:prstDash val="solid"/>
-                      <a:round/>
-                      <a:headEnd type="none" w="med" len="med"/>
-                      <a:tailEnd type="none" w="med" len="med"/>
-                    </a:lnB>
-                    <a:solidFill>
-                      <a:schemeClr val="bg1"/>
-                    </a:solidFill>
-                  </a:tcPr>
-                </a:tc>
-                <a:tc>
-                  <a:txBody>
-                    <a:bodyPr/>
-                    <a:lstStyle/>
-                    <a:p>
-                      <a:pPr algn="r" fontAlgn="b"/>
-                      <a:r>
-                        <a:rPr lang="en-US" sz="1100" u="none" strike="noStrike">
-                          <a:effectLst/>
-                        </a:rPr>
-                        <a:t>0.9</a:t>
-                      </a:r>
-                      <a:endParaRPr lang="en-US" sz="1100" b="0" i="0" u="none" strike="noStrike">
-                        <a:solidFill>
-                          <a:srgbClr val="000000"/>
-                        </a:solidFill>
-                        <a:effectLst/>
-                        <a:latin typeface="Calibri" panose="020F0502020204030204" pitchFamily="34" charset="0"/>
-                      </a:endParaRPr>
-                    </a:p>
-                  </a:txBody>
-                  <a:tcPr marL="9525" marR="9525" marT="9525" marB="0" anchor="b">
-                    <a:lnL w="12700" cap="flat" cmpd="sng" algn="ctr">
-                      <a:solidFill>
-                        <a:schemeClr val="tx1"/>
-                      </a:solidFill>
-                      <a:prstDash val="solid"/>
-                      <a:round/>
-                      <a:headEnd type="none" w="med" len="med"/>
-                      <a:tailEnd type="none" w="med" len="med"/>
-                    </a:lnL>
-                    <a:lnR w="12700" cap="flat" cmpd="sng" algn="ctr">
-                      <a:solidFill>
-                        <a:schemeClr val="tx1"/>
-                      </a:solidFill>
-                      <a:prstDash val="solid"/>
-                      <a:round/>
-                      <a:headEnd type="none" w="med" len="med"/>
-                      <a:tailEnd type="none" w="med" len="med"/>
-                    </a:lnR>
-                    <a:lnT w="12700" cap="flat" cmpd="sng" algn="ctr">
-                      <a:solidFill>
-                        <a:schemeClr val="tx1"/>
-                      </a:solidFill>
-                      <a:prstDash val="solid"/>
-                      <a:round/>
-                      <a:headEnd type="none" w="med" len="med"/>
-                      <a:tailEnd type="none" w="med" len="med"/>
-                    </a:lnT>
-                    <a:lnB w="12700" cap="flat" cmpd="sng" algn="ctr">
-                      <a:solidFill>
-                        <a:schemeClr val="tx1"/>
-                      </a:solidFill>
-                      <a:prstDash val="solid"/>
-                      <a:round/>
-                      <a:headEnd type="none" w="med" len="med"/>
-                      <a:tailEnd type="none" w="med" len="med"/>
-                    </a:lnB>
-                    <a:solidFill>
-                      <a:schemeClr val="bg1"/>
-                    </a:solidFill>
-                  </a:tcPr>
-                </a:tc>
-                <a:tc>
-                  <a:txBody>
-                    <a:bodyPr/>
-                    <a:lstStyle/>
-                    <a:p>
-                      <a:pPr algn="r" fontAlgn="b"/>
-                      <a:r>
-                        <a:rPr lang="en-US" sz="1100" u="none" strike="noStrike">
-                          <a:effectLst/>
-                        </a:rPr>
-                        <a:t>0.08</a:t>
-                      </a:r>
-                      <a:endParaRPr lang="en-US" sz="1100" b="0" i="0" u="none" strike="noStrike">
-                        <a:solidFill>
-                          <a:srgbClr val="000000"/>
-                        </a:solidFill>
-                        <a:effectLst/>
-                        <a:latin typeface="Calibri" panose="020F0502020204030204" pitchFamily="34" charset="0"/>
-                      </a:endParaRPr>
-                    </a:p>
-                  </a:txBody>
-                  <a:tcPr marL="9525" marR="9525" marT="9525" marB="0" anchor="b">
-                    <a:lnL w="12700" cap="flat" cmpd="sng" algn="ctr">
-                      <a:solidFill>
-                        <a:schemeClr val="tx1"/>
-                      </a:solidFill>
-                      <a:prstDash val="solid"/>
-                      <a:round/>
-                      <a:headEnd type="none" w="med" len="med"/>
-                      <a:tailEnd type="none" w="med" len="med"/>
-                    </a:lnL>
-                    <a:lnR w="12700" cap="flat" cmpd="sng" algn="ctr">
-                      <a:solidFill>
-                        <a:schemeClr val="tx1"/>
-                      </a:solidFill>
-                      <a:prstDash val="solid"/>
-                      <a:round/>
-                      <a:headEnd type="none" w="med" len="med"/>
-                      <a:tailEnd type="none" w="med" len="med"/>
-                    </a:lnR>
-                    <a:lnT w="12700" cap="flat" cmpd="sng" algn="ctr">
-                      <a:solidFill>
-                        <a:schemeClr val="tx1"/>
-                      </a:solidFill>
-                      <a:prstDash val="solid"/>
-                      <a:round/>
-                      <a:headEnd type="none" w="med" len="med"/>
-                      <a:tailEnd type="none" w="med" len="med"/>
-                    </a:lnT>
-                    <a:lnB w="12700" cap="flat" cmpd="sng" algn="ctr">
-                      <a:solidFill>
-                        <a:schemeClr val="tx1"/>
-                      </a:solidFill>
-                      <a:prstDash val="solid"/>
-                      <a:round/>
-                      <a:headEnd type="none" w="med" len="med"/>
-                      <a:tailEnd type="none" w="med" len="med"/>
-                    </a:lnB>
-                    <a:solidFill>
-                      <a:schemeClr val="bg1"/>
-                    </a:solidFill>
-                  </a:tcPr>
-                </a:tc>
-                <a:extLst>
-                  <a:ext uri="{0D108BD9-81ED-4DB2-BD59-A6C34878D82A}">
-                    <a16:rowId xmlns:a16="http://schemas.microsoft.com/office/drawing/2014/main" val="1915942167"/>
-                  </a:ext>
-                </a:extLst>
-              </a:tr>
-              <a:tr h="343375">
-                <a:tc>
-                  <a:txBody>
-                    <a:bodyPr/>
-                    <a:lstStyle/>
-                    <a:p>
-                      <a:pPr algn="l" fontAlgn="b"/>
-                      <a:r>
-                        <a:rPr lang="en-US" sz="1100" u="none" strike="noStrike" dirty="0" err="1">
-                          <a:effectLst/>
-                        </a:rPr>
-                        <a:t>XGBoost</a:t>
-                      </a:r>
-                      <a:r>
-                        <a:rPr lang="en-US" sz="1100" u="none" strike="noStrike" dirty="0">
-                          <a:effectLst/>
-                        </a:rPr>
-                        <a:t> - MRMR features</a:t>
-                      </a:r>
-                      <a:endParaRPr lang="en-US" sz="1100" b="0" i="0" u="none" strike="noStrike" dirty="0">
-                        <a:solidFill>
-                          <a:srgbClr val="000000"/>
-                        </a:solidFill>
-                        <a:effectLst/>
-                        <a:latin typeface="Calibri" panose="020F0502020204030204" pitchFamily="34" charset="0"/>
-                      </a:endParaRPr>
-                    </a:p>
-                  </a:txBody>
-                  <a:tcPr marL="9525" marR="9525" marT="9525" marB="0" anchor="b">
-                    <a:lnL w="12700" cap="flat" cmpd="sng" algn="ctr">
-                      <a:solidFill>
-                        <a:schemeClr val="tx1"/>
-                      </a:solidFill>
-                      <a:prstDash val="solid"/>
-                      <a:round/>
-                      <a:headEnd type="none" w="med" len="med"/>
-                      <a:tailEnd type="none" w="med" len="med"/>
-                    </a:lnL>
-                    <a:lnR w="12700" cap="flat" cmpd="sng" algn="ctr">
-                      <a:solidFill>
-                        <a:schemeClr val="tx1"/>
-                      </a:solidFill>
-                      <a:prstDash val="solid"/>
-                      <a:round/>
-                      <a:headEnd type="none" w="med" len="med"/>
-                      <a:tailEnd type="none" w="med" len="med"/>
-                    </a:lnR>
-                    <a:lnT w="12700" cap="flat" cmpd="sng" algn="ctr">
-                      <a:solidFill>
-                        <a:schemeClr val="tx1"/>
-                      </a:solidFill>
-                      <a:prstDash val="solid"/>
-                      <a:round/>
-                      <a:headEnd type="none" w="med" len="med"/>
-                      <a:tailEnd type="none" w="med" len="med"/>
-                    </a:lnT>
-                    <a:lnB w="12700" cap="flat" cmpd="sng" algn="ctr">
-                      <a:solidFill>
-                        <a:schemeClr val="tx1"/>
-                      </a:solidFill>
-                      <a:prstDash val="solid"/>
-                      <a:round/>
-                      <a:headEnd type="none" w="med" len="med"/>
-                      <a:tailEnd type="none" w="med" len="med"/>
-                    </a:lnB>
-                    <a:solidFill>
-                      <a:schemeClr val="accent2">
-                        <a:lumMod val="20000"/>
-                        <a:lumOff val="80000"/>
-                      </a:schemeClr>
-                    </a:solidFill>
-                  </a:tcPr>
-                </a:tc>
-                <a:tc>
-                  <a:txBody>
-                    <a:bodyPr/>
-                    <a:lstStyle/>
-                    <a:p>
-                      <a:pPr algn="r" fontAlgn="b"/>
-                      <a:r>
-                        <a:rPr lang="en-US" sz="1100" u="none" strike="noStrike">
-                          <a:effectLst/>
-                        </a:rPr>
-                        <a:t>0.97</a:t>
-                      </a:r>
-                      <a:endParaRPr lang="en-US" sz="1100" b="0" i="0" u="none" strike="noStrike">
-                        <a:solidFill>
-                          <a:srgbClr val="000000"/>
-                        </a:solidFill>
-                        <a:effectLst/>
-                        <a:latin typeface="Calibri" panose="020F0502020204030204" pitchFamily="34" charset="0"/>
-                      </a:endParaRPr>
-                    </a:p>
-                  </a:txBody>
-                  <a:tcPr marL="9525" marR="9525" marT="9525" marB="0" anchor="b">
-                    <a:lnL w="12700" cap="flat" cmpd="sng" algn="ctr">
-                      <a:solidFill>
-                        <a:schemeClr val="tx1"/>
-                      </a:solidFill>
-                      <a:prstDash val="solid"/>
-                      <a:round/>
-                      <a:headEnd type="none" w="med" len="med"/>
-                      <a:tailEnd type="none" w="med" len="med"/>
-                    </a:lnL>
-                    <a:lnR w="12700" cap="flat" cmpd="sng" algn="ctr">
-                      <a:solidFill>
-                        <a:schemeClr val="tx1"/>
-                      </a:solidFill>
-                      <a:prstDash val="solid"/>
-                      <a:round/>
-                      <a:headEnd type="none" w="med" len="med"/>
-                      <a:tailEnd type="none" w="med" len="med"/>
-                    </a:lnR>
-                    <a:lnT w="12700" cap="flat" cmpd="sng" algn="ctr">
-                      <a:solidFill>
-                        <a:schemeClr val="tx1"/>
-                      </a:solidFill>
-                      <a:prstDash val="solid"/>
-                      <a:round/>
-                      <a:headEnd type="none" w="med" len="med"/>
-                      <a:tailEnd type="none" w="med" len="med"/>
-                    </a:lnT>
-                    <a:lnB w="12700" cap="flat" cmpd="sng" algn="ctr">
-                      <a:solidFill>
-                        <a:schemeClr val="tx1"/>
-                      </a:solidFill>
-                      <a:prstDash val="solid"/>
-                      <a:round/>
-                      <a:headEnd type="none" w="med" len="med"/>
-                      <a:tailEnd type="none" w="med" len="med"/>
-                    </a:lnB>
-                    <a:solidFill>
-                      <a:schemeClr val="bg1"/>
-                    </a:solidFill>
-                  </a:tcPr>
-                </a:tc>
-                <a:tc>
-                  <a:txBody>
-                    <a:bodyPr/>
-                    <a:lstStyle/>
-                    <a:p>
-                      <a:pPr algn="r" fontAlgn="b"/>
-                      <a:r>
-                        <a:rPr lang="en-US" sz="1100" u="none" strike="noStrike">
-                          <a:effectLst/>
-                        </a:rPr>
-                        <a:t>0.99</a:t>
-                      </a:r>
-                      <a:endParaRPr lang="en-US" sz="1100" b="0" i="0" u="none" strike="noStrike">
-                        <a:solidFill>
-                          <a:srgbClr val="000000"/>
-                        </a:solidFill>
-                        <a:effectLst/>
-                        <a:latin typeface="Calibri" panose="020F0502020204030204" pitchFamily="34" charset="0"/>
-                      </a:endParaRPr>
-                    </a:p>
-                  </a:txBody>
-                  <a:tcPr marL="9525" marR="9525" marT="9525" marB="0" anchor="b">
-                    <a:lnL w="12700" cap="flat" cmpd="sng" algn="ctr">
-                      <a:solidFill>
-                        <a:schemeClr val="tx1"/>
-                      </a:solidFill>
-                      <a:prstDash val="solid"/>
-                      <a:round/>
-                      <a:headEnd type="none" w="med" len="med"/>
-                      <a:tailEnd type="none" w="med" len="med"/>
-                    </a:lnL>
-                    <a:lnR w="12700" cap="flat" cmpd="sng" algn="ctr">
-                      <a:solidFill>
-                        <a:schemeClr val="tx1"/>
-                      </a:solidFill>
-                      <a:prstDash val="solid"/>
-                      <a:round/>
-                      <a:headEnd type="none" w="med" len="med"/>
-                      <a:tailEnd type="none" w="med" len="med"/>
-                    </a:lnR>
-                    <a:lnT w="12700" cap="flat" cmpd="sng" algn="ctr">
-                      <a:solidFill>
-                        <a:schemeClr val="tx1"/>
-                      </a:solidFill>
-                      <a:prstDash val="solid"/>
-                      <a:round/>
-                      <a:headEnd type="none" w="med" len="med"/>
-                      <a:tailEnd type="none" w="med" len="med"/>
-                    </a:lnT>
-                    <a:lnB w="12700" cap="flat" cmpd="sng" algn="ctr">
-                      <a:solidFill>
-                        <a:schemeClr val="tx1"/>
-                      </a:solidFill>
-                      <a:prstDash val="solid"/>
-                      <a:round/>
-                      <a:headEnd type="none" w="med" len="med"/>
-                      <a:tailEnd type="none" w="med" len="med"/>
-                    </a:lnB>
-                    <a:solidFill>
-                      <a:schemeClr val="bg1"/>
-                    </a:solidFill>
-                  </a:tcPr>
-                </a:tc>
-                <a:tc>
-                  <a:txBody>
-                    <a:bodyPr/>
-                    <a:lstStyle/>
-                    <a:p>
-                      <a:pPr algn="r" fontAlgn="b"/>
-                      <a:r>
-                        <a:rPr lang="en-US" sz="1100" u="none" strike="noStrike" dirty="0">
-                          <a:effectLst/>
-                        </a:rPr>
-                        <a:t>0.89</a:t>
-                      </a:r>
-                      <a:endParaRPr lang="en-US" sz="1100" b="0" i="0" u="none" strike="noStrike" dirty="0">
-                        <a:solidFill>
-                          <a:srgbClr val="000000"/>
-                        </a:solidFill>
-                        <a:effectLst/>
-                        <a:latin typeface="Calibri" panose="020F0502020204030204" pitchFamily="34" charset="0"/>
-                      </a:endParaRPr>
-                    </a:p>
-                  </a:txBody>
-                  <a:tcPr marL="9525" marR="9525" marT="9525" marB="0" anchor="b">
-                    <a:lnL w="12700" cap="flat" cmpd="sng" algn="ctr">
-                      <a:solidFill>
-                        <a:schemeClr val="tx1"/>
-                      </a:solidFill>
-                      <a:prstDash val="solid"/>
-                      <a:round/>
-                      <a:headEnd type="none" w="med" len="med"/>
-                      <a:tailEnd type="none" w="med" len="med"/>
-                    </a:lnL>
-                    <a:lnR w="12700" cap="flat" cmpd="sng" algn="ctr">
-                      <a:solidFill>
-                        <a:schemeClr val="tx1"/>
-                      </a:solidFill>
-                      <a:prstDash val="solid"/>
-                      <a:round/>
-                      <a:headEnd type="none" w="med" len="med"/>
-                      <a:tailEnd type="none" w="med" len="med"/>
-                    </a:lnR>
-                    <a:lnT w="12700" cap="flat" cmpd="sng" algn="ctr">
-                      <a:solidFill>
-                        <a:schemeClr val="tx1"/>
-                      </a:solidFill>
-                      <a:prstDash val="solid"/>
-                      <a:round/>
-                      <a:headEnd type="none" w="med" len="med"/>
-                      <a:tailEnd type="none" w="med" len="med"/>
-                    </a:lnT>
-                    <a:lnB w="12700" cap="flat" cmpd="sng" algn="ctr">
-                      <a:solidFill>
-                        <a:schemeClr val="tx1"/>
-                      </a:solidFill>
-                      <a:prstDash val="solid"/>
-                      <a:round/>
-                      <a:headEnd type="none" w="med" len="med"/>
-                      <a:tailEnd type="none" w="med" len="med"/>
-                    </a:lnB>
-                    <a:solidFill>
-                      <a:schemeClr val="bg1"/>
-                    </a:solidFill>
-                  </a:tcPr>
-                </a:tc>
-                <a:tc>
-                  <a:txBody>
-                    <a:bodyPr/>
-                    <a:lstStyle/>
-                    <a:p>
-                      <a:pPr algn="r" fontAlgn="b"/>
-                      <a:r>
-                        <a:rPr lang="en-US" sz="1100" u="none" strike="noStrike">
-                          <a:effectLst/>
-                        </a:rPr>
-                        <a:t>0.93</a:t>
-                      </a:r>
-                      <a:endParaRPr lang="en-US" sz="1100" b="0" i="0" u="none" strike="noStrike">
-                        <a:solidFill>
-                          <a:srgbClr val="000000"/>
-                        </a:solidFill>
-                        <a:effectLst/>
-                        <a:latin typeface="Calibri" panose="020F0502020204030204" pitchFamily="34" charset="0"/>
-                      </a:endParaRPr>
-                    </a:p>
-                  </a:txBody>
-                  <a:tcPr marL="9525" marR="9525" marT="9525" marB="0" anchor="b">
-                    <a:lnL w="12700" cap="flat" cmpd="sng" algn="ctr">
-                      <a:solidFill>
-                        <a:schemeClr val="tx1"/>
-                      </a:solidFill>
-                      <a:prstDash val="solid"/>
-                      <a:round/>
-                      <a:headEnd type="none" w="med" len="med"/>
-                      <a:tailEnd type="none" w="med" len="med"/>
-                    </a:lnL>
-                    <a:lnR w="12700" cap="flat" cmpd="sng" algn="ctr">
-                      <a:solidFill>
-                        <a:schemeClr val="tx1"/>
-                      </a:solidFill>
-                      <a:prstDash val="solid"/>
-                      <a:round/>
-                      <a:headEnd type="none" w="med" len="med"/>
-                      <a:tailEnd type="none" w="med" len="med"/>
-                    </a:lnR>
-                    <a:lnT w="12700" cap="flat" cmpd="sng" algn="ctr">
-                      <a:solidFill>
-                        <a:schemeClr val="tx1"/>
-                      </a:solidFill>
-                      <a:prstDash val="solid"/>
-                      <a:round/>
-                      <a:headEnd type="none" w="med" len="med"/>
-                      <a:tailEnd type="none" w="med" len="med"/>
-                    </a:lnT>
-                    <a:lnB w="12700" cap="flat" cmpd="sng" algn="ctr">
-                      <a:solidFill>
-                        <a:schemeClr val="tx1"/>
-                      </a:solidFill>
-                      <a:prstDash val="solid"/>
-                      <a:round/>
-                      <a:headEnd type="none" w="med" len="med"/>
-                      <a:tailEnd type="none" w="med" len="med"/>
-                    </a:lnB>
-                    <a:solidFill>
-                      <a:schemeClr val="bg1"/>
-                    </a:solidFill>
-                  </a:tcPr>
-                </a:tc>
-                <a:tc>
-                  <a:txBody>
-                    <a:bodyPr/>
-                    <a:lstStyle/>
-                    <a:p>
-                      <a:pPr algn="r" fontAlgn="b"/>
-                      <a:r>
-                        <a:rPr lang="en-US" sz="1100" u="none" strike="noStrike" dirty="0">
-                          <a:effectLst/>
-                        </a:rPr>
-                        <a:t>0.91</a:t>
-                      </a:r>
-                      <a:endParaRPr lang="en-US" sz="1100" b="0" i="0" u="none" strike="noStrike" dirty="0">
-                        <a:solidFill>
-                          <a:srgbClr val="000000"/>
-                        </a:solidFill>
-                        <a:effectLst/>
-                        <a:latin typeface="Calibri" panose="020F0502020204030204" pitchFamily="34" charset="0"/>
-                      </a:endParaRPr>
-                    </a:p>
-                  </a:txBody>
-                  <a:tcPr marL="9525" marR="9525" marT="9525" marB="0" anchor="b">
-                    <a:lnL w="12700" cap="flat" cmpd="sng" algn="ctr">
-                      <a:solidFill>
-                        <a:schemeClr val="tx1"/>
-                      </a:solidFill>
-                      <a:prstDash val="solid"/>
-                      <a:round/>
-                      <a:headEnd type="none" w="med" len="med"/>
-                      <a:tailEnd type="none" w="med" len="med"/>
-                    </a:lnL>
-                    <a:lnR w="12700" cap="flat" cmpd="sng" algn="ctr">
-                      <a:solidFill>
-                        <a:schemeClr val="tx1"/>
-                      </a:solidFill>
-                      <a:prstDash val="solid"/>
-                      <a:round/>
-                      <a:headEnd type="none" w="med" len="med"/>
-                      <a:tailEnd type="none" w="med" len="med"/>
-                    </a:lnR>
-                    <a:lnT w="12700" cap="flat" cmpd="sng" algn="ctr">
-                      <a:solidFill>
-                        <a:schemeClr val="tx1"/>
-                      </a:solidFill>
-                      <a:prstDash val="solid"/>
-                      <a:round/>
-                      <a:headEnd type="none" w="med" len="med"/>
-                      <a:tailEnd type="none" w="med" len="med"/>
-                    </a:lnT>
-                    <a:lnB w="12700" cap="flat" cmpd="sng" algn="ctr">
-                      <a:solidFill>
-                        <a:schemeClr val="tx1"/>
-                      </a:solidFill>
-                      <a:prstDash val="solid"/>
-                      <a:round/>
-                      <a:headEnd type="none" w="med" len="med"/>
-                      <a:tailEnd type="none" w="med" len="med"/>
-                    </a:lnB>
-                    <a:solidFill>
-                      <a:schemeClr val="bg1"/>
-                    </a:solidFill>
-                  </a:tcPr>
-                </a:tc>
-                <a:tc>
-                  <a:txBody>
-                    <a:bodyPr/>
-                    <a:lstStyle/>
-                    <a:p>
-                      <a:pPr algn="r" fontAlgn="b"/>
-                      <a:r>
-                        <a:rPr lang="en-US" sz="1100" u="none" strike="noStrike" dirty="0">
-                          <a:effectLst/>
-                        </a:rPr>
-                        <a:t>0.078</a:t>
-                      </a:r>
-                      <a:endParaRPr lang="en-US" sz="1100" b="0" i="0" u="none" strike="noStrike" dirty="0">
-                        <a:solidFill>
-                          <a:srgbClr val="000000"/>
-                        </a:solidFill>
-                        <a:effectLst/>
-                        <a:latin typeface="Calibri" panose="020F0502020204030204" pitchFamily="34" charset="0"/>
-                      </a:endParaRPr>
-                    </a:p>
-                  </a:txBody>
-                  <a:tcPr marL="9525" marR="9525" marT="9525" marB="0" anchor="b">
-                    <a:lnL w="12700" cap="flat" cmpd="sng" algn="ctr">
-                      <a:solidFill>
-                        <a:schemeClr val="tx1"/>
-                      </a:solidFill>
-                      <a:prstDash val="solid"/>
-                      <a:round/>
-                      <a:headEnd type="none" w="med" len="med"/>
-                      <a:tailEnd type="none" w="med" len="med"/>
-                    </a:lnL>
-                    <a:lnR w="12700" cap="flat" cmpd="sng" algn="ctr">
-                      <a:solidFill>
-                        <a:schemeClr val="tx1"/>
-                      </a:solidFill>
-                      <a:prstDash val="solid"/>
-                      <a:round/>
-                      <a:headEnd type="none" w="med" len="med"/>
-                      <a:tailEnd type="none" w="med" len="med"/>
-                    </a:lnR>
-                    <a:lnT w="12700" cap="flat" cmpd="sng" algn="ctr">
-                      <a:solidFill>
-                        <a:schemeClr val="tx1"/>
-                      </a:solidFill>
-                      <a:prstDash val="solid"/>
-                      <a:round/>
-                      <a:headEnd type="none" w="med" len="med"/>
-                      <a:tailEnd type="none" w="med" len="med"/>
-                    </a:lnT>
-                    <a:lnB w="12700" cap="flat" cmpd="sng" algn="ctr">
-                      <a:solidFill>
-                        <a:schemeClr val="tx1"/>
-                      </a:solidFill>
-                      <a:prstDash val="solid"/>
-                      <a:round/>
-                      <a:headEnd type="none" w="med" len="med"/>
-                      <a:tailEnd type="none" w="med" len="med"/>
-                    </a:lnB>
-                    <a:solidFill>
-                      <a:schemeClr val="bg1"/>
-                    </a:solidFill>
-                  </a:tcPr>
-                </a:tc>
-                <a:extLst>
-                  <a:ext uri="{0D108BD9-81ED-4DB2-BD59-A6C34878D82A}">
-                    <a16:rowId xmlns:a16="http://schemas.microsoft.com/office/drawing/2014/main" val="903782256"/>
-                  </a:ext>
-                </a:extLst>
-              </a:tr>
-            </a:tbl>
-          </a:graphicData>
-        </a:graphic>
-      </p:graphicFrame>
-      <p:sp>
-        <p:nvSpPr>
-          <p:cNvPr id="7" name="TextBox 6">
-            <a:extLst>
-              <a:ext uri="{FF2B5EF4-FFF2-40B4-BE49-F238E27FC236}">
-                <a16:creationId xmlns:a16="http://schemas.microsoft.com/office/drawing/2014/main" id="{59630734-83BC-6B37-F6D2-8E14F8A6CC27}"/>
-              </a:ext>
-            </a:extLst>
-          </p:cNvPr>
-          <p:cNvSpPr txBox="1"/>
-          <p:nvPr/>
-        </p:nvSpPr>
-        <p:spPr>
-          <a:xfrm>
-            <a:off x="4880571" y="1599745"/>
-            <a:ext cx="3742420" cy="369332"/>
-          </a:xfrm>
-          <a:prstGeom prst="rect">
-            <a:avLst/>
-          </a:prstGeom>
-          <a:solidFill>
-            <a:schemeClr val="tx1"/>
-          </a:solidFill>
-        </p:spPr>
-        <p:txBody>
-          <a:bodyPr wrap="square" rtlCol="0">
-            <a:spAutoFit/>
-          </a:bodyPr>
-          <a:lstStyle/>
-          <a:p>
-            <a:pPr algn="ctr"/>
-            <a:r>
-              <a:rPr lang="en-US" dirty="0" err="1">
-                <a:solidFill>
-                  <a:schemeClr val="bg1"/>
-                </a:solidFill>
-              </a:rPr>
-              <a:t>XGBoost</a:t>
-            </a:r>
-            <a:r>
-              <a:rPr lang="en-US" dirty="0">
-                <a:solidFill>
-                  <a:schemeClr val="bg1"/>
-                </a:solidFill>
-              </a:rPr>
-              <a:t> – RFE Vs MRMR</a:t>
-            </a:r>
-          </a:p>
-        </p:txBody>
-      </p:sp>
       <p:sp>
         <p:nvSpPr>
           <p:cNvPr id="3" name="TextBox 2">
@@ -14690,7 +12958,7 @@
 </p:sld>
 </file>
 
-<file path=ppt/slides/slide28.xml><?xml version="1.0" encoding="utf-8"?>
+<file path=ppt/slides/slide27.xml><?xml version="1.0" encoding="utf-8"?>
 <p:sld xmlns:a="http://schemas.openxmlformats.org/drawingml/2006/main" xmlns:r="http://schemas.openxmlformats.org/officeDocument/2006/relationships" xmlns:p="http://schemas.openxmlformats.org/presentationml/2006/main">
   <p:cSld>
     <p:bg>
